--- a/Parte_III/Apresentação 3.pptx
+++ b/Parte_III/Apresentação 3.pptx
@@ -6,7 +6,7 @@
     <p:sldMasterId id="2147483684" r:id="rId2"/>
   </p:sldMasterIdLst>
   <p:notesMasterIdLst>
-    <p:notesMasterId r:id="rId19"/>
+    <p:notesMasterId r:id="rId20"/>
   </p:notesMasterIdLst>
   <p:sldIdLst>
     <p:sldId id="256" r:id="rId3"/>
@@ -22,9 +22,10 @@
     <p:sldId id="313" r:id="rId13"/>
     <p:sldId id="280" r:id="rId14"/>
     <p:sldId id="310" r:id="rId15"/>
-    <p:sldId id="304" r:id="rId16"/>
-    <p:sldId id="288" r:id="rId17"/>
-    <p:sldId id="311" r:id="rId18"/>
+    <p:sldId id="314" r:id="rId16"/>
+    <p:sldId id="304" r:id="rId17"/>
+    <p:sldId id="288" r:id="rId18"/>
+    <p:sldId id="311" r:id="rId19"/>
   </p:sldIdLst>
   <p:sldSz cx="12192000" cy="6858000"/>
   <p:notesSz cx="6858000" cy="9144000"/>
@@ -2264,7 +2265,7 @@
         <a:p>
           <a:r>
             <a:rPr lang="pt-PT" dirty="0"/>
-            <a:t>Registar funcionários</a:t>
+            <a:t>Registar/Inativar funcionários</a:t>
           </a:r>
         </a:p>
       </dgm:t>
@@ -2281,42 +2282,6 @@
       </dgm:t>
     </dgm:pt>
     <dgm:pt modelId="{22D5DA55-1B00-4D4B-927D-460D31F8BC5E}" type="sibTrans" cxnId="{9547B111-026F-4D3B-8FBE-3F99E01205CB}">
-      <dgm:prSet/>
-      <dgm:spPr/>
-      <dgm:t>
-        <a:bodyPr/>
-        <a:lstStyle/>
-        <a:p>
-          <a:endParaRPr lang="pt-PT"/>
-        </a:p>
-      </dgm:t>
-    </dgm:pt>
-    <dgm:pt modelId="{6181391E-AA10-4F80-85AC-6EFC46703085}">
-      <dgm:prSet phldrT="[Texto]"/>
-      <dgm:spPr/>
-      <dgm:t>
-        <a:bodyPr/>
-        <a:lstStyle/>
-        <a:p>
-          <a:r>
-            <a:rPr lang="pt-PT" dirty="0"/>
-            <a:t>Inativar funcionários</a:t>
-          </a:r>
-        </a:p>
-      </dgm:t>
-    </dgm:pt>
-    <dgm:pt modelId="{FB2414D8-99F2-4302-90CA-F7144E401399}" type="parTrans" cxnId="{DCC115DB-7C43-493D-82FE-B6203994853A}">
-      <dgm:prSet/>
-      <dgm:spPr/>
-      <dgm:t>
-        <a:bodyPr/>
-        <a:lstStyle/>
-        <a:p>
-          <a:endParaRPr lang="pt-PT"/>
-        </a:p>
-      </dgm:t>
-    </dgm:pt>
-    <dgm:pt modelId="{EB4C663A-D752-416A-BBD0-E90267394E73}" type="sibTrans" cxnId="{DCC115DB-7C43-493D-82FE-B6203994853A}">
       <dgm:prSet/>
       <dgm:spPr/>
       <dgm:t>
@@ -2459,9 +2424,7 @@
     <dgm:cxn modelId="{FFBBA3B9-55C0-4BF2-8E31-58CAA20C8557}" srcId="{1EB23002-20E4-4031-870A-D170E21B5A71}" destId="{9DA6B085-3C9B-48FC-82C6-6AD3F9F03F7E}" srcOrd="0" destOrd="0" parTransId="{E5EC7004-77E9-4F23-A66D-41D3DA29FC49}" sibTransId="{D1537EBC-0421-4DAB-9BF7-5EAFEC1BE425}"/>
     <dgm:cxn modelId="{FB64F5BE-91D4-493F-9751-22AED2FDEC0F}" type="presOf" srcId="{04B5A454-B4B2-4DFB-B99A-9B9520752E5C}" destId="{23285E2D-9EA9-44E0-8171-865B27E3183D}" srcOrd="1" destOrd="0" presId="urn:microsoft.com/office/officeart/2005/8/layout/list1"/>
     <dgm:cxn modelId="{4B26C0CB-075C-48A6-99AD-67888A619D2D}" type="presOf" srcId="{B5F62F1E-2D17-4441-802F-4409FA68FEE8}" destId="{D6110A8E-6618-4032-8D48-A785DDCA71C7}" srcOrd="0" destOrd="2" presId="urn:microsoft.com/office/officeart/2005/8/layout/list1"/>
-    <dgm:cxn modelId="{D34BDCD3-E76E-4E9F-877C-2241F54F718F}" type="presOf" srcId="{6181391E-AA10-4F80-85AC-6EFC46703085}" destId="{DD02F3D8-99C6-4BCD-99E7-04081B9060E6}" srcOrd="0" destOrd="1" presId="urn:microsoft.com/office/officeart/2005/8/layout/list1"/>
     <dgm:cxn modelId="{F62A95D7-B6B8-42B0-9BFB-FFFCA61BA193}" type="presOf" srcId="{9E970DC5-8D40-494F-90E1-A6105CF90DF5}" destId="{F121A62A-1036-4397-9D49-1330D76B42A2}" srcOrd="0" destOrd="0" presId="urn:microsoft.com/office/officeart/2005/8/layout/list1"/>
-    <dgm:cxn modelId="{DCC115DB-7C43-493D-82FE-B6203994853A}" srcId="{04B5A454-B4B2-4DFB-B99A-9B9520752E5C}" destId="{6181391E-AA10-4F80-85AC-6EFC46703085}" srcOrd="1" destOrd="0" parTransId="{FB2414D8-99F2-4302-90CA-F7144E401399}" sibTransId="{EB4C663A-D752-416A-BBD0-E90267394E73}"/>
     <dgm:cxn modelId="{A37E716C-6D9D-4B3E-89EF-132F5368E76F}" type="presParOf" srcId="{780B048F-1F80-4AA2-B08A-0D3C7B8A9899}" destId="{B4D83D62-2E84-4BCE-91D4-F0769E261C67}" srcOrd="0" destOrd="0" presId="urn:microsoft.com/office/officeart/2005/8/layout/list1"/>
     <dgm:cxn modelId="{B7AB5552-2284-4FFE-BC2C-FDB7789123E1}" type="presParOf" srcId="{B4D83D62-2E84-4BCE-91D4-F0769E261C67}" destId="{7FEE354E-45A6-4C40-AE0F-AD5BB2946B5C}" srcOrd="0" destOrd="0" presId="urn:microsoft.com/office/officeart/2005/8/layout/list1"/>
     <dgm:cxn modelId="{13DC7312-0B8E-480D-9B66-8EA4205FB429}" type="presParOf" srcId="{B4D83D62-2E84-4BCE-91D4-F0769E261C67}" destId="{B5F53D8D-F9CF-4393-85BC-02F0B177261C}" srcOrd="1" destOrd="0" presId="urn:microsoft.com/office/officeart/2005/8/layout/list1"/>
@@ -2970,8 +2933,8 @@
       </dsp:nvSpPr>
       <dsp:spPr>
         <a:xfrm>
-          <a:off x="0" y="237753"/>
-          <a:ext cx="6522720" cy="1278900"/>
+          <a:off x="0" y="230486"/>
+          <a:ext cx="6522720" cy="1370250"/>
         </a:xfrm>
         <a:prstGeom prst="rect">
           <a:avLst/>
@@ -3012,12 +2975,12 @@
         <a:fontRef idx="minor"/>
       </dsp:style>
       <dsp:txBody>
-        <a:bodyPr spcFirstLastPara="0" vert="horz" wrap="square" lIns="506236" tIns="291592" rIns="506236" bIns="99568" numCol="1" spcCol="1270" anchor="t" anchorCtr="0">
+        <a:bodyPr spcFirstLastPara="0" vert="horz" wrap="square" lIns="506236" tIns="312420" rIns="506236" bIns="106680" numCol="1" spcCol="1270" anchor="t" anchorCtr="0">
           <a:noAutofit/>
         </a:bodyPr>
         <a:lstStyle/>
         <a:p>
-          <a:pPr marL="114300" lvl="1" indent="-114300" algn="l" defTabSz="622300">
+          <a:pPr marL="114300" lvl="1" indent="-114300" algn="l" defTabSz="666750">
             <a:lnSpc>
               <a:spcPct val="90000"/>
             </a:lnSpc>
@@ -3030,12 +2993,12 @@
             <a:buChar char="•"/>
           </a:pPr>
           <a:r>
-            <a:rPr lang="pt-PT" sz="1400" kern="1200" dirty="0"/>
+            <a:rPr lang="pt-PT" sz="1500" kern="1200" dirty="0"/>
             <a:t>Registar na aplicação</a:t>
           </a:r>
         </a:p>
         <a:p>
-          <a:pPr marL="114300" lvl="1" indent="-114300" algn="l" defTabSz="622300">
+          <a:pPr marL="114300" lvl="1" indent="-114300" algn="l" defTabSz="666750">
             <a:lnSpc>
               <a:spcPct val="90000"/>
             </a:lnSpc>
@@ -3048,12 +3011,12 @@
             <a:buChar char="•"/>
           </a:pPr>
           <a:r>
-            <a:rPr lang="pt-PT" sz="1400" kern="1200" dirty="0"/>
+            <a:rPr lang="pt-PT" sz="1500" kern="1200" dirty="0"/>
             <a:t>Iniciar e terminar sessão na aplicação</a:t>
           </a:r>
         </a:p>
         <a:p>
-          <a:pPr marL="114300" lvl="1" indent="-114300" algn="l" defTabSz="622300">
+          <a:pPr marL="114300" lvl="1" indent="-114300" algn="l" defTabSz="666750">
             <a:lnSpc>
               <a:spcPct val="90000"/>
             </a:lnSpc>
@@ -3066,12 +3029,12 @@
             <a:buChar char="•"/>
           </a:pPr>
           <a:r>
-            <a:rPr lang="pt-PT" sz="1400" kern="1200" dirty="0"/>
+            <a:rPr lang="pt-PT" sz="1500" kern="1200" dirty="0"/>
             <a:t>Requisitar, cancelar e classificar serviços</a:t>
           </a:r>
         </a:p>
         <a:p>
-          <a:pPr marL="114300" lvl="1" indent="-114300" algn="l" defTabSz="622300">
+          <a:pPr marL="114300" lvl="1" indent="-114300" algn="l" defTabSz="666750">
             <a:lnSpc>
               <a:spcPct val="90000"/>
             </a:lnSpc>
@@ -3084,14 +3047,14 @@
             <a:buChar char="•"/>
           </a:pPr>
           <a:r>
-            <a:rPr lang="pt-PT" sz="1400" kern="1200" dirty="0"/>
+            <a:rPr lang="pt-PT" sz="1500" kern="1200" dirty="0"/>
             <a:t>Consultar informações diversas</a:t>
           </a:r>
         </a:p>
       </dsp:txBody>
       <dsp:txXfrm>
-        <a:off x="0" y="237753"/>
-        <a:ext cx="6522720" cy="1278900"/>
+        <a:off x="0" y="230486"/>
+        <a:ext cx="6522720" cy="1370250"/>
       </dsp:txXfrm>
     </dsp:sp>
     <dsp:sp modelId="{B5F53D8D-F9CF-4393-85BC-02F0B177261C}">
@@ -3101,8 +3064,8 @@
       </dsp:nvSpPr>
       <dsp:spPr>
         <a:xfrm>
-          <a:off x="326136" y="31113"/>
-          <a:ext cx="4565904" cy="413280"/>
+          <a:off x="326136" y="9086"/>
+          <a:ext cx="4565904" cy="442800"/>
         </a:xfrm>
         <a:prstGeom prst="roundRect">
           <a:avLst/>
@@ -3149,7 +3112,7 @@
         </a:bodyPr>
         <a:lstStyle/>
         <a:p>
-          <a:pPr marL="0" lvl="0" indent="0" algn="l" defTabSz="622300">
+          <a:pPr marL="0" lvl="0" indent="0" algn="l" defTabSz="666750">
             <a:lnSpc>
               <a:spcPct val="90000"/>
             </a:lnSpc>
@@ -3162,14 +3125,14 @@
             <a:buNone/>
           </a:pPr>
           <a:r>
-            <a:rPr lang="pt-PT" sz="1400" kern="1200" dirty="0"/>
+            <a:rPr lang="pt-PT" sz="1500" kern="1200" dirty="0"/>
             <a:t>Utilizador/Cliente</a:t>
           </a:r>
         </a:p>
       </dsp:txBody>
       <dsp:txXfrm>
-        <a:off x="346311" y="51288"/>
-        <a:ext cx="4525554" cy="372930"/>
+        <a:off x="347752" y="30702"/>
+        <a:ext cx="4522672" cy="399568"/>
       </dsp:txXfrm>
     </dsp:sp>
     <dsp:sp modelId="{722F69E1-1371-4DAB-B84C-D3136AB91006}">
@@ -3179,8 +3142,8 @@
       </dsp:nvSpPr>
       <dsp:spPr>
         <a:xfrm>
-          <a:off x="0" y="1798894"/>
-          <a:ext cx="6522720" cy="1058400"/>
+          <a:off x="0" y="1903136"/>
+          <a:ext cx="6522720" cy="1134000"/>
         </a:xfrm>
         <a:prstGeom prst="rect">
           <a:avLst/>
@@ -3221,12 +3184,12 @@
         <a:fontRef idx="minor"/>
       </dsp:style>
       <dsp:txBody>
-        <a:bodyPr spcFirstLastPara="0" vert="horz" wrap="square" lIns="506236" tIns="291592" rIns="506236" bIns="99568" numCol="1" spcCol="1270" anchor="t" anchorCtr="0">
+        <a:bodyPr spcFirstLastPara="0" vert="horz" wrap="square" lIns="506236" tIns="312420" rIns="506236" bIns="106680" numCol="1" spcCol="1270" anchor="t" anchorCtr="0">
           <a:noAutofit/>
         </a:bodyPr>
         <a:lstStyle/>
         <a:p>
-          <a:pPr marL="114300" lvl="1" indent="-114300" algn="l" defTabSz="622300">
+          <a:pPr marL="114300" lvl="1" indent="-114300" algn="l" defTabSz="666750">
             <a:lnSpc>
               <a:spcPct val="90000"/>
             </a:lnSpc>
@@ -3239,12 +3202,12 @@
             <a:buChar char="•"/>
           </a:pPr>
           <a:r>
-            <a:rPr lang="pt-PT" sz="1400" kern="1200" dirty="0"/>
+            <a:rPr lang="pt-PT" sz="1500" kern="1200" dirty="0"/>
             <a:t>Consultar serviços agendados</a:t>
           </a:r>
         </a:p>
         <a:p>
-          <a:pPr marL="114300" lvl="1" indent="-114300" algn="l" defTabSz="622300">
+          <a:pPr marL="114300" lvl="1" indent="-114300" algn="l" defTabSz="666750">
             <a:lnSpc>
               <a:spcPct val="90000"/>
             </a:lnSpc>
@@ -3257,12 +3220,12 @@
             <a:buChar char="•"/>
           </a:pPr>
           <a:r>
-            <a:rPr lang="pt-PT" sz="1400" kern="1200" dirty="0"/>
+            <a:rPr lang="pt-PT" sz="1500" kern="1200" dirty="0"/>
             <a:t>Obter direções</a:t>
           </a:r>
         </a:p>
         <a:p>
-          <a:pPr marL="114300" lvl="1" indent="-114300" algn="l" defTabSz="622300">
+          <a:pPr marL="114300" lvl="1" indent="-114300" algn="l" defTabSz="666750">
             <a:lnSpc>
               <a:spcPct val="90000"/>
             </a:lnSpc>
@@ -3275,14 +3238,14 @@
             <a:buChar char="•"/>
           </a:pPr>
           <a:r>
-            <a:rPr lang="pt-PT" sz="1400" kern="1200" dirty="0"/>
+            <a:rPr lang="pt-PT" sz="1500" kern="1200" dirty="0"/>
             <a:t>Finalizar serviços</a:t>
           </a:r>
         </a:p>
       </dsp:txBody>
       <dsp:txXfrm>
-        <a:off x="0" y="1798894"/>
-        <a:ext cx="6522720" cy="1058400"/>
+        <a:off x="0" y="1903136"/>
+        <a:ext cx="6522720" cy="1134000"/>
       </dsp:txXfrm>
     </dsp:sp>
     <dsp:sp modelId="{BCC8AB28-DB1E-484C-85D9-C2E14F80238B}">
@@ -3292,8 +3255,8 @@
       </dsp:nvSpPr>
       <dsp:spPr>
         <a:xfrm>
-          <a:off x="326136" y="1592253"/>
-          <a:ext cx="4565904" cy="413280"/>
+          <a:off x="326136" y="1681736"/>
+          <a:ext cx="4565904" cy="442800"/>
         </a:xfrm>
         <a:prstGeom prst="roundRect">
           <a:avLst/>
@@ -3340,7 +3303,7 @@
         </a:bodyPr>
         <a:lstStyle/>
         <a:p>
-          <a:pPr marL="0" lvl="0" indent="0" algn="l" defTabSz="622300">
+          <a:pPr marL="0" lvl="0" indent="0" algn="l" defTabSz="666750">
             <a:lnSpc>
               <a:spcPct val="90000"/>
             </a:lnSpc>
@@ -3353,14 +3316,14 @@
             <a:buNone/>
           </a:pPr>
           <a:r>
-            <a:rPr lang="pt-PT" sz="1400" kern="1200" dirty="0"/>
+            <a:rPr lang="pt-PT" sz="1500" kern="1200" dirty="0"/>
             <a:t>Funcionário</a:t>
           </a:r>
         </a:p>
       </dsp:txBody>
       <dsp:txXfrm>
-        <a:off x="346311" y="1612428"/>
-        <a:ext cx="4525554" cy="372930"/>
+        <a:off x="347752" y="1703352"/>
+        <a:ext cx="4522672" cy="399568"/>
       </dsp:txXfrm>
     </dsp:sp>
     <dsp:sp modelId="{DD02F3D8-99C6-4BCD-99E7-04081B9060E6}">
@@ -3370,8 +3333,8 @@
       </dsp:nvSpPr>
       <dsp:spPr>
         <a:xfrm>
-          <a:off x="0" y="3139533"/>
-          <a:ext cx="6522720" cy="815850"/>
+          <a:off x="0" y="3339536"/>
+          <a:ext cx="6522720" cy="637875"/>
         </a:xfrm>
         <a:prstGeom prst="rect">
           <a:avLst/>
@@ -3412,12 +3375,12 @@
         <a:fontRef idx="minor"/>
       </dsp:style>
       <dsp:txBody>
-        <a:bodyPr spcFirstLastPara="0" vert="horz" wrap="square" lIns="506236" tIns="291592" rIns="506236" bIns="99568" numCol="1" spcCol="1270" anchor="t" anchorCtr="0">
+        <a:bodyPr spcFirstLastPara="0" vert="horz" wrap="square" lIns="506236" tIns="312420" rIns="506236" bIns="106680" numCol="1" spcCol="1270" anchor="t" anchorCtr="0">
           <a:noAutofit/>
         </a:bodyPr>
         <a:lstStyle/>
         <a:p>
-          <a:pPr marL="114300" lvl="1" indent="-114300" algn="l" defTabSz="622300">
+          <a:pPr marL="114300" lvl="1" indent="-114300" algn="l" defTabSz="666750">
             <a:lnSpc>
               <a:spcPct val="90000"/>
             </a:lnSpc>
@@ -3430,32 +3393,14 @@
             <a:buChar char="•"/>
           </a:pPr>
           <a:r>
-            <a:rPr lang="pt-PT" sz="1400" kern="1200" dirty="0"/>
-            <a:t>Registar funcionários</a:t>
-          </a:r>
-        </a:p>
-        <a:p>
-          <a:pPr marL="114300" lvl="1" indent="-114300" algn="l" defTabSz="622300">
-            <a:lnSpc>
-              <a:spcPct val="90000"/>
-            </a:lnSpc>
-            <a:spcBef>
-              <a:spcPct val="0"/>
-            </a:spcBef>
-            <a:spcAft>
-              <a:spcPct val="15000"/>
-            </a:spcAft>
-            <a:buChar char="•"/>
-          </a:pPr>
-          <a:r>
-            <a:rPr lang="pt-PT" sz="1400" kern="1200" dirty="0"/>
-            <a:t>Inativar funcionários</a:t>
+            <a:rPr lang="pt-PT" sz="1500" kern="1200" dirty="0"/>
+            <a:t>Registar/Inativar funcionários</a:t>
           </a:r>
         </a:p>
       </dsp:txBody>
       <dsp:txXfrm>
-        <a:off x="0" y="3139533"/>
-        <a:ext cx="6522720" cy="815850"/>
+        <a:off x="0" y="3339536"/>
+        <a:ext cx="6522720" cy="637875"/>
       </dsp:txXfrm>
     </dsp:sp>
     <dsp:sp modelId="{23285E2D-9EA9-44E0-8171-865B27E3183D}">
@@ -3465,8 +3410,8 @@
       </dsp:nvSpPr>
       <dsp:spPr>
         <a:xfrm>
-          <a:off x="326136" y="2932893"/>
-          <a:ext cx="4565904" cy="413280"/>
+          <a:off x="326136" y="3118136"/>
+          <a:ext cx="4565904" cy="442800"/>
         </a:xfrm>
         <a:prstGeom prst="roundRect">
           <a:avLst/>
@@ -3513,7 +3458,7 @@
         </a:bodyPr>
         <a:lstStyle/>
         <a:p>
-          <a:pPr marL="0" lvl="0" indent="0" algn="l" defTabSz="622300">
+          <a:pPr marL="0" lvl="0" indent="0" algn="l" defTabSz="666750">
             <a:lnSpc>
               <a:spcPct val="90000"/>
             </a:lnSpc>
@@ -3526,14 +3471,14 @@
             <a:buNone/>
           </a:pPr>
           <a:r>
-            <a:rPr lang="pt-PT" sz="1400" kern="1200" dirty="0"/>
+            <a:rPr lang="pt-PT" sz="1500" kern="1200" dirty="0"/>
             <a:t>Administrador</a:t>
           </a:r>
         </a:p>
       </dsp:txBody>
       <dsp:txXfrm>
-        <a:off x="346311" y="2953068"/>
-        <a:ext cx="4525554" cy="372930"/>
+        <a:off x="347752" y="3139752"/>
+        <a:ext cx="4522672" cy="399568"/>
       </dsp:txXfrm>
     </dsp:sp>
   </dsp:spTree>
@@ -6661,7 +6606,7 @@
           <a:p>
             <a:fld id="{C75AE187-A41F-D649-A888-D252768A28C6}" type="datetimeFigureOut">
               <a:rPr lang="pt-PT" smtClean="0"/>
-              <a:t>10/06/2018</a:t>
+              <a:t>11/06/2018</a:t>
             </a:fld>
             <a:endParaRPr lang="pt-PT"/>
           </a:p>
@@ -7649,6 +7594,362 @@
           <a:bodyPr/>
           <a:lstStyle/>
           <a:p>
+            <a:r>
+              <a:rPr lang="pt-PT" b="1" dirty="0"/>
+              <a:t>Utilizador</a:t>
+            </a:r>
+          </a:p>
+          <a:p>
+            <a:pPr marL="171450" indent="-171450">
+              <a:buFont typeface="Arial" charset="0"/>
+              <a:buChar char="•"/>
+            </a:pPr>
+            <a:r>
+              <a:rPr lang="pt-PT" b="0" dirty="0"/>
+              <a:t>Registo,</a:t>
+            </a:r>
+            <a:r>
+              <a:rPr lang="pt-PT" b="0" baseline="0" dirty="0"/>
+              <a:t> Início de Sessão e Terminar Sessão</a:t>
+            </a:r>
+          </a:p>
+          <a:p>
+            <a:pPr marL="171450" indent="-171450">
+              <a:buFont typeface="Arial" charset="0"/>
+              <a:buChar char="•"/>
+            </a:pPr>
+            <a:r>
+              <a:rPr lang="pt-PT" b="0" baseline="0" dirty="0"/>
+              <a:t>Editar perfil (nome, password, e-mail | </a:t>
+            </a:r>
+            <a:r>
+              <a:rPr lang="pt-PT" b="0" baseline="0" dirty="0" err="1"/>
+              <a:t>username</a:t>
+            </a:r>
+            <a:r>
+              <a:rPr lang="pt-PT" b="0" baseline="0" dirty="0"/>
+              <a:t> não pode!!), Preferências (Selecionar conjunto de </a:t>
+            </a:r>
+            <a:r>
+              <a:rPr lang="pt-PT" b="0" baseline="0" dirty="0" err="1"/>
+              <a:t>tags</a:t>
+            </a:r>
+            <a:r>
+              <a:rPr lang="pt-PT" b="0" baseline="0" dirty="0"/>
+              <a:t>) -&gt; explicar importância das preferências (sugestões)</a:t>
+            </a:r>
+          </a:p>
+          <a:p>
+            <a:pPr marL="171450" indent="-171450">
+              <a:buFont typeface="Arial" charset="0"/>
+              <a:buChar char="•"/>
+            </a:pPr>
+            <a:r>
+              <a:rPr lang="pt-PT" b="0" baseline="0" dirty="0"/>
+              <a:t>Consulta de visitas recentes (5 últimas visitas) e de favoritos.</a:t>
+            </a:r>
+          </a:p>
+          <a:p>
+            <a:pPr marL="171450" indent="-171450">
+              <a:buFont typeface="Arial" charset="0"/>
+              <a:buChar char="•"/>
+            </a:pPr>
+            <a:r>
+              <a:rPr lang="pt-PT" b="0" baseline="0" dirty="0"/>
+              <a:t>Fazer Pedido (palavras-chave) </a:t>
+            </a:r>
+          </a:p>
+          <a:p>
+            <a:pPr marL="171450" indent="-171450">
+              <a:buFont typeface="Arial" charset="0"/>
+              <a:buChar char="•"/>
+            </a:pPr>
+            <a:r>
+              <a:rPr lang="pt-PT" b="0" baseline="0" dirty="0"/>
+              <a:t>Fazer Sugestão (usar preferências)</a:t>
+            </a:r>
+          </a:p>
+          <a:p>
+            <a:pPr marL="171450" indent="-171450">
+              <a:buFont typeface="Arial" charset="0"/>
+              <a:buChar char="•"/>
+            </a:pPr>
+            <a:r>
+              <a:rPr lang="pt-PT" b="0" baseline="0" dirty="0"/>
+              <a:t>Consultar sugestão diária: 1ª autenticação do </a:t>
+            </a:r>
+            <a:r>
+              <a:rPr lang="pt-PT" b="0" baseline="0" dirty="0" err="1"/>
+              <a:t>user</a:t>
+            </a:r>
+            <a:r>
+              <a:rPr lang="pt-PT" b="0" baseline="0" dirty="0"/>
+              <a:t>, localiza e vê as suas preferências, gera uma lista com produtos filtrados (preferências + horário do estabelecimento + raio 25km) escolhe um aleatoriamente.</a:t>
+            </a:r>
+          </a:p>
+          <a:p>
+            <a:pPr marL="171450" indent="-171450">
+              <a:buFont typeface="Arial" charset="0"/>
+              <a:buChar char="•"/>
+            </a:pPr>
+            <a:r>
+              <a:rPr lang="pt-PT" b="0" baseline="0" dirty="0"/>
+              <a:t>Fazer pedido específico (texto ou voz): gera uma lista (</a:t>
+            </a:r>
+            <a:r>
+              <a:rPr lang="pt-PT" b="0" baseline="0" dirty="0" err="1"/>
+              <a:t>tags</a:t>
+            </a:r>
+            <a:r>
+              <a:rPr lang="pt-PT" b="0" baseline="0" dirty="0"/>
+              <a:t> + horário + raio de 25km) -&gt; Importante: se o utilizar escolher este produto deve ser adicionada uma visita ao mesmo e no fim deve permitir avaliar.</a:t>
+            </a:r>
+          </a:p>
+          <a:p>
+            <a:pPr marL="171450" indent="-171450">
+              <a:buFont typeface="Arial" charset="0"/>
+              <a:buChar char="•"/>
+            </a:pPr>
+            <a:r>
+              <a:rPr lang="pt-PT" b="0" baseline="0" dirty="0"/>
+              <a:t>Fazer pedido de sugestão (botão ou voz): “</a:t>
+            </a:r>
+            <a:r>
+              <a:rPr lang="pt-PT" b="0" baseline="0" dirty="0" err="1"/>
+              <a:t>yummy</a:t>
+            </a:r>
+            <a:r>
+              <a:rPr lang="pt-PT" b="0" baseline="0" dirty="0"/>
+              <a:t>, sugere-me algo”: gera uma lista (</a:t>
+            </a:r>
+            <a:r>
+              <a:rPr lang="pt-PT" b="0" baseline="0" dirty="0" err="1"/>
+              <a:t>tags</a:t>
+            </a:r>
+            <a:r>
+              <a:rPr lang="pt-PT" b="0" baseline="0" dirty="0"/>
+              <a:t> preferências + horário + raio 25km) -&gt; Importante: se o </a:t>
+            </a:r>
+            <a:r>
+              <a:rPr lang="pt-PT" b="0" baseline="0" dirty="0" err="1"/>
+              <a:t>user</a:t>
+            </a:r>
+            <a:r>
+              <a:rPr lang="pt-PT" b="0" baseline="0" dirty="0"/>
+              <a:t> não tive preferências, vai recolher todos os produtos num raio de 25km e escolher 1.</a:t>
+            </a:r>
+          </a:p>
+          <a:p>
+            <a:pPr marL="171450" indent="-171450">
+              <a:buFont typeface="Arial" charset="0"/>
+              <a:buChar char="•"/>
+            </a:pPr>
+            <a:r>
+              <a:rPr lang="pt-PT" b="0" baseline="0" dirty="0"/>
+              <a:t>Avaliação de produtos: parâmetros (ambiente, custo, qualidade, serviço), valores de 0 a 5, é feita a média (classificação). Pode ser feito um comentário e uma foto para um </a:t>
+            </a:r>
+            <a:r>
+              <a:rPr lang="pt-PT" b="0" baseline="0" dirty="0" err="1"/>
+              <a:t>respectiva</a:t>
+            </a:r>
+            <a:r>
+              <a:rPr lang="pt-PT" b="0" baseline="0" dirty="0"/>
+              <a:t> partilha (insta, face, </a:t>
+            </a:r>
+            <a:r>
+              <a:rPr lang="pt-PT" b="0" baseline="0" dirty="0" err="1"/>
+              <a:t>twitter</a:t>
+            </a:r>
+            <a:r>
+              <a:rPr lang="pt-PT" b="0" baseline="0" dirty="0"/>
+              <a:t>).</a:t>
+            </a:r>
+          </a:p>
+          <a:p>
+            <a:pPr marL="171450" indent="-171450">
+              <a:buFont typeface="Arial" charset="0"/>
+              <a:buChar char="•"/>
+            </a:pPr>
+            <a:endParaRPr lang="pt-PT" b="0" baseline="0" dirty="0"/>
+          </a:p>
+          <a:p>
+            <a:pPr marL="0" indent="0">
+              <a:buFont typeface="Arial" charset="0"/>
+              <a:buNone/>
+            </a:pPr>
+            <a:r>
+              <a:rPr lang="pt-PT" b="1" baseline="0" dirty="0"/>
+              <a:t>Utilizador Proprietário</a:t>
+            </a:r>
+          </a:p>
+          <a:p>
+            <a:pPr marL="171450" indent="-171450">
+              <a:buFont typeface="Arial" charset="0"/>
+              <a:buChar char="•"/>
+            </a:pPr>
+            <a:r>
+              <a:rPr lang="pt-PT" b="0" baseline="0" dirty="0"/>
+              <a:t>Gerir estabelecimentos[</a:t>
+            </a:r>
+            <a:r>
+              <a:rPr lang="pt-PT" b="0" baseline="0" dirty="0" err="1"/>
+              <a:t>ådd</a:t>
+            </a:r>
+            <a:r>
+              <a:rPr lang="pt-PT" b="0" baseline="0" dirty="0"/>
+              <a:t>, remover, editar, consultar] (nome, endereço (código-postal, localidade e rua), horário). Importante: Ao adicionar o estabelecimento deve ter uma </a:t>
+            </a:r>
+            <a:r>
+              <a:rPr lang="pt-PT" b="0" baseline="0" dirty="0" err="1"/>
+              <a:t>flag</a:t>
+            </a:r>
+            <a:r>
+              <a:rPr lang="pt-PT" b="0" baseline="0" dirty="0"/>
+              <a:t> de estado (0) e só depois de confirmado é que passa a 1 e aí pode haver gestão de produtos do estabelecimento. Para adicionar estabelecimento tem de ser enviado por e-mail um comprovativo de propriedade.</a:t>
+            </a:r>
+          </a:p>
+          <a:p>
+            <a:pPr marL="171450" indent="-171450">
+              <a:buFont typeface="Arial" charset="0"/>
+              <a:buChar char="•"/>
+            </a:pPr>
+            <a:r>
+              <a:rPr lang="pt-PT" b="0" baseline="0" dirty="0"/>
+              <a:t>Gerir produtos [</a:t>
+            </a:r>
+            <a:r>
+              <a:rPr lang="pt-PT" b="0" baseline="0" dirty="0" err="1"/>
+              <a:t>add</a:t>
+            </a:r>
+            <a:r>
+              <a:rPr lang="pt-PT" b="0" baseline="0" dirty="0"/>
+              <a:t>, remover, editar]: fornecer (nome, descrição, preço, </a:t>
+            </a:r>
+            <a:r>
+              <a:rPr lang="pt-PT" b="0" baseline="0" dirty="0" err="1"/>
+              <a:t>tags</a:t>
+            </a:r>
+            <a:r>
+              <a:rPr lang="pt-PT" b="0" baseline="0" dirty="0"/>
+              <a:t> descritivas e foto).</a:t>
+            </a:r>
+          </a:p>
+          <a:p>
+            <a:pPr marL="171450" indent="-171450">
+              <a:buFont typeface="Arial" charset="0"/>
+              <a:buChar char="•"/>
+            </a:pPr>
+            <a:endParaRPr lang="pt-PT" b="0" baseline="0" dirty="0"/>
+          </a:p>
+          <a:p>
+            <a:pPr marL="0" indent="0">
+              <a:buFont typeface="Arial" charset="0"/>
+              <a:buNone/>
+            </a:pPr>
+            <a:r>
+              <a:rPr lang="pt-PT" b="1" baseline="0" dirty="0"/>
+              <a:t>Administrador</a:t>
+            </a:r>
+          </a:p>
+          <a:p>
+            <a:pPr marL="171450" indent="-171450">
+              <a:buFont typeface="Arial" charset="0"/>
+              <a:buChar char="•"/>
+            </a:pPr>
+            <a:r>
+              <a:rPr lang="pt-PT" b="0" baseline="0" dirty="0"/>
+              <a:t>Validar estabelecimentos: notificar por e-mail se foi validado ou não (API da Microsoft Outlook 15.0)</a:t>
+            </a:r>
+          </a:p>
+          <a:p>
+            <a:pPr marL="171450" indent="-171450">
+              <a:buFont typeface="Arial" charset="0"/>
+              <a:buChar char="•"/>
+            </a:pPr>
+            <a:endParaRPr lang="pt-PT" b="0" baseline="0" dirty="0"/>
+          </a:p>
+        </p:txBody>
+      </p:sp>
+      <p:sp>
+        <p:nvSpPr>
+          <p:cNvPr id="4" name="Marcador de Posição do Número do Diapositivo 3"/>
+          <p:cNvSpPr>
+            <a:spLocks noGrp="1"/>
+          </p:cNvSpPr>
+          <p:nvPr>
+            <p:ph type="sldNum" sz="quarter" idx="10"/>
+          </p:nvPr>
+        </p:nvSpPr>
+        <p:spPr/>
+        <p:txBody>
+          <a:bodyPr/>
+          <a:lstStyle/>
+          <a:p>
+            <a:fld id="{E50BBBD9-C36A-164F-8EDD-02E250A01F9C}" type="slidenum">
+              <a:rPr lang="pt-PT" smtClean="0"/>
+              <a:t>14</a:t>
+            </a:fld>
+            <a:endParaRPr lang="pt-PT"/>
+          </a:p>
+        </p:txBody>
+      </p:sp>
+    </p:spTree>
+    <p:extLst>
+      <p:ext uri="{BB962C8B-B14F-4D97-AF65-F5344CB8AC3E}">
+        <p14:creationId xmlns:p14="http://schemas.microsoft.com/office/powerpoint/2010/main" val="4160565840"/>
+      </p:ext>
+    </p:extLst>
+  </p:cSld>
+  <p:clrMapOvr>
+    <a:masterClrMapping/>
+  </p:clrMapOvr>
+</p:notes>
+</file>
+
+<file path=ppt/notesSlides/notesSlide14.xml><?xml version="1.0" encoding="utf-8"?>
+<p:notes xmlns:a="http://schemas.openxmlformats.org/drawingml/2006/main" xmlns:r="http://schemas.openxmlformats.org/officeDocument/2006/relationships" xmlns:p="http://schemas.openxmlformats.org/presentationml/2006/main">
+  <p:cSld>
+    <p:spTree>
+      <p:nvGrpSpPr>
+        <p:cNvPr id="1" name=""/>
+        <p:cNvGrpSpPr/>
+        <p:nvPr/>
+      </p:nvGrpSpPr>
+      <p:grpSpPr>
+        <a:xfrm>
+          <a:off x="0" y="0"/>
+          <a:ext cx="0" cy="0"/>
+          <a:chOff x="0" y="0"/>
+          <a:chExt cx="0" cy="0"/>
+        </a:xfrm>
+      </p:grpSpPr>
+      <p:sp>
+        <p:nvSpPr>
+          <p:cNvPr id="2" name="Marcador de Posição da Imagem do Diapositivo 1"/>
+          <p:cNvSpPr>
+            <a:spLocks noGrp="1" noRot="1" noChangeAspect="1"/>
+          </p:cNvSpPr>
+          <p:nvPr>
+            <p:ph type="sldImg"/>
+          </p:nvPr>
+        </p:nvSpPr>
+        <p:spPr/>
+      </p:sp>
+      <p:sp>
+        <p:nvSpPr>
+          <p:cNvPr id="3" name="Marcador de Posição de Notas 2"/>
+          <p:cNvSpPr>
+            <a:spLocks noGrp="1"/>
+          </p:cNvSpPr>
+          <p:nvPr>
+            <p:ph type="body" idx="1"/>
+          </p:nvPr>
+        </p:nvSpPr>
+        <p:spPr/>
+        <p:txBody>
+          <a:bodyPr/>
+          <a:lstStyle/>
+          <a:p>
             <a:pPr marL="0" marR="0" lvl="0" indent="0" algn="l" defTabSz="914400" rtl="0" eaLnBrk="1" fontAlgn="auto" latinLnBrk="0" hangingPunct="1">
               <a:lnSpc>
                 <a:spcPct val="100000"/>
@@ -7760,7 +8061,7 @@
           <a:p>
             <a:fld id="{071F3FBA-D23A-4285-A104-7C7E32F747DD}" type="slidenum">
               <a:rPr lang="pt-PT" smtClean="0"/>
-              <a:t>15</a:t>
+              <a:t>16</a:t>
             </a:fld>
             <a:endParaRPr lang="pt-PT"/>
           </a:p>
@@ -9293,7 +9594,7 @@
           <a:p>
             <a:fld id="{D2DBAB82-85D2-8E4F-B254-59F5F4578979}" type="datetimeFigureOut">
               <a:rPr lang="pt-PT" smtClean="0"/>
-              <a:t>10/06/2018</a:t>
+              <a:t>11/06/2018</a:t>
             </a:fld>
             <a:endParaRPr lang="pt-PT"/>
           </a:p>
@@ -9501,7 +9802,7 @@
           <a:p>
             <a:fld id="{D2DBAB82-85D2-8E4F-B254-59F5F4578979}" type="datetimeFigureOut">
               <a:rPr lang="pt-PT" smtClean="0"/>
-              <a:t>10/06/2018</a:t>
+              <a:t>11/06/2018</a:t>
             </a:fld>
             <a:endParaRPr lang="pt-PT"/>
           </a:p>
@@ -9757,7 +10058,7 @@
           <a:p>
             <a:fld id="{D2DBAB82-85D2-8E4F-B254-59F5F4578979}" type="datetimeFigureOut">
               <a:rPr lang="pt-PT" smtClean="0"/>
-              <a:t>10/06/2018</a:t>
+              <a:t>11/06/2018</a:t>
             </a:fld>
             <a:endParaRPr lang="pt-PT"/>
           </a:p>
@@ -10045,7 +10346,7 @@
             <a:fld id="{B61BEF0D-F0BB-DE4B-95CE-6DB70DBA9567}" type="datetimeFigureOut">
               <a:rPr lang="en-US" smtClean="0"/>
               <a:pPr/>
-              <a:t>6/10/2018</a:t>
+              <a:t>6/11/2018</a:t>
             </a:fld>
             <a:endParaRPr lang="en-US" dirty="0"/>
           </a:p>
@@ -10255,7 +10556,7 @@
             <a:fld id="{B61BEF0D-F0BB-DE4B-95CE-6DB70DBA9567}" type="datetimeFigureOut">
               <a:rPr lang="en-US" smtClean="0"/>
               <a:pPr/>
-              <a:t>6/10/2018</a:t>
+              <a:t>6/11/2018</a:t>
             </a:fld>
             <a:endParaRPr lang="en-US" dirty="0"/>
           </a:p>
@@ -10600,7 +10901,7 @@
             <a:fld id="{B61BEF0D-F0BB-DE4B-95CE-6DB70DBA9567}" type="datetimeFigureOut">
               <a:rPr lang="en-US" smtClean="0"/>
               <a:pPr/>
-              <a:t>6/10/2018</a:t>
+              <a:t>6/11/2018</a:t>
             </a:fld>
             <a:endParaRPr lang="en-US" dirty="0"/>
           </a:p>
@@ -10877,7 +11178,7 @@
             <a:fld id="{B61BEF0D-F0BB-DE4B-95CE-6DB70DBA9567}" type="datetimeFigureOut">
               <a:rPr lang="en-US" smtClean="0"/>
               <a:pPr/>
-              <a:t>6/10/2018</a:t>
+              <a:t>6/11/2018</a:t>
             </a:fld>
             <a:endParaRPr lang="en-US" dirty="0"/>
           </a:p>
@@ -11258,7 +11559,7 @@
             <a:fld id="{B61BEF0D-F0BB-DE4B-95CE-6DB70DBA9567}" type="datetimeFigureOut">
               <a:rPr lang="en-US" smtClean="0"/>
               <a:pPr/>
-              <a:t>6/10/2018</a:t>
+              <a:t>6/11/2018</a:t>
             </a:fld>
             <a:endParaRPr lang="en-US" dirty="0"/>
           </a:p>
@@ -11378,7 +11679,7 @@
             <a:fld id="{B61BEF0D-F0BB-DE4B-95CE-6DB70DBA9567}" type="datetimeFigureOut">
               <a:rPr lang="en-US" smtClean="0"/>
               <a:pPr/>
-              <a:t>6/10/2018</a:t>
+              <a:t>6/11/2018</a:t>
             </a:fld>
             <a:endParaRPr lang="en-US" dirty="0"/>
           </a:p>
@@ -11551,7 +11852,7 @@
             <a:fld id="{B61BEF0D-F0BB-DE4B-95CE-6DB70DBA9567}" type="datetimeFigureOut">
               <a:rPr lang="en-US" smtClean="0"/>
               <a:pPr/>
-              <a:t>6/10/2018</a:t>
+              <a:t>6/11/2018</a:t>
             </a:fld>
             <a:endParaRPr lang="en-US" dirty="0"/>
           </a:p>
@@ -11907,7 +12208,7 @@
             <a:fld id="{B61BEF0D-F0BB-DE4B-95CE-6DB70DBA9567}" type="datetimeFigureOut">
               <a:rPr lang="en-US" smtClean="0"/>
               <a:pPr/>
-              <a:t>6/10/2018</a:t>
+              <a:t>6/11/2018</a:t>
             </a:fld>
             <a:endParaRPr lang="en-US" dirty="0"/>
           </a:p>
@@ -12099,7 +12400,7 @@
           <a:p>
             <a:fld id="{D2DBAB82-85D2-8E4F-B254-59F5F4578979}" type="datetimeFigureOut">
               <a:rPr lang="pt-PT" smtClean="0"/>
-              <a:t>10/06/2018</a:t>
+              <a:t>11/06/2018</a:t>
             </a:fld>
             <a:endParaRPr lang="pt-PT"/>
           </a:p>
@@ -12456,7 +12757,7 @@
             <a:fld id="{B61BEF0D-F0BB-DE4B-95CE-6DB70DBA9567}" type="datetimeFigureOut">
               <a:rPr lang="en-US" smtClean="0"/>
               <a:pPr/>
-              <a:t>6/10/2018</a:t>
+              <a:t>6/11/2018</a:t>
             </a:fld>
             <a:endParaRPr lang="en-US" dirty="0"/>
           </a:p>
@@ -12628,7 +12929,7 @@
             <a:fld id="{B61BEF0D-F0BB-DE4B-95CE-6DB70DBA9567}" type="datetimeFigureOut">
               <a:rPr lang="en-US" smtClean="0"/>
               <a:pPr/>
-              <a:t>6/10/2018</a:t>
+              <a:t>6/11/2018</a:t>
             </a:fld>
             <a:endParaRPr lang="en-US" dirty="0"/>
           </a:p>
@@ -12886,7 +13187,7 @@
             <a:fld id="{B61BEF0D-F0BB-DE4B-95CE-6DB70DBA9567}" type="datetimeFigureOut">
               <a:rPr lang="en-US" smtClean="0"/>
               <a:pPr/>
-              <a:t>6/10/2018</a:t>
+              <a:t>6/11/2018</a:t>
             </a:fld>
             <a:endParaRPr lang="en-US" dirty="0"/>
           </a:p>
@@ -13222,7 +13523,7 @@
           <a:p>
             <a:fld id="{D2DBAB82-85D2-8E4F-B254-59F5F4578979}" type="datetimeFigureOut">
               <a:rPr lang="pt-PT" smtClean="0"/>
-              <a:t>10/06/2018</a:t>
+              <a:t>11/06/2018</a:t>
             </a:fld>
             <a:endParaRPr lang="pt-PT"/>
           </a:p>
@@ -13497,7 +13798,7 @@
           <a:p>
             <a:fld id="{D2DBAB82-85D2-8E4F-B254-59F5F4578979}" type="datetimeFigureOut">
               <a:rPr lang="pt-PT" smtClean="0"/>
-              <a:t>10/06/2018</a:t>
+              <a:t>11/06/2018</a:t>
             </a:fld>
             <a:endParaRPr lang="pt-PT"/>
           </a:p>
@@ -13876,7 +14177,7 @@
           <a:p>
             <a:fld id="{D2DBAB82-85D2-8E4F-B254-59F5F4578979}" type="datetimeFigureOut">
               <a:rPr lang="pt-PT" smtClean="0"/>
-              <a:t>10/06/2018</a:t>
+              <a:t>11/06/2018</a:t>
             </a:fld>
             <a:endParaRPr lang="pt-PT"/>
           </a:p>
@@ -13994,7 +14295,7 @@
           <a:p>
             <a:fld id="{D2DBAB82-85D2-8E4F-B254-59F5F4578979}" type="datetimeFigureOut">
               <a:rPr lang="pt-PT" smtClean="0"/>
-              <a:t>10/06/2018</a:t>
+              <a:t>11/06/2018</a:t>
             </a:fld>
             <a:endParaRPr lang="pt-PT"/>
           </a:p>
@@ -14165,7 +14466,7 @@
           <a:p>
             <a:fld id="{D2DBAB82-85D2-8E4F-B254-59F5F4578979}" type="datetimeFigureOut">
               <a:rPr lang="pt-PT" smtClean="0"/>
-              <a:t>10/06/2018</a:t>
+              <a:t>11/06/2018</a:t>
             </a:fld>
             <a:endParaRPr lang="pt-PT"/>
           </a:p>
@@ -14519,7 +14820,7 @@
           <a:p>
             <a:fld id="{D2DBAB82-85D2-8E4F-B254-59F5F4578979}" type="datetimeFigureOut">
               <a:rPr lang="pt-PT" smtClean="0"/>
-              <a:t>10/06/2018</a:t>
+              <a:t>11/06/2018</a:t>
             </a:fld>
             <a:endParaRPr lang="pt-PT"/>
           </a:p>
@@ -14896,7 +15197,7 @@
           <a:p>
             <a:fld id="{D2DBAB82-85D2-8E4F-B254-59F5F4578979}" type="datetimeFigureOut">
               <a:rPr lang="pt-PT" smtClean="0"/>
-              <a:t>10/06/2018</a:t>
+              <a:t>11/06/2018</a:t>
             </a:fld>
             <a:endParaRPr lang="pt-PT"/>
           </a:p>
@@ -15183,7 +15484,7 @@
           <a:p>
             <a:fld id="{D2DBAB82-85D2-8E4F-B254-59F5F4578979}" type="datetimeFigureOut">
               <a:rPr lang="pt-PT" smtClean="0"/>
-              <a:t>10/06/2018</a:t>
+              <a:t>11/06/2018</a:t>
             </a:fld>
             <a:endParaRPr lang="pt-PT"/>
           </a:p>
@@ -15917,7 +16218,7 @@
             <a:fld id="{B61BEF0D-F0BB-DE4B-95CE-6DB70DBA9567}" type="datetimeFigureOut">
               <a:rPr lang="en-US" smtClean="0"/>
               <a:pPr/>
-              <a:t>6/10/2018</a:t>
+              <a:t>6/11/2018</a:t>
             </a:fld>
             <a:endParaRPr lang="en-US" dirty="0"/>
           </a:p>
@@ -17324,66 +17625,6 @@
           </a:p>
         </p:txBody>
       </p:sp>
-      <p:pic>
-        <p:nvPicPr>
-          <p:cNvPr id="15362" name="Picture 2" descr="Requisitar Massagem - Initial">
-            <a:extLst>
-              <a:ext uri="{FF2B5EF4-FFF2-40B4-BE49-F238E27FC236}">
-                <a16:creationId xmlns:a16="http://schemas.microsoft.com/office/drawing/2014/main" id="{2D6D175D-34D3-43C5-B2D7-FFD632A39334}"/>
-              </a:ext>
-            </a:extLst>
-          </p:cNvPr>
-          <p:cNvPicPr>
-            <a:picLocks noChangeAspect="1" noChangeArrowheads="1"/>
-          </p:cNvPicPr>
-          <p:nvPr/>
-        </p:nvPicPr>
-        <p:blipFill>
-          <a:blip r:embed="rId3">
-            <a:extLst>
-              <a:ext uri="{28A0092B-C50C-407E-A947-70E740481C1C}">
-                <a14:useLocalDpi xmlns:a14="http://schemas.microsoft.com/office/drawing/2010/main" val="0"/>
-              </a:ext>
-            </a:extLst>
-          </a:blip>
-          <a:srcRect/>
-          <a:stretch>
-            <a:fillRect/>
-          </a:stretch>
-        </p:blipFill>
-        <p:spPr bwMode="auto">
-          <a:xfrm>
-            <a:off x="4242652" y="594358"/>
-            <a:ext cx="7659569" cy="5710845"/>
-          </a:xfrm>
-          <a:prstGeom prst="rect">
-            <a:avLst/>
-          </a:prstGeom>
-          <a:noFill/>
-          <a:ln>
-            <a:noFill/>
-          </a:ln>
-          <a:extLst>
-            <a:ext uri="{909E8E84-426E-40DD-AFC4-6F175D3DCCD1}">
-              <a14:hiddenFill xmlns:a14="http://schemas.microsoft.com/office/drawing/2010/main">
-                <a:solidFill>
-                  <a:srgbClr val="FFFFFF"/>
-                </a:solidFill>
-              </a14:hiddenFill>
-            </a:ext>
-            <a:ext uri="{91240B29-F687-4F45-9708-019B960494DF}">
-              <a14:hiddenLine xmlns:a14="http://schemas.microsoft.com/office/drawing/2010/main" w="9525">
-                <a:solidFill>
-                  <a:srgbClr val="000000"/>
-                </a:solidFill>
-                <a:miter lim="800000"/>
-                <a:headEnd/>
-                <a:tailEnd/>
-              </a14:hiddenLine>
-            </a:ext>
-          </a:extLst>
-        </p:spPr>
-      </p:pic>
     </p:spTree>
     <p:extLst>
       <p:ext uri="{BB962C8B-B14F-4D97-AF65-F5344CB8AC3E}">
@@ -17823,6 +18064,65 @@
           </a:p>
         </p:txBody>
       </p:sp>
+      <p:pic>
+        <p:nvPicPr>
+          <p:cNvPr id="9" name="Picture 2" descr="Diagrama de Classes">
+            <a:extLst>
+              <a:ext uri="{FF2B5EF4-FFF2-40B4-BE49-F238E27FC236}">
+                <a16:creationId xmlns:a16="http://schemas.microsoft.com/office/drawing/2014/main" id="{99AFBAB5-8E53-4224-B466-3E2E976885BD}"/>
+              </a:ext>
+            </a:extLst>
+          </p:cNvPr>
+          <p:cNvPicPr>
+            <a:picLocks noGrp="1" noChangeAspect="1" noChangeArrowheads="1"/>
+          </p:cNvPicPr>
+          <p:nvPr>
+            <p:ph idx="1"/>
+          </p:nvPr>
+        </p:nvPicPr>
+        <p:blipFill>
+          <a:blip r:embed="rId3">
+            <a:extLst>
+              <a:ext uri="{28A0092B-C50C-407E-A947-70E740481C1C}">
+                <a14:useLocalDpi xmlns:a14="http://schemas.microsoft.com/office/drawing/2010/main" val="0"/>
+              </a:ext>
+            </a:extLst>
+          </a:blip>
+          <a:srcRect/>
+          <a:stretch>
+            <a:fillRect/>
+          </a:stretch>
+        </p:blipFill>
+        <p:spPr bwMode="auto">
+          <a:xfrm>
+            <a:off x="923510" y="84978"/>
+            <a:ext cx="10341774" cy="4834780"/>
+          </a:xfrm>
+          <a:prstGeom prst="rect">
+            <a:avLst/>
+          </a:prstGeom>
+          <a:noFill/>
+          <a:extLst>
+            <a:ext uri="{909E8E84-426E-40DD-AFC4-6F175D3DCCD1}">
+              <a14:hiddenFill xmlns:a14="http://schemas.microsoft.com/office/drawing/2010/main">
+                <a:solidFill>
+                  <a:srgbClr val="FFFFFF"/>
+                </a:solidFill>
+              </a14:hiddenFill>
+            </a:ext>
+            <a:ext uri="{91240B29-F687-4F45-9708-019B960494DF}">
+              <a14:hiddenLine xmlns:a14="http://schemas.microsoft.com/office/drawing/2010/main" w="9525">
+                <a:solidFill>
+                  <a:srgbClr val="000000"/>
+                </a:solidFill>
+                <a:miter lim="800000"/>
+                <a:headEnd/>
+                <a:tailEnd/>
+              </a14:hiddenLine>
+            </a:ext>
+          </a:extLst>
+        </p:spPr>
+      </p:pic>
     </p:spTree>
     <p:extLst>
       <p:ext uri="{BB962C8B-B14F-4D97-AF65-F5344CB8AC3E}">
@@ -17870,7 +18170,7 @@
           <a:p>
             <a:r>
               <a:rPr lang="en-US" sz="7200" dirty="0"/>
-              <a:t>Base de dados</a:t>
+              <a:t>Base de Dados</a:t>
             </a:r>
             <a:endParaRPr lang="pt-PT" b="1" dirty="0">
               <a:solidFill>
@@ -17976,6 +18276,14 @@
 <file path=ppt/slides/slide14.xml><?xml version="1.0" encoding="utf-8"?>
 <p:sld xmlns:a="http://schemas.openxmlformats.org/drawingml/2006/main" xmlns:r="http://schemas.openxmlformats.org/officeDocument/2006/relationships" xmlns:p="http://schemas.openxmlformats.org/presentationml/2006/main">
   <p:cSld>
+    <p:bg>
+      <p:bgPr>
+        <a:solidFill>
+          <a:schemeClr val="bg1"/>
+        </a:solidFill>
+        <a:effectLst/>
+      </p:bgPr>
+    </p:bg>
     <p:spTree>
       <p:nvGrpSpPr>
         <p:cNvPr id="1" name=""/>
@@ -17992,6 +18300,316 @@
       </p:grpSpPr>
       <p:sp>
         <p:nvSpPr>
+          <p:cNvPr id="57" name="Rectangle 42">
+            <a:extLst>
+              <a:ext uri="{FF2B5EF4-FFF2-40B4-BE49-F238E27FC236}">
+                <a16:creationId xmlns:a16="http://schemas.microsoft.com/office/drawing/2014/main" id="{F240A2FC-E2C3-458D-96B4-5DF9028D93A5}"/>
+              </a:ext>
+              <a:ext uri="{C183D7F6-B498-43B3-948B-1728B52AA6E4}">
+                <adec:decorative xmlns:adec="http://schemas.microsoft.com/office/drawing/2017/decorative" val="1"/>
+              </a:ext>
+            </a:extLst>
+          </p:cNvPr>
+          <p:cNvSpPr>
+            <a:spLocks noGrp="1" noRot="1" noChangeAspect="1" noMove="1" noResize="1" noEditPoints="1" noAdjustHandles="1" noChangeArrowheads="1" noChangeShapeType="1" noTextEdit="1"/>
+          </p:cNvSpPr>
+          <p:nvPr>
+            <p:extLst>
+              <p:ext uri="{386F3935-93C4-4BCD-93E2-E3B085C9AB24}">
+                <p16:designElem xmlns:p16="http://schemas.microsoft.com/office/powerpoint/2015/main" val="1"/>
+              </p:ext>
+            </p:extLst>
+          </p:nvPr>
+        </p:nvSpPr>
+        <p:spPr>
+          <a:xfrm>
+            <a:off x="1" y="6400800"/>
+            <a:ext cx="12192000" cy="457200"/>
+          </a:xfrm>
+          <a:prstGeom prst="rect">
+            <a:avLst/>
+          </a:prstGeom>
+          <a:solidFill>
+            <a:schemeClr val="accent2"/>
+          </a:solidFill>
+          <a:ln>
+            <a:noFill/>
+          </a:ln>
+        </p:spPr>
+        <p:style>
+          <a:lnRef idx="2">
+            <a:schemeClr val="accent1">
+              <a:shade val="50000"/>
+            </a:schemeClr>
+          </a:lnRef>
+          <a:fillRef idx="1">
+            <a:schemeClr val="accent1"/>
+          </a:fillRef>
+          <a:effectRef idx="0">
+            <a:schemeClr val="accent1"/>
+          </a:effectRef>
+          <a:fontRef idx="minor">
+            <a:schemeClr val="lt1"/>
+          </a:fontRef>
+        </p:style>
+      </p:sp>
+      <p:sp>
+        <p:nvSpPr>
+          <p:cNvPr id="58" name="Rectangle 44">
+            <a:extLst>
+              <a:ext uri="{FF2B5EF4-FFF2-40B4-BE49-F238E27FC236}">
+                <a16:creationId xmlns:a16="http://schemas.microsoft.com/office/drawing/2014/main" id="{5F097929-F3D6-4D1F-8AFC-CF348171A9E1}"/>
+              </a:ext>
+              <a:ext uri="{C183D7F6-B498-43B3-948B-1728B52AA6E4}">
+                <adec:decorative xmlns:adec="http://schemas.microsoft.com/office/drawing/2017/decorative" val="1"/>
+              </a:ext>
+            </a:extLst>
+          </p:cNvPr>
+          <p:cNvSpPr>
+            <a:spLocks noGrp="1" noRot="1" noChangeAspect="1" noMove="1" noResize="1" noEditPoints="1" noAdjustHandles="1" noChangeArrowheads="1" noChangeShapeType="1" noTextEdit="1"/>
+          </p:cNvSpPr>
+          <p:nvPr>
+            <p:extLst>
+              <p:ext uri="{386F3935-93C4-4BCD-93E2-E3B085C9AB24}">
+                <p16:designElem xmlns:p16="http://schemas.microsoft.com/office/powerpoint/2015/main" val="1"/>
+              </p:ext>
+            </p:extLst>
+          </p:nvPr>
+        </p:nvSpPr>
+        <p:spPr>
+          <a:xfrm>
+            <a:off x="1" y="6334316"/>
+            <a:ext cx="12192000" cy="66484"/>
+          </a:xfrm>
+          <a:prstGeom prst="rect">
+            <a:avLst/>
+          </a:prstGeom>
+          <a:solidFill>
+            <a:schemeClr val="accent1"/>
+          </a:solidFill>
+          <a:ln>
+            <a:noFill/>
+          </a:ln>
+        </p:spPr>
+        <p:style>
+          <a:lnRef idx="2">
+            <a:schemeClr val="accent1">
+              <a:shade val="50000"/>
+            </a:schemeClr>
+          </a:lnRef>
+          <a:fillRef idx="1">
+            <a:schemeClr val="accent1"/>
+          </a:fillRef>
+          <a:effectRef idx="0">
+            <a:schemeClr val="accent1"/>
+          </a:effectRef>
+          <a:fontRef idx="minor">
+            <a:schemeClr val="lt1"/>
+          </a:fontRef>
+        </p:style>
+      </p:sp>
+      <p:cxnSp>
+        <p:nvCxnSpPr>
+          <p:cNvPr id="59" name="Straight Connector 46">
+            <a:extLst>
+              <a:ext uri="{FF2B5EF4-FFF2-40B4-BE49-F238E27FC236}">
+                <a16:creationId xmlns:a16="http://schemas.microsoft.com/office/drawing/2014/main" id="{43074C91-9045-414B-B5F9-567DAE3EED25}"/>
+              </a:ext>
+              <a:ext uri="{C183D7F6-B498-43B3-948B-1728B52AA6E4}">
+                <adec:decorative xmlns:adec="http://schemas.microsoft.com/office/drawing/2017/decorative" val="1"/>
+              </a:ext>
+            </a:extLst>
+          </p:cNvPr>
+          <p:cNvCxnSpPr>
+            <a:cxnSpLocks noGrp="1" noRot="1" noChangeAspect="1" noMove="1" noResize="1" noEditPoints="1" noAdjustHandles="1" noChangeArrowheads="1" noChangeShapeType="1"/>
+          </p:cNvCxnSpPr>
+          <p:nvPr>
+            <p:extLst>
+              <p:ext uri="{386F3935-93C4-4BCD-93E2-E3B085C9AB24}">
+                <p16:designElem xmlns:p16="http://schemas.microsoft.com/office/powerpoint/2015/main" val="1"/>
+              </p:ext>
+            </p:extLst>
+          </p:nvPr>
+        </p:nvCxnSpPr>
+        <p:spPr>
+          <a:xfrm>
+            <a:off x="1207658" y="4343400"/>
+            <a:ext cx="9875520" cy="0"/>
+          </a:xfrm>
+          <a:prstGeom prst="line">
+            <a:avLst/>
+          </a:prstGeom>
+          <a:ln w="6350">
+            <a:solidFill>
+              <a:schemeClr val="tx1">
+                <a:lumMod val="50000"/>
+                <a:lumOff val="50000"/>
+              </a:schemeClr>
+            </a:solidFill>
+          </a:ln>
+        </p:spPr>
+        <p:style>
+          <a:lnRef idx="1">
+            <a:schemeClr val="accent1"/>
+          </a:lnRef>
+          <a:fillRef idx="0">
+            <a:schemeClr val="accent1"/>
+          </a:fillRef>
+          <a:effectRef idx="0">
+            <a:schemeClr val="accent1"/>
+          </a:effectRef>
+          <a:fontRef idx="minor">
+            <a:schemeClr val="tx1"/>
+          </a:fontRef>
+        </p:style>
+      </p:cxnSp>
+      <p:sp useBgFill="1">
+        <p:nvSpPr>
+          <p:cNvPr id="60" name="Rectangle 48">
+            <a:extLst>
+              <a:ext uri="{FF2B5EF4-FFF2-40B4-BE49-F238E27FC236}">
+                <a16:creationId xmlns:a16="http://schemas.microsoft.com/office/drawing/2014/main" id="{B4D0E555-16F6-44D0-BF56-AF5FF5BDE9D6}"/>
+              </a:ext>
+              <a:ext uri="{C183D7F6-B498-43B3-948B-1728B52AA6E4}">
+                <adec:decorative xmlns:adec="http://schemas.microsoft.com/office/drawing/2017/decorative" val="1"/>
+              </a:ext>
+            </a:extLst>
+          </p:cNvPr>
+          <p:cNvSpPr>
+            <a:spLocks noGrp="1" noRot="1" noChangeAspect="1" noMove="1" noResize="1" noEditPoints="1" noAdjustHandles="1" noChangeArrowheads="1" noChangeShapeType="1" noTextEdit="1"/>
+          </p:cNvSpPr>
+          <p:nvPr>
+            <p:extLst>
+              <p:ext uri="{386F3935-93C4-4BCD-93E2-E3B085C9AB24}">
+                <p16:designElem xmlns:p16="http://schemas.microsoft.com/office/powerpoint/2015/main" val="1"/>
+              </p:ext>
+            </p:extLst>
+          </p:nvPr>
+        </p:nvSpPr>
+        <p:spPr>
+          <a:xfrm>
+            <a:off x="0" y="0"/>
+            <a:ext cx="12192000" cy="6858000"/>
+          </a:xfrm>
+          <a:prstGeom prst="rect">
+            <a:avLst/>
+          </a:prstGeom>
+          <a:ln>
+            <a:noFill/>
+          </a:ln>
+        </p:spPr>
+        <p:style>
+          <a:lnRef idx="2">
+            <a:schemeClr val="accent1">
+              <a:shade val="50000"/>
+            </a:schemeClr>
+          </a:lnRef>
+          <a:fillRef idx="1001">
+            <a:schemeClr val="lt1"/>
+          </a:fillRef>
+          <a:effectRef idx="0">
+            <a:schemeClr val="accent1"/>
+          </a:effectRef>
+          <a:fontRef idx="minor">
+            <a:schemeClr val="lt1"/>
+          </a:fontRef>
+        </p:style>
+        <p:txBody>
+          <a:bodyPr rtlCol="0" anchor="ctr"/>
+          <a:lstStyle/>
+          <a:p>
+            <a:pPr algn="ctr"/>
+            <a:endParaRPr lang="en-US"/>
+          </a:p>
+        </p:txBody>
+      </p:sp>
+      <p:pic>
+        <p:nvPicPr>
+          <p:cNvPr id="4" name="Imagem 3" descr="Uma imagem com captura de ecrã&#10;&#10;Descrição gerada com confiança muito alta">
+            <a:extLst>
+              <a:ext uri="{FF2B5EF4-FFF2-40B4-BE49-F238E27FC236}">
+                <a16:creationId xmlns:a16="http://schemas.microsoft.com/office/drawing/2014/main" id="{1031EFB7-09F9-4981-8368-4B4EE6A06F1A}"/>
+              </a:ext>
+            </a:extLst>
+          </p:cNvPr>
+          <p:cNvPicPr>
+            <a:picLocks noChangeAspect="1"/>
+          </p:cNvPicPr>
+          <p:nvPr/>
+        </p:nvPicPr>
+        <p:blipFill>
+          <a:blip r:embed="rId3"/>
+          <a:stretch>
+            <a:fillRect/>
+          </a:stretch>
+        </p:blipFill>
+        <p:spPr>
+          <a:xfrm>
+            <a:off x="366787" y="1462373"/>
+            <a:ext cx="6810830" cy="3933254"/>
+          </a:xfrm>
+          <a:prstGeom prst="rect">
+            <a:avLst/>
+          </a:prstGeom>
+        </p:spPr>
+      </p:pic>
+      <p:sp>
+        <p:nvSpPr>
+          <p:cNvPr id="61" name="Rectangle 50">
+            <a:extLst>
+              <a:ext uri="{FF2B5EF4-FFF2-40B4-BE49-F238E27FC236}">
+                <a16:creationId xmlns:a16="http://schemas.microsoft.com/office/drawing/2014/main" id="{8117041D-1A7B-4ECA-AB68-3CFDB6726B8E}"/>
+              </a:ext>
+              <a:ext uri="{C183D7F6-B498-43B3-948B-1728B52AA6E4}">
+                <adec:decorative xmlns:adec="http://schemas.microsoft.com/office/drawing/2017/decorative" val="1"/>
+              </a:ext>
+            </a:extLst>
+          </p:cNvPr>
+          <p:cNvSpPr>
+            <a:spLocks noGrp="1" noRot="1" noChangeAspect="1" noMove="1" noResize="1" noEditPoints="1" noAdjustHandles="1" noChangeArrowheads="1" noChangeShapeType="1" noTextEdit="1"/>
+          </p:cNvSpPr>
+          <p:nvPr>
+            <p:extLst>
+              <p:ext uri="{386F3935-93C4-4BCD-93E2-E3B085C9AB24}">
+                <p16:designElem xmlns:p16="http://schemas.microsoft.com/office/powerpoint/2015/main" val="1"/>
+              </p:ext>
+            </p:extLst>
+          </p:nvPr>
+        </p:nvSpPr>
+        <p:spPr bwMode="white">
+          <a:xfrm>
+            <a:off x="7613486" y="0"/>
+            <a:ext cx="4584734" cy="6858000"/>
+          </a:xfrm>
+          <a:prstGeom prst="rect">
+            <a:avLst/>
+          </a:prstGeom>
+          <a:solidFill>
+            <a:schemeClr val="accent2"/>
+          </a:solidFill>
+          <a:ln>
+            <a:noFill/>
+          </a:ln>
+        </p:spPr>
+        <p:style>
+          <a:lnRef idx="2">
+            <a:schemeClr val="accent1">
+              <a:shade val="50000"/>
+            </a:schemeClr>
+          </a:lnRef>
+          <a:fillRef idx="1">
+            <a:schemeClr val="accent1"/>
+          </a:fillRef>
+          <a:effectRef idx="0">
+            <a:schemeClr val="accent1"/>
+          </a:effectRef>
+          <a:fontRef idx="minor">
+            <a:schemeClr val="lt1"/>
+          </a:fontRef>
+        </p:style>
+      </p:sp>
+      <p:sp>
+        <p:nvSpPr>
           <p:cNvPr id="2" name="Título 1"/>
           <p:cNvSpPr>
             <a:spLocks noGrp="1"/>
@@ -18000,49 +18618,125 @@
             <p:ph type="title"/>
           </p:nvPr>
         </p:nvSpPr>
-        <p:spPr/>
+        <p:spPr>
+          <a:xfrm>
+            <a:off x="8096885" y="1031965"/>
+            <a:ext cx="3659246" cy="2926080"/>
+          </a:xfrm>
+        </p:spPr>
         <p:txBody>
-          <a:bodyPr>
+          <a:bodyPr vert="horz" lIns="91440" tIns="45720" rIns="91440" bIns="45720" rtlCol="0" anchor="b">
             <a:normAutofit/>
           </a:bodyPr>
           <a:lstStyle/>
           <a:p>
-            <a:r>
-              <a:rPr lang="pt-PT" sz="8800" b="1" dirty="0"/>
-              <a:t>Arquitetura final</a:t>
-            </a:r>
+            <a:pPr algn="r"/>
+            <a:r>
+              <a:rPr lang="en-US" sz="4400" dirty="0">
+                <a:solidFill>
+                  <a:srgbClr val="FFFFFF"/>
+                </a:solidFill>
+              </a:rPr>
+              <a:t>Base de Dados</a:t>
+            </a:r>
+            <a:br>
+              <a:rPr lang="en-US" sz="4400" dirty="0">
+                <a:solidFill>
+                  <a:srgbClr val="FFFFFF"/>
+                </a:solidFill>
+              </a:rPr>
+            </a:br>
+            <a:r>
+              <a:rPr lang="en-US" sz="2400" dirty="0" err="1">
+                <a:solidFill>
+                  <a:srgbClr val="FFFFFF"/>
+                </a:solidFill>
+              </a:rPr>
+              <a:t>Modelo</a:t>
+            </a:r>
+            <a:r>
+              <a:rPr lang="en-US" sz="2400" dirty="0">
+                <a:solidFill>
+                  <a:srgbClr val="FFFFFF"/>
+                </a:solidFill>
+              </a:rPr>
+              <a:t> </a:t>
+            </a:r>
+            <a:r>
+              <a:rPr lang="en-US" sz="2400" dirty="0" err="1">
+                <a:solidFill>
+                  <a:srgbClr val="FFFFFF"/>
+                </a:solidFill>
+              </a:rPr>
+              <a:t>Lógico</a:t>
+            </a:r>
+            <a:endParaRPr lang="en-US" sz="2400" b="1" dirty="0">
+              <a:solidFill>
+                <a:srgbClr val="FFFFFF"/>
+              </a:solidFill>
+            </a:endParaRPr>
           </a:p>
         </p:txBody>
       </p:sp>
       <p:sp>
         <p:nvSpPr>
-          <p:cNvPr id="4" name="Marcador de Posição de Conteúdo 3">
+          <p:cNvPr id="62" name="Rectangle 52">
             <a:extLst>
               <a:ext uri="{FF2B5EF4-FFF2-40B4-BE49-F238E27FC236}">
-                <a16:creationId xmlns:a16="http://schemas.microsoft.com/office/drawing/2014/main" id="{1D8321CE-169C-4B0F-AE90-274F61E43AE1}"/>
+                <a16:creationId xmlns:a16="http://schemas.microsoft.com/office/drawing/2014/main" id="{EF9C14D5-64ED-4C3C-A0D2-6C2AE1AE9279}"/>
+              </a:ext>
+              <a:ext uri="{C183D7F6-B498-43B3-948B-1728B52AA6E4}">
+                <adec:decorative xmlns:adec="http://schemas.microsoft.com/office/drawing/2017/decorative" val="1"/>
               </a:ext>
             </a:extLst>
           </p:cNvPr>
           <p:cNvSpPr>
-            <a:spLocks noGrp="1"/>
+            <a:spLocks noGrp="1" noRot="1" noChangeAspect="1" noMove="1" noResize="1" noEditPoints="1" noAdjustHandles="1" noChangeArrowheads="1" noChangeShapeType="1" noTextEdit="1"/>
           </p:cNvSpPr>
           <p:nvPr>
-            <p:ph idx="1"/>
+            <p:extLst>
+              <p:ext uri="{386F3935-93C4-4BCD-93E2-E3B085C9AB24}">
+                <p16:designElem xmlns:p16="http://schemas.microsoft.com/office/powerpoint/2015/main" val="1"/>
+              </p:ext>
+            </p:extLst>
           </p:nvPr>
         </p:nvSpPr>
-        <p:spPr/>
-        <p:txBody>
-          <a:bodyPr/>
-          <a:lstStyle/>
-          <a:p>
-            <a:endParaRPr lang="pt-PT"/>
-          </a:p>
-        </p:txBody>
+        <p:spPr>
+          <a:xfrm>
+            <a:off x="7556906" y="0"/>
+            <a:ext cx="64008" cy="6858000"/>
+          </a:xfrm>
+          <a:prstGeom prst="rect">
+            <a:avLst/>
+          </a:prstGeom>
+          <a:solidFill>
+            <a:schemeClr val="accent1"/>
+          </a:solidFill>
+          <a:ln>
+            <a:noFill/>
+          </a:ln>
+        </p:spPr>
+        <p:style>
+          <a:lnRef idx="2">
+            <a:schemeClr val="accent1">
+              <a:shade val="50000"/>
+            </a:schemeClr>
+          </a:lnRef>
+          <a:fillRef idx="1">
+            <a:schemeClr val="accent1"/>
+          </a:fillRef>
+          <a:effectRef idx="0">
+            <a:schemeClr val="accent1"/>
+          </a:effectRef>
+          <a:fontRef idx="minor">
+            <a:schemeClr val="lt1"/>
+          </a:fontRef>
+        </p:style>
       </p:sp>
     </p:spTree>
     <p:extLst>
       <p:ext uri="{BB962C8B-B14F-4D97-AF65-F5344CB8AC3E}">
-        <p14:creationId xmlns:p14="http://schemas.microsoft.com/office/powerpoint/2010/main" val="371475348"/>
+        <p14:creationId xmlns:p14="http://schemas.microsoft.com/office/powerpoint/2010/main" val="3340821841"/>
       </p:ext>
     </p:extLst>
   </p:cSld>
@@ -18071,6 +18765,85 @@
       </p:grpSpPr>
       <p:sp>
         <p:nvSpPr>
+          <p:cNvPr id="2" name="Título 1"/>
+          <p:cNvSpPr>
+            <a:spLocks noGrp="1"/>
+          </p:cNvSpPr>
+          <p:nvPr>
+            <p:ph type="title"/>
+          </p:nvPr>
+        </p:nvSpPr>
+        <p:spPr/>
+        <p:txBody>
+          <a:bodyPr>
+            <a:normAutofit/>
+          </a:bodyPr>
+          <a:lstStyle/>
+          <a:p>
+            <a:r>
+              <a:rPr lang="pt-PT" sz="8800" b="1" dirty="0"/>
+              <a:t>Produto final</a:t>
+            </a:r>
+          </a:p>
+        </p:txBody>
+      </p:sp>
+      <p:sp>
+        <p:nvSpPr>
+          <p:cNvPr id="4" name="Marcador de Posição de Conteúdo 3">
+            <a:extLst>
+              <a:ext uri="{FF2B5EF4-FFF2-40B4-BE49-F238E27FC236}">
+                <a16:creationId xmlns:a16="http://schemas.microsoft.com/office/drawing/2014/main" id="{1D8321CE-169C-4B0F-AE90-274F61E43AE1}"/>
+              </a:ext>
+            </a:extLst>
+          </p:cNvPr>
+          <p:cNvSpPr>
+            <a:spLocks noGrp="1"/>
+          </p:cNvSpPr>
+          <p:nvPr>
+            <p:ph idx="1"/>
+          </p:nvPr>
+        </p:nvSpPr>
+        <p:spPr/>
+        <p:txBody>
+          <a:bodyPr/>
+          <a:lstStyle/>
+          <a:p>
+            <a:endParaRPr lang="pt-PT" dirty="0"/>
+          </a:p>
+        </p:txBody>
+      </p:sp>
+    </p:spTree>
+    <p:extLst>
+      <p:ext uri="{BB962C8B-B14F-4D97-AF65-F5344CB8AC3E}">
+        <p14:creationId xmlns:p14="http://schemas.microsoft.com/office/powerpoint/2010/main" val="371475348"/>
+      </p:ext>
+    </p:extLst>
+  </p:cSld>
+  <p:clrMapOvr>
+    <a:masterClrMapping/>
+  </p:clrMapOvr>
+</p:sld>
+</file>
+
+<file path=ppt/slides/slide16.xml><?xml version="1.0" encoding="utf-8"?>
+<p:sld xmlns:a="http://schemas.openxmlformats.org/drawingml/2006/main" xmlns:r="http://schemas.openxmlformats.org/officeDocument/2006/relationships" xmlns:p="http://schemas.openxmlformats.org/presentationml/2006/main">
+  <p:cSld>
+    <p:spTree>
+      <p:nvGrpSpPr>
+        <p:cNvPr id="1" name=""/>
+        <p:cNvGrpSpPr/>
+        <p:nvPr/>
+      </p:nvGrpSpPr>
+      <p:grpSpPr>
+        <a:xfrm>
+          <a:off x="0" y="0"/>
+          <a:ext cx="0" cy="0"/>
+          <a:chOff x="0" y="0"/>
+          <a:chExt cx="0" cy="0"/>
+        </a:xfrm>
+      </p:grpSpPr>
+      <p:sp>
+        <p:nvSpPr>
           <p:cNvPr id="2" name="Título 1">
             <a:extLst>
               <a:ext uri="{FF2B5EF4-FFF2-40B4-BE49-F238E27FC236}">
@@ -18097,7 +18870,7 @@
           <a:p>
             <a:r>
               <a:rPr lang="pt-PT" dirty="0"/>
-              <a:t>Conclusões e Trabalho Desenvolvido</a:t>
+              <a:t>Conclusões e Trabalho Futuro</a:t>
             </a:r>
           </a:p>
         </p:txBody>
@@ -18157,7 +18930,7 @@
 </p:sld>
 </file>
 
-<file path=ppt/slides/slide16.xml><?xml version="1.0" encoding="utf-8"?>
+<file path=ppt/slides/slide17.xml><?xml version="1.0" encoding="utf-8"?>
 <p:sld xmlns:a="http://schemas.openxmlformats.org/drawingml/2006/main" xmlns:r="http://schemas.openxmlformats.org/officeDocument/2006/relationships" xmlns:p="http://schemas.openxmlformats.org/presentationml/2006/main">
   <p:cSld>
     <p:spTree>
@@ -18822,49 +19595,74 @@
           <a:p>
             <a:pPr lvl="1"/>
             <a:r>
-              <a:rPr lang="pt-PT" sz="2400" b="1" dirty="0"/>
+              <a:rPr lang="pt-PT" sz="2400" dirty="0"/>
               <a:t>Apresentação da aplicação</a:t>
             </a:r>
           </a:p>
           <a:p>
             <a:pPr lvl="1"/>
             <a:r>
-              <a:rPr lang="pt-PT" sz="2400" b="1" dirty="0"/>
+              <a:rPr lang="pt-PT" sz="2400" dirty="0"/>
               <a:t>Requisitos da aplicação</a:t>
             </a:r>
           </a:p>
           <a:p>
             <a:pPr lvl="1"/>
             <a:r>
-              <a:rPr lang="pt-PT" sz="2400" b="1" dirty="0"/>
-              <a:t>Modelação do Domínio</a:t>
+              <a:rPr lang="pt-PT" sz="2400"/>
+              <a:t>Modelo </a:t>
+            </a:r>
+            <a:r>
+              <a:rPr lang="pt-PT" sz="2400" dirty="0"/>
+              <a:t>do Domínio</a:t>
             </a:r>
           </a:p>
           <a:p>
             <a:pPr lvl="1"/>
             <a:r>
-              <a:rPr lang="pt-PT" sz="2400" b="1" dirty="0"/>
-              <a:t>Use Case</a:t>
+              <a:rPr lang="pt-PT" sz="2400" dirty="0"/>
+              <a:t>Use Case – Requisitar Serviço</a:t>
             </a:r>
           </a:p>
           <a:p>
             <a:pPr lvl="2"/>
             <a:r>
-              <a:rPr lang="pt-PT" sz="1900" b="1" dirty="0"/>
+              <a:rPr lang="pt-PT" sz="1900" dirty="0"/>
               <a:t>Diagrama geral</a:t>
             </a:r>
           </a:p>
           <a:p>
             <a:pPr lvl="2"/>
             <a:r>
-              <a:rPr lang="pt-PT" sz="1900" b="1" dirty="0"/>
-              <a:t>Requisitar Serviço</a:t>
-            </a:r>
-            <a:endParaRPr lang="pt-PT" sz="1800" b="1" dirty="0"/>
+              <a:rPr lang="pt-PT" sz="1900" dirty="0"/>
+              <a:t>Especificação do use case</a:t>
+            </a:r>
           </a:p>
           <a:p>
             <a:pPr lvl="2"/>
-            <a:endParaRPr lang="pt-PT" sz="1800" b="1" dirty="0"/>
+            <a:r>
+              <a:rPr lang="pt-PT" sz="1900" dirty="0"/>
+              <a:t>Diagrama de atividades</a:t>
+            </a:r>
+          </a:p>
+          <a:p>
+            <a:pPr lvl="2"/>
+            <a:r>
+              <a:rPr lang="pt-PT" sz="1900" dirty="0" err="1"/>
+              <a:t>Mockup</a:t>
+            </a:r>
+            <a:endParaRPr lang="pt-PT" sz="1900" dirty="0"/>
+          </a:p>
+          <a:p>
+            <a:pPr lvl="2"/>
+            <a:r>
+              <a:rPr lang="pt-PT" sz="1900" dirty="0"/>
+              <a:t>Interface Final</a:t>
+            </a:r>
+          </a:p>
+          <a:p>
+            <a:pPr lvl="2"/>
+            <a:endParaRPr lang="pt-PT" sz="1800" dirty="0"/>
           </a:p>
         </p:txBody>
       </p:sp>
@@ -19178,55 +19976,37 @@
           <a:p>
             <a:pPr lvl="1"/>
             <a:r>
-              <a:rPr lang="pt-PT" sz="2400" b="1" dirty="0"/>
+              <a:rPr lang="pt-PT" sz="2400" dirty="0"/>
               <a:t>Diagrama de classes</a:t>
             </a:r>
           </a:p>
           <a:p>
             <a:pPr lvl="1"/>
             <a:r>
-              <a:rPr lang="pt-PT" sz="2400" b="1" dirty="0"/>
+              <a:rPr lang="pt-PT" sz="2400" dirty="0"/>
               <a:t>Base de Dados</a:t>
             </a:r>
           </a:p>
           <a:p>
             <a:pPr lvl="2"/>
             <a:r>
-              <a:rPr lang="pt-PT" sz="1800" b="1" dirty="0"/>
+              <a:rPr lang="pt-PT" sz="1800" dirty="0"/>
               <a:t>Modelo Lógico</a:t>
             </a:r>
           </a:p>
           <a:p>
             <a:pPr lvl="1"/>
             <a:r>
-              <a:rPr lang="pt-PT" sz="2400" b="1" dirty="0"/>
-              <a:t>Interface</a:t>
-            </a:r>
-          </a:p>
-          <a:p>
-            <a:pPr lvl="2"/>
-            <a:r>
-              <a:rPr lang="pt-PT" sz="1800" b="1" dirty="0"/>
-              <a:t>Máquinas de estados</a:t>
-            </a:r>
-            <a:endParaRPr lang="pt-PT" sz="2400" b="1" dirty="0"/>
+              <a:rPr lang="pt-PT" sz="2400" dirty="0"/>
+              <a:t>Produto Final</a:t>
+            </a:r>
           </a:p>
           <a:p>
             <a:pPr lvl="1"/>
             <a:r>
-              <a:rPr lang="pt-PT" sz="2400" b="1" dirty="0"/>
-              <a:t>Arquitetura Final</a:t>
-            </a:r>
-          </a:p>
-          <a:p>
-            <a:pPr lvl="1"/>
-            <a:r>
-              <a:rPr lang="pt-PT" sz="2400" b="1" dirty="0"/>
-              <a:t>Conclusão e Sucesso</a:t>
-            </a:r>
-          </a:p>
-          <a:p>
-            <a:pPr lvl="1"/>
+              <a:rPr lang="pt-PT" sz="2400" dirty="0"/>
+              <a:t>Conclusões e Trabalho Futuro</a:t>
+            </a:r>
             <a:endParaRPr lang="pt-PT" sz="2400" b="1" dirty="0"/>
           </a:p>
         </p:txBody>
@@ -19816,13 +20596,13 @@
               </a:ext>
             </a:extLst>
           </a:blip>
-          <a:srcRect l="2393" t="1" r="2541" b="9830"/>
+          <a:srcRect l="2393" t="1" r="2541" b="11480"/>
           <a:stretch/>
         </p:blipFill>
         <p:spPr>
-          <a:xfrm>
-            <a:off x="7262191" y="1694654"/>
-            <a:ext cx="5505542" cy="4621480"/>
+          <a:xfrm flipH="1">
+            <a:off x="7024912" y="1791319"/>
+            <a:ext cx="5418773" cy="4536909"/>
           </a:xfrm>
           <a:prstGeom prst="rect">
             <a:avLst/>
@@ -19843,7 +20623,11 @@
           </p:cNvPr>
           <p:cNvGraphicFramePr/>
           <p:nvPr>
-            <p:extLst/>
+            <p:extLst>
+              <p:ext uri="{D42A27DB-BD31-4B8C-83A1-F6EECF244321}">
+                <p14:modId xmlns:p14="http://schemas.microsoft.com/office/powerpoint/2010/main" val="1997620760"/>
+              </p:ext>
+            </p:extLst>
           </p:nvPr>
         </p:nvGraphicFramePr>
         <p:xfrm>

--- a/Parte_III/Apresentação 3.pptx
+++ b/Parte_III/Apresentação 3.pptx
@@ -6,26 +6,24 @@
     <p:sldMasterId id="2147483684" r:id="rId2"/>
   </p:sldMasterIdLst>
   <p:notesMasterIdLst>
-    <p:notesMasterId r:id="rId20"/>
+    <p:notesMasterId r:id="rId18"/>
   </p:notesMasterIdLst>
   <p:sldIdLst>
     <p:sldId id="256" r:id="rId3"/>
     <p:sldId id="258" r:id="rId4"/>
-    <p:sldId id="260" r:id="rId5"/>
+    <p:sldId id="273" r:id="rId5"/>
     <p:sldId id="312" r:id="rId6"/>
     <p:sldId id="281" r:id="rId7"/>
     <p:sldId id="308" r:id="rId8"/>
-    <p:sldId id="307" r:id="rId9"/>
-    <p:sldId id="309" r:id="rId10"/>
+    <p:sldId id="309" r:id="rId9"/>
+    <p:sldId id="277" r:id="rId10"/>
     <p:sldId id="276" r:id="rId11"/>
-    <p:sldId id="286" r:id="rId12"/>
-    <p:sldId id="313" r:id="rId13"/>
-    <p:sldId id="280" r:id="rId14"/>
-    <p:sldId id="310" r:id="rId15"/>
-    <p:sldId id="314" r:id="rId16"/>
-    <p:sldId id="304" r:id="rId17"/>
-    <p:sldId id="288" r:id="rId18"/>
-    <p:sldId id="311" r:id="rId19"/>
+    <p:sldId id="310" r:id="rId12"/>
+    <p:sldId id="314" r:id="rId13"/>
+    <p:sldId id="315" r:id="rId14"/>
+    <p:sldId id="316" r:id="rId15"/>
+    <p:sldId id="288" r:id="rId16"/>
+    <p:sldId id="311" r:id="rId17"/>
   </p:sldIdLst>
   <p:sldSz cx="12192000" cy="6858000"/>
   <p:notesSz cx="6858000" cy="9144000"/>
@@ -2311,7 +2309,7 @@
       <dgm:spPr/>
     </dgm:pt>
     <dgm:pt modelId="{B5F53D8D-F9CF-4393-85BC-02F0B177261C}" type="pres">
-      <dgm:prSet presAssocID="{9DA6B085-3C9B-48FC-82C6-6AD3F9F03F7E}" presName="parentText" presStyleLbl="node1" presStyleIdx="0" presStyleCnt="3">
+      <dgm:prSet presAssocID="{9DA6B085-3C9B-48FC-82C6-6AD3F9F03F7E}" presName="parentText" presStyleLbl="node1" presStyleIdx="0" presStyleCnt="3" custLinFactNeighborY="-5330">
         <dgm:presLayoutVars>
           <dgm:chMax val="0"/>
           <dgm:bulletEnabled val="1"/>
@@ -3064,7 +3062,7 @@
       </dsp:nvSpPr>
       <dsp:spPr>
         <a:xfrm>
-          <a:off x="326136" y="9086"/>
+          <a:off x="326136" y="0"/>
           <a:ext cx="4565904" cy="442800"/>
         </a:xfrm>
         <a:prstGeom prst="roundRect">
@@ -3131,7 +3129,7 @@
         </a:p>
       </dsp:txBody>
       <dsp:txXfrm>
-        <a:off x="347752" y="30702"/>
+        <a:off x="347752" y="21616"/>
         <a:ext cx="4522672" cy="399568"/>
       </dsp:txXfrm>
     </dsp:sp>
@@ -6606,7 +6604,7 @@
           <a:p>
             <a:fld id="{C75AE187-A41F-D649-A888-D252768A28C6}" type="datetimeFigureOut">
               <a:rPr lang="pt-PT" smtClean="0"/>
-              <a:t>11/06/2018</a:t>
+              <a:t>12/06/2018</a:t>
             </a:fld>
             <a:endParaRPr lang="pt-PT"/>
           </a:p>
@@ -6917,7 +6915,10 @@
           <a:bodyPr/>
           <a:lstStyle/>
           <a:p>
-            <a:endParaRPr lang="pt-PT" dirty="0"/>
+            <a:r>
+              <a:rPr lang="pt-PT" dirty="0"/>
+              <a:t>Ao longo dos próximos minutos iremos apresentar a aplicação que desenvolvemos referindo várias aspetos relacionados com o trabalho desenvolvido, tais como a análise dos requisitos, a especificação de use cases, a modelação de uma base de dados e a implementação da aplicação propriamente dita.</a:t>
+            </a:r>
           </a:p>
         </p:txBody>
       </p:sp>
@@ -7001,9 +7002,13 @@
           <a:bodyPr/>
           <a:lstStyle/>
           <a:p>
-            <a:r>
-              <a:rPr lang="pt-PT" dirty="0"/>
-              <a:t>MENU RE REQUISIÇÃO DE SERVIÇO</a:t>
+            <a:pPr marL="171450" indent="-171450">
+              <a:buFont typeface="Arial" charset="0"/>
+              <a:buChar char="•"/>
+            </a:pPr>
+            <a:r>
+              <a:rPr lang="pt-PT" b="0" baseline="0" dirty="0"/>
+              <a:t>Assim sendo, através deste modelo lógico verificamos que foram implementadas 4 tabelas que se relacionam entre si através da implementação de chaves estrangeiras. </a:t>
             </a:r>
           </a:p>
         </p:txBody>
@@ -7023,7 +7028,7 @@
           <a:bodyPr/>
           <a:lstStyle/>
           <a:p>
-            <a:fld id="{071F3FBA-D23A-4285-A104-7C7E32F747DD}" type="slidenum">
+            <a:fld id="{E50BBBD9-C36A-164F-8EDD-02E250A01F9C}" type="slidenum">
               <a:rPr lang="pt-PT" smtClean="0"/>
               <a:t>11</a:t>
             </a:fld>
@@ -7034,7 +7039,7 @@
     </p:spTree>
     <p:extLst>
       <p:ext uri="{BB962C8B-B14F-4D97-AF65-F5344CB8AC3E}">
-        <p14:creationId xmlns:p14="http://schemas.microsoft.com/office/powerpoint/2010/main" val="4214122461"/>
+        <p14:creationId xmlns:p14="http://schemas.microsoft.com/office/powerpoint/2010/main" val="4160565840"/>
       </p:ext>
     </p:extLst>
   </p:cSld>
@@ -7088,13 +7093,27 @@
           <a:bodyPr/>
           <a:lstStyle/>
           <a:p>
+            <a:pPr marL="0" marR="0" lvl="0" indent="0" algn="l" defTabSz="914400" rtl="0" eaLnBrk="1" fontAlgn="auto" latinLnBrk="0" hangingPunct="1">
+              <a:lnSpc>
+                <a:spcPct val="100000"/>
+              </a:lnSpc>
+              <a:spcBef>
+                <a:spcPts val="0"/>
+              </a:spcBef>
+              <a:spcAft>
+                <a:spcPts val="0"/>
+              </a:spcAft>
+              <a:buClrTx/>
+              <a:buSzTx/>
+              <a:buFont typeface="Arial" charset="0"/>
+              <a:buNone/>
+              <a:tabLst/>
+              <a:defRPr/>
+            </a:pPr>
             <a:r>
               <a:rPr lang="pt-PT" dirty="0"/>
-              <a:t>A especificação dos use cases permitiu identificar algumas classes que potencialmente serão implementadas e as respetivas variáveis de classe, pelo que foi elaborado o diagrama de classes. </a:t>
-            </a:r>
-          </a:p>
-          <a:p>
-            <a:endParaRPr lang="pt-PT" dirty="0"/>
+              <a:t>No que diz respeito à implementação, a grande decisão foi a adoção do padrão MVC. </a:t>
+            </a:r>
           </a:p>
         </p:txBody>
       </p:sp>
@@ -7184,7 +7203,7 @@
     </p:spTree>
     <p:extLst>
       <p:ext uri="{BB962C8B-B14F-4D97-AF65-F5344CB8AC3E}">
-        <p14:creationId xmlns:p14="http://schemas.microsoft.com/office/powerpoint/2010/main" val="978849876"/>
+        <p14:creationId xmlns:p14="http://schemas.microsoft.com/office/powerpoint/2010/main" val="697549894"/>
       </p:ext>
     </p:extLst>
   </p:cSld>
@@ -7239,278 +7258,47 @@
           <a:lstStyle/>
           <a:p>
             <a:r>
-              <a:rPr lang="pt-PT" b="1" dirty="0"/>
-              <a:t>Utilizador</a:t>
+              <a:rPr lang="pt-PT" dirty="0"/>
+              <a:t>A sua utilização levou-nos a dividir a nossa aplicação em 3 partes distintas: </a:t>
             </a:r>
           </a:p>
           <a:p>
             <a:pPr marL="171450" indent="-171450">
-              <a:buFont typeface="Arial" charset="0"/>
+              <a:buFont typeface="Arial" panose="020B0604020202020204" pitchFamily="34" charset="0"/>
               <a:buChar char="•"/>
             </a:pPr>
             <a:r>
-              <a:rPr lang="pt-PT" b="0" dirty="0"/>
-              <a:t>Registo,</a:t>
-            </a:r>
-            <a:r>
-              <a:rPr lang="pt-PT" b="0" baseline="0" dirty="0"/>
-              <a:t> Início de Sessão e Terminar Sessão</a:t>
+              <a:rPr lang="pt-PT" dirty="0"/>
+              <a:t>A parte dos modelos, sendo que estes serão os responsáveis por realizar a ligação à base de dados e lidar com toda a informação utilizada pela aplicação. </a:t>
             </a:r>
           </a:p>
           <a:p>
             <a:pPr marL="171450" indent="-171450">
-              <a:buFont typeface="Arial" charset="0"/>
+              <a:buFont typeface="Arial" panose="020B0604020202020204" pitchFamily="34" charset="0"/>
               <a:buChar char="•"/>
             </a:pPr>
             <a:r>
-              <a:rPr lang="pt-PT" b="0" baseline="0" dirty="0"/>
-              <a:t>Editar perfil (nome, password, e-mail | </a:t>
-            </a:r>
-            <a:r>
-              <a:rPr lang="pt-PT" b="0" baseline="0" dirty="0" err="1"/>
-              <a:t>username</a:t>
-            </a:r>
-            <a:r>
-              <a:rPr lang="pt-PT" b="0" baseline="0" dirty="0"/>
-              <a:t> não pode!!), Preferências (Selecionar conjunto de </a:t>
-            </a:r>
-            <a:r>
-              <a:rPr lang="pt-PT" b="0" baseline="0" dirty="0" err="1"/>
-              <a:t>tags</a:t>
-            </a:r>
-            <a:r>
-              <a:rPr lang="pt-PT" b="0" baseline="0" dirty="0"/>
-              <a:t>) -&gt; explicar importância das preferências (sugestões)</a:t>
+              <a:rPr lang="pt-PT" dirty="0"/>
+              <a:t>A parte das vistas, que pertencendo à camada de </a:t>
+            </a:r>
+            <a:r>
+              <a:rPr lang="pt-PT"/>
+              <a:t>apresentação, possuem </a:t>
+            </a:r>
+            <a:r>
+              <a:rPr lang="pt-PT" dirty="0"/>
+              <a:t>todas as funcionalidades para a apresentação da informação aos utilizadores da aplicação</a:t>
             </a:r>
           </a:p>
           <a:p>
             <a:pPr marL="171450" indent="-171450">
-              <a:buFont typeface="Arial" charset="0"/>
+              <a:buFont typeface="Arial" panose="020B0604020202020204" pitchFamily="34" charset="0"/>
               <a:buChar char="•"/>
             </a:pPr>
             <a:r>
-              <a:rPr lang="pt-PT" b="0" baseline="0" dirty="0"/>
-              <a:t>Consulta de visitas recentes (5 últimas visitas) e de favoritos.</a:t>
-            </a:r>
-          </a:p>
-          <a:p>
-            <a:pPr marL="171450" indent="-171450">
-              <a:buFont typeface="Arial" charset="0"/>
-              <a:buChar char="•"/>
-            </a:pPr>
-            <a:r>
-              <a:rPr lang="pt-PT" b="0" baseline="0" dirty="0"/>
-              <a:t>Fazer Pedido (palavras-chave) </a:t>
-            </a:r>
-          </a:p>
-          <a:p>
-            <a:pPr marL="171450" indent="-171450">
-              <a:buFont typeface="Arial" charset="0"/>
-              <a:buChar char="•"/>
-            </a:pPr>
-            <a:r>
-              <a:rPr lang="pt-PT" b="0" baseline="0" dirty="0"/>
-              <a:t>Fazer Sugestão (usar preferências)</a:t>
-            </a:r>
-          </a:p>
-          <a:p>
-            <a:pPr marL="171450" indent="-171450">
-              <a:buFont typeface="Arial" charset="0"/>
-              <a:buChar char="•"/>
-            </a:pPr>
-            <a:r>
-              <a:rPr lang="pt-PT" b="0" baseline="0" dirty="0"/>
-              <a:t>Consultar sugestão diária: 1ª autenticação do </a:t>
-            </a:r>
-            <a:r>
-              <a:rPr lang="pt-PT" b="0" baseline="0" dirty="0" err="1"/>
-              <a:t>user</a:t>
-            </a:r>
-            <a:r>
-              <a:rPr lang="pt-PT" b="0" baseline="0" dirty="0"/>
-              <a:t>, localiza e vê as suas preferências, gera uma lista com produtos filtrados (preferências + horário do estabelecimento + raio 25km) escolhe um aleatoriamente.</a:t>
-            </a:r>
-          </a:p>
-          <a:p>
-            <a:pPr marL="171450" indent="-171450">
-              <a:buFont typeface="Arial" charset="0"/>
-              <a:buChar char="•"/>
-            </a:pPr>
-            <a:r>
-              <a:rPr lang="pt-PT" b="0" baseline="0" dirty="0"/>
-              <a:t>Fazer pedido específico (texto ou voz): gera uma lista (</a:t>
-            </a:r>
-            <a:r>
-              <a:rPr lang="pt-PT" b="0" baseline="0" dirty="0" err="1"/>
-              <a:t>tags</a:t>
-            </a:r>
-            <a:r>
-              <a:rPr lang="pt-PT" b="0" baseline="0" dirty="0"/>
-              <a:t> + horário + raio de 25km) -&gt; Importante: se o utilizar escolher este produto deve ser adicionada uma visita ao mesmo e no fim deve permitir avaliar.</a:t>
-            </a:r>
-          </a:p>
-          <a:p>
-            <a:pPr marL="171450" indent="-171450">
-              <a:buFont typeface="Arial" charset="0"/>
-              <a:buChar char="•"/>
-            </a:pPr>
-            <a:r>
-              <a:rPr lang="pt-PT" b="0" baseline="0" dirty="0"/>
-              <a:t>Fazer pedido de sugestão (botão ou voz): “</a:t>
-            </a:r>
-            <a:r>
-              <a:rPr lang="pt-PT" b="0" baseline="0" dirty="0" err="1"/>
-              <a:t>yummy</a:t>
-            </a:r>
-            <a:r>
-              <a:rPr lang="pt-PT" b="0" baseline="0" dirty="0"/>
-              <a:t>, sugere-me algo”: gera uma lista (</a:t>
-            </a:r>
-            <a:r>
-              <a:rPr lang="pt-PT" b="0" baseline="0" dirty="0" err="1"/>
-              <a:t>tags</a:t>
-            </a:r>
-            <a:r>
-              <a:rPr lang="pt-PT" b="0" baseline="0" dirty="0"/>
-              <a:t> preferências + horário + raio 25km) -&gt; Importante: se o </a:t>
-            </a:r>
-            <a:r>
-              <a:rPr lang="pt-PT" b="0" baseline="0" dirty="0" err="1"/>
-              <a:t>user</a:t>
-            </a:r>
-            <a:r>
-              <a:rPr lang="pt-PT" b="0" baseline="0" dirty="0"/>
-              <a:t> não tive preferências, vai recolher todos os produtos num raio de 25km e escolher 1.</a:t>
-            </a:r>
-          </a:p>
-          <a:p>
-            <a:pPr marL="171450" indent="-171450">
-              <a:buFont typeface="Arial" charset="0"/>
-              <a:buChar char="•"/>
-            </a:pPr>
-            <a:r>
-              <a:rPr lang="pt-PT" b="0" baseline="0" dirty="0"/>
-              <a:t>Avaliação de produtos: parâmetros (ambiente, custo, qualidade, serviço), valores de 0 a 5, é feita a média (classificação). Pode ser feito um comentário e uma foto para um </a:t>
-            </a:r>
-            <a:r>
-              <a:rPr lang="pt-PT" b="0" baseline="0" dirty="0" err="1"/>
-              <a:t>respectiva</a:t>
-            </a:r>
-            <a:r>
-              <a:rPr lang="pt-PT" b="0" baseline="0" dirty="0"/>
-              <a:t> partilha (insta, face, </a:t>
-            </a:r>
-            <a:r>
-              <a:rPr lang="pt-PT" b="0" baseline="0" dirty="0" err="1"/>
-              <a:t>twitter</a:t>
-            </a:r>
-            <a:r>
-              <a:rPr lang="pt-PT" b="0" baseline="0" dirty="0"/>
-              <a:t>).</a:t>
-            </a:r>
-          </a:p>
-          <a:p>
-            <a:pPr marL="171450" indent="-171450">
-              <a:buFont typeface="Arial" charset="0"/>
-              <a:buChar char="•"/>
-            </a:pPr>
-            <a:endParaRPr lang="pt-PT" b="0" baseline="0" dirty="0"/>
-          </a:p>
-          <a:p>
-            <a:pPr marL="0" indent="0">
-              <a:buFont typeface="Arial" charset="0"/>
-              <a:buNone/>
-            </a:pPr>
-            <a:r>
-              <a:rPr lang="pt-PT" b="1" baseline="0" dirty="0"/>
-              <a:t>Utilizador Proprietário</a:t>
-            </a:r>
-          </a:p>
-          <a:p>
-            <a:pPr marL="171450" indent="-171450">
-              <a:buFont typeface="Arial" charset="0"/>
-              <a:buChar char="•"/>
-            </a:pPr>
-            <a:r>
-              <a:rPr lang="pt-PT" b="0" baseline="0" dirty="0"/>
-              <a:t>Gerir estabelecimentos[</a:t>
-            </a:r>
-            <a:r>
-              <a:rPr lang="pt-PT" b="0" baseline="0" dirty="0" err="1"/>
-              <a:t>ådd</a:t>
-            </a:r>
-            <a:r>
-              <a:rPr lang="pt-PT" b="0" baseline="0" dirty="0"/>
-              <a:t>, remover, editar, consultar] (nome, endereço (código-postal, localidade e rua), horário). Importante: Ao adicionar o estabelecimento deve ter uma </a:t>
-            </a:r>
-            <a:r>
-              <a:rPr lang="pt-PT" b="0" baseline="0" dirty="0" err="1"/>
-              <a:t>flag</a:t>
-            </a:r>
-            <a:r>
-              <a:rPr lang="pt-PT" b="0" baseline="0" dirty="0"/>
-              <a:t> de estado (0) e só depois de confirmado é que passa a 1 e aí pode haver gestão de produtos do estabelecimento. Para adicionar estabelecimento tem de ser enviado por e-mail um comprovativo de propriedade.</a:t>
-            </a:r>
-          </a:p>
-          <a:p>
-            <a:pPr marL="171450" indent="-171450">
-              <a:buFont typeface="Arial" charset="0"/>
-              <a:buChar char="•"/>
-            </a:pPr>
-            <a:r>
-              <a:rPr lang="pt-PT" b="0" baseline="0" dirty="0"/>
-              <a:t>Gerir produtos [</a:t>
-            </a:r>
-            <a:r>
-              <a:rPr lang="pt-PT" b="0" baseline="0" dirty="0" err="1"/>
-              <a:t>add</a:t>
-            </a:r>
-            <a:r>
-              <a:rPr lang="pt-PT" b="0" baseline="0" dirty="0"/>
-              <a:t>, remover, editar]: fornecer (nome, descrição, preço, </a:t>
-            </a:r>
-            <a:r>
-              <a:rPr lang="pt-PT" b="0" baseline="0" dirty="0" err="1"/>
-              <a:t>tags</a:t>
-            </a:r>
-            <a:r>
-              <a:rPr lang="pt-PT" b="0" baseline="0" dirty="0"/>
-              <a:t> descritivas e foto).</a:t>
-            </a:r>
-          </a:p>
-          <a:p>
-            <a:pPr marL="171450" indent="-171450">
-              <a:buFont typeface="Arial" charset="0"/>
-              <a:buChar char="•"/>
-            </a:pPr>
-            <a:endParaRPr lang="pt-PT" b="0" baseline="0" dirty="0"/>
-          </a:p>
-          <a:p>
-            <a:pPr marL="0" indent="0">
-              <a:buFont typeface="Arial" charset="0"/>
-              <a:buNone/>
-            </a:pPr>
-            <a:r>
-              <a:rPr lang="pt-PT" b="1" baseline="0" dirty="0"/>
-              <a:t>Administrador</a:t>
-            </a:r>
-          </a:p>
-          <a:p>
-            <a:pPr marL="171450" indent="-171450">
-              <a:buFont typeface="Arial" charset="0"/>
-              <a:buChar char="•"/>
-            </a:pPr>
-            <a:r>
-              <a:rPr lang="pt-PT" b="0" baseline="0" dirty="0"/>
-              <a:t>Validar estabelecimentos: notificar por e-mail se foi validado ou não (API da Microsoft Outlook 15.0)</a:t>
-            </a:r>
-          </a:p>
-          <a:p>
-            <a:pPr marL="171450" indent="-171450">
-              <a:buFont typeface="Arial" charset="0"/>
-              <a:buChar char="•"/>
-            </a:pPr>
-            <a:endParaRPr lang="pt-PT" b="0" baseline="0" dirty="0"/>
+              <a:rPr lang="pt-PT" dirty="0"/>
+              <a:t>A parte dos controladores que são os responsáveis por controlar todo o fluxo de informação no sistema, funcionando como intermediários entre os modelos e as respetivas vistas.</a:t>
+            </a:r>
           </a:p>
         </p:txBody>
       </p:sp>
@@ -7529,7 +7317,7 @@
           <a:bodyPr/>
           <a:lstStyle/>
           <a:p>
-            <a:fld id="{E50BBBD9-C36A-164F-8EDD-02E250A01F9C}" type="slidenum">
+            <a:fld id="{1664BFC6-0CCB-D949-9684-DA961B4220FD}" type="slidenum">
               <a:rPr lang="pt-PT" smtClean="0"/>
               <a:t>13</a:t>
             </a:fld>
@@ -7540,7 +7328,7 @@
     </p:spTree>
     <p:extLst>
       <p:ext uri="{BB962C8B-B14F-4D97-AF65-F5344CB8AC3E}">
-        <p14:creationId xmlns:p14="http://schemas.microsoft.com/office/powerpoint/2010/main" val="852453796"/>
+        <p14:creationId xmlns:p14="http://schemas.microsoft.com/office/powerpoint/2010/main" val="3379421950"/>
       </p:ext>
     </p:extLst>
   </p:cSld>
@@ -7595,278 +7383,9 @@
           <a:lstStyle/>
           <a:p>
             <a:r>
-              <a:rPr lang="pt-PT" b="1" dirty="0"/>
-              <a:t>Utilizador</a:t>
-            </a:r>
-          </a:p>
-          <a:p>
-            <a:pPr marL="171450" indent="-171450">
-              <a:buFont typeface="Arial" charset="0"/>
-              <a:buChar char="•"/>
-            </a:pPr>
-            <a:r>
-              <a:rPr lang="pt-PT" b="0" dirty="0"/>
-              <a:t>Registo,</a:t>
-            </a:r>
-            <a:r>
-              <a:rPr lang="pt-PT" b="0" baseline="0" dirty="0"/>
-              <a:t> Início de Sessão e Terminar Sessão</a:t>
-            </a:r>
-          </a:p>
-          <a:p>
-            <a:pPr marL="171450" indent="-171450">
-              <a:buFont typeface="Arial" charset="0"/>
-              <a:buChar char="•"/>
-            </a:pPr>
-            <a:r>
-              <a:rPr lang="pt-PT" b="0" baseline="0" dirty="0"/>
-              <a:t>Editar perfil (nome, password, e-mail | </a:t>
-            </a:r>
-            <a:r>
-              <a:rPr lang="pt-PT" b="0" baseline="0" dirty="0" err="1"/>
-              <a:t>username</a:t>
-            </a:r>
-            <a:r>
-              <a:rPr lang="pt-PT" b="0" baseline="0" dirty="0"/>
-              <a:t> não pode!!), Preferências (Selecionar conjunto de </a:t>
-            </a:r>
-            <a:r>
-              <a:rPr lang="pt-PT" b="0" baseline="0" dirty="0" err="1"/>
-              <a:t>tags</a:t>
-            </a:r>
-            <a:r>
-              <a:rPr lang="pt-PT" b="0" baseline="0" dirty="0"/>
-              <a:t>) -&gt; explicar importância das preferências (sugestões)</a:t>
-            </a:r>
-          </a:p>
-          <a:p>
-            <a:pPr marL="171450" indent="-171450">
-              <a:buFont typeface="Arial" charset="0"/>
-              <a:buChar char="•"/>
-            </a:pPr>
-            <a:r>
-              <a:rPr lang="pt-PT" b="0" baseline="0" dirty="0"/>
-              <a:t>Consulta de visitas recentes (5 últimas visitas) e de favoritos.</a:t>
-            </a:r>
-          </a:p>
-          <a:p>
-            <a:pPr marL="171450" indent="-171450">
-              <a:buFont typeface="Arial" charset="0"/>
-              <a:buChar char="•"/>
-            </a:pPr>
-            <a:r>
-              <a:rPr lang="pt-PT" b="0" baseline="0" dirty="0"/>
-              <a:t>Fazer Pedido (palavras-chave) </a:t>
-            </a:r>
-          </a:p>
-          <a:p>
-            <a:pPr marL="171450" indent="-171450">
-              <a:buFont typeface="Arial" charset="0"/>
-              <a:buChar char="•"/>
-            </a:pPr>
-            <a:r>
-              <a:rPr lang="pt-PT" b="0" baseline="0" dirty="0"/>
-              <a:t>Fazer Sugestão (usar preferências)</a:t>
-            </a:r>
-          </a:p>
-          <a:p>
-            <a:pPr marL="171450" indent="-171450">
-              <a:buFont typeface="Arial" charset="0"/>
-              <a:buChar char="•"/>
-            </a:pPr>
-            <a:r>
-              <a:rPr lang="pt-PT" b="0" baseline="0" dirty="0"/>
-              <a:t>Consultar sugestão diária: 1ª autenticação do </a:t>
-            </a:r>
-            <a:r>
-              <a:rPr lang="pt-PT" b="0" baseline="0" dirty="0" err="1"/>
-              <a:t>user</a:t>
-            </a:r>
-            <a:r>
-              <a:rPr lang="pt-PT" b="0" baseline="0" dirty="0"/>
-              <a:t>, localiza e vê as suas preferências, gera uma lista com produtos filtrados (preferências + horário do estabelecimento + raio 25km) escolhe um aleatoriamente.</a:t>
-            </a:r>
-          </a:p>
-          <a:p>
-            <a:pPr marL="171450" indent="-171450">
-              <a:buFont typeface="Arial" charset="0"/>
-              <a:buChar char="•"/>
-            </a:pPr>
-            <a:r>
-              <a:rPr lang="pt-PT" b="0" baseline="0" dirty="0"/>
-              <a:t>Fazer pedido específico (texto ou voz): gera uma lista (</a:t>
-            </a:r>
-            <a:r>
-              <a:rPr lang="pt-PT" b="0" baseline="0" dirty="0" err="1"/>
-              <a:t>tags</a:t>
-            </a:r>
-            <a:r>
-              <a:rPr lang="pt-PT" b="0" baseline="0" dirty="0"/>
-              <a:t> + horário + raio de 25km) -&gt; Importante: se o utilizar escolher este produto deve ser adicionada uma visita ao mesmo e no fim deve permitir avaliar.</a:t>
-            </a:r>
-          </a:p>
-          <a:p>
-            <a:pPr marL="171450" indent="-171450">
-              <a:buFont typeface="Arial" charset="0"/>
-              <a:buChar char="•"/>
-            </a:pPr>
-            <a:r>
-              <a:rPr lang="pt-PT" b="0" baseline="0" dirty="0"/>
-              <a:t>Fazer pedido de sugestão (botão ou voz): “</a:t>
-            </a:r>
-            <a:r>
-              <a:rPr lang="pt-PT" b="0" baseline="0" dirty="0" err="1"/>
-              <a:t>yummy</a:t>
-            </a:r>
-            <a:r>
-              <a:rPr lang="pt-PT" b="0" baseline="0" dirty="0"/>
-              <a:t>, sugere-me algo”: gera uma lista (</a:t>
-            </a:r>
-            <a:r>
-              <a:rPr lang="pt-PT" b="0" baseline="0" dirty="0" err="1"/>
-              <a:t>tags</a:t>
-            </a:r>
-            <a:r>
-              <a:rPr lang="pt-PT" b="0" baseline="0" dirty="0"/>
-              <a:t> preferências + horário + raio 25km) -&gt; Importante: se o </a:t>
-            </a:r>
-            <a:r>
-              <a:rPr lang="pt-PT" b="0" baseline="0" dirty="0" err="1"/>
-              <a:t>user</a:t>
-            </a:r>
-            <a:r>
-              <a:rPr lang="pt-PT" b="0" baseline="0" dirty="0"/>
-              <a:t> não tive preferências, vai recolher todos os produtos num raio de 25km e escolher 1.</a:t>
-            </a:r>
-          </a:p>
-          <a:p>
-            <a:pPr marL="171450" indent="-171450">
-              <a:buFont typeface="Arial" charset="0"/>
-              <a:buChar char="•"/>
-            </a:pPr>
-            <a:r>
-              <a:rPr lang="pt-PT" b="0" baseline="0" dirty="0"/>
-              <a:t>Avaliação de produtos: parâmetros (ambiente, custo, qualidade, serviço), valores de 0 a 5, é feita a média (classificação). Pode ser feito um comentário e uma foto para um </a:t>
-            </a:r>
-            <a:r>
-              <a:rPr lang="pt-PT" b="0" baseline="0" dirty="0" err="1"/>
-              <a:t>respectiva</a:t>
-            </a:r>
-            <a:r>
-              <a:rPr lang="pt-PT" b="0" baseline="0" dirty="0"/>
-              <a:t> partilha (insta, face, </a:t>
-            </a:r>
-            <a:r>
-              <a:rPr lang="pt-PT" b="0" baseline="0" dirty="0" err="1"/>
-              <a:t>twitter</a:t>
-            </a:r>
-            <a:r>
-              <a:rPr lang="pt-PT" b="0" baseline="0" dirty="0"/>
-              <a:t>).</a:t>
-            </a:r>
-          </a:p>
-          <a:p>
-            <a:pPr marL="171450" indent="-171450">
-              <a:buFont typeface="Arial" charset="0"/>
-              <a:buChar char="•"/>
-            </a:pPr>
-            <a:endParaRPr lang="pt-PT" b="0" baseline="0" dirty="0"/>
-          </a:p>
-          <a:p>
-            <a:pPr marL="0" indent="0">
-              <a:buFont typeface="Arial" charset="0"/>
-              <a:buNone/>
-            </a:pPr>
-            <a:r>
-              <a:rPr lang="pt-PT" b="1" baseline="0" dirty="0"/>
-              <a:t>Utilizador Proprietário</a:t>
-            </a:r>
-          </a:p>
-          <a:p>
-            <a:pPr marL="171450" indent="-171450">
-              <a:buFont typeface="Arial" charset="0"/>
-              <a:buChar char="•"/>
-            </a:pPr>
-            <a:r>
-              <a:rPr lang="pt-PT" b="0" baseline="0" dirty="0"/>
-              <a:t>Gerir estabelecimentos[</a:t>
-            </a:r>
-            <a:r>
-              <a:rPr lang="pt-PT" b="0" baseline="0" dirty="0" err="1"/>
-              <a:t>ådd</a:t>
-            </a:r>
-            <a:r>
-              <a:rPr lang="pt-PT" b="0" baseline="0" dirty="0"/>
-              <a:t>, remover, editar, consultar] (nome, endereço (código-postal, localidade e rua), horário). Importante: Ao adicionar o estabelecimento deve ter uma </a:t>
-            </a:r>
-            <a:r>
-              <a:rPr lang="pt-PT" b="0" baseline="0" dirty="0" err="1"/>
-              <a:t>flag</a:t>
-            </a:r>
-            <a:r>
-              <a:rPr lang="pt-PT" b="0" baseline="0" dirty="0"/>
-              <a:t> de estado (0) e só depois de confirmado é que passa a 1 e aí pode haver gestão de produtos do estabelecimento. Para adicionar estabelecimento tem de ser enviado por e-mail um comprovativo de propriedade.</a:t>
-            </a:r>
-          </a:p>
-          <a:p>
-            <a:pPr marL="171450" indent="-171450">
-              <a:buFont typeface="Arial" charset="0"/>
-              <a:buChar char="•"/>
-            </a:pPr>
-            <a:r>
-              <a:rPr lang="pt-PT" b="0" baseline="0" dirty="0"/>
-              <a:t>Gerir produtos [</a:t>
-            </a:r>
-            <a:r>
-              <a:rPr lang="pt-PT" b="0" baseline="0" dirty="0" err="1"/>
-              <a:t>add</a:t>
-            </a:r>
-            <a:r>
-              <a:rPr lang="pt-PT" b="0" baseline="0" dirty="0"/>
-              <a:t>, remover, editar]: fornecer (nome, descrição, preço, </a:t>
-            </a:r>
-            <a:r>
-              <a:rPr lang="pt-PT" b="0" baseline="0" dirty="0" err="1"/>
-              <a:t>tags</a:t>
-            </a:r>
-            <a:r>
-              <a:rPr lang="pt-PT" b="0" baseline="0" dirty="0"/>
-              <a:t> descritivas e foto).</a:t>
-            </a:r>
-          </a:p>
-          <a:p>
-            <a:pPr marL="171450" indent="-171450">
-              <a:buFont typeface="Arial" charset="0"/>
-              <a:buChar char="•"/>
-            </a:pPr>
-            <a:endParaRPr lang="pt-PT" b="0" baseline="0" dirty="0"/>
-          </a:p>
-          <a:p>
-            <a:pPr marL="0" indent="0">
-              <a:buFont typeface="Arial" charset="0"/>
-              <a:buNone/>
-            </a:pPr>
-            <a:r>
-              <a:rPr lang="pt-PT" b="1" baseline="0" dirty="0"/>
-              <a:t>Administrador</a:t>
-            </a:r>
-          </a:p>
-          <a:p>
-            <a:pPr marL="171450" indent="-171450">
-              <a:buFont typeface="Arial" charset="0"/>
-              <a:buChar char="•"/>
-            </a:pPr>
-            <a:r>
-              <a:rPr lang="pt-PT" b="0" baseline="0" dirty="0"/>
-              <a:t>Validar estabelecimentos: notificar por e-mail se foi validado ou não (API da Microsoft Outlook 15.0)</a:t>
-            </a:r>
-          </a:p>
-          <a:p>
-            <a:pPr marL="171450" indent="-171450">
-              <a:buFont typeface="Arial" charset="0"/>
-              <a:buChar char="•"/>
-            </a:pPr>
-            <a:endParaRPr lang="pt-PT" b="0" baseline="0" dirty="0"/>
+              <a:rPr lang="pt-PT" dirty="0"/>
+              <a:t>Terminado o projeto, consideramos que alcançamos as metas que estabelecemos no seu inicio e estamos contentes com o resultado final. No entanto, existem pequenos detalhes que gostaríamos de melhorar, pelo que no futuro ainda há espaço para melhoria através da implementação de novas funcionalidades.</a:t>
+            </a:r>
           </a:p>
         </p:txBody>
       </p:sp>
@@ -7885,183 +7404,9 @@
           <a:bodyPr/>
           <a:lstStyle/>
           <a:p>
-            <a:fld id="{E50BBBD9-C36A-164F-8EDD-02E250A01F9C}" type="slidenum">
+            <a:fld id="{071F3FBA-D23A-4285-A104-7C7E32F747DD}" type="slidenum">
               <a:rPr lang="pt-PT" smtClean="0"/>
               <a:t>14</a:t>
-            </a:fld>
-            <a:endParaRPr lang="pt-PT"/>
-          </a:p>
-        </p:txBody>
-      </p:sp>
-    </p:spTree>
-    <p:extLst>
-      <p:ext uri="{BB962C8B-B14F-4D97-AF65-F5344CB8AC3E}">
-        <p14:creationId xmlns:p14="http://schemas.microsoft.com/office/powerpoint/2010/main" val="4160565840"/>
-      </p:ext>
-    </p:extLst>
-  </p:cSld>
-  <p:clrMapOvr>
-    <a:masterClrMapping/>
-  </p:clrMapOvr>
-</p:notes>
-</file>
-
-<file path=ppt/notesSlides/notesSlide14.xml><?xml version="1.0" encoding="utf-8"?>
-<p:notes xmlns:a="http://schemas.openxmlformats.org/drawingml/2006/main" xmlns:r="http://schemas.openxmlformats.org/officeDocument/2006/relationships" xmlns:p="http://schemas.openxmlformats.org/presentationml/2006/main">
-  <p:cSld>
-    <p:spTree>
-      <p:nvGrpSpPr>
-        <p:cNvPr id="1" name=""/>
-        <p:cNvGrpSpPr/>
-        <p:nvPr/>
-      </p:nvGrpSpPr>
-      <p:grpSpPr>
-        <a:xfrm>
-          <a:off x="0" y="0"/>
-          <a:ext cx="0" cy="0"/>
-          <a:chOff x="0" y="0"/>
-          <a:chExt cx="0" cy="0"/>
-        </a:xfrm>
-      </p:grpSpPr>
-      <p:sp>
-        <p:nvSpPr>
-          <p:cNvPr id="2" name="Marcador de Posição da Imagem do Diapositivo 1"/>
-          <p:cNvSpPr>
-            <a:spLocks noGrp="1" noRot="1" noChangeAspect="1"/>
-          </p:cNvSpPr>
-          <p:nvPr>
-            <p:ph type="sldImg"/>
-          </p:nvPr>
-        </p:nvSpPr>
-        <p:spPr/>
-      </p:sp>
-      <p:sp>
-        <p:nvSpPr>
-          <p:cNvPr id="3" name="Marcador de Posição de Notas 2"/>
-          <p:cNvSpPr>
-            <a:spLocks noGrp="1"/>
-          </p:cNvSpPr>
-          <p:nvPr>
-            <p:ph type="body" idx="1"/>
-          </p:nvPr>
-        </p:nvSpPr>
-        <p:spPr/>
-        <p:txBody>
-          <a:bodyPr/>
-          <a:lstStyle/>
-          <a:p>
-            <a:pPr marL="0" marR="0" lvl="0" indent="0" algn="l" defTabSz="914400" rtl="0" eaLnBrk="1" fontAlgn="auto" latinLnBrk="0" hangingPunct="1">
-              <a:lnSpc>
-                <a:spcPct val="100000"/>
-              </a:lnSpc>
-              <a:spcBef>
-                <a:spcPts val="0"/>
-              </a:spcBef>
-              <a:spcAft>
-                <a:spcPts val="0"/>
-              </a:spcAft>
-              <a:buClrTx/>
-              <a:buSzTx/>
-              <a:buFontTx/>
-              <a:buNone/>
-              <a:tabLst/>
-              <a:defRPr/>
-            </a:pPr>
-            <a:r>
-              <a:rPr lang="pt-PT" sz="1200" kern="1200" dirty="0">
-                <a:solidFill>
-                  <a:schemeClr val="tx1"/>
-                </a:solidFill>
-                <a:effectLst/>
-                <a:latin typeface="+mn-lt"/>
-                <a:ea typeface="+mn-ea"/>
-                <a:cs typeface="+mn-cs"/>
-              </a:rPr>
-              <a:t>Terminada esta fase, consideramos que a definição de requisitos foi a etapa mais demorada e na qual tivemos mais dificuldades, pois ambicionamos que todos os requisitos fossem de encontro ao que o grupo pretendia e que chegassem a um equilíbrio das ideias do mesmo.</a:t>
-            </a:r>
-          </a:p>
-          <a:p>
-            <a:pPr marL="0" marR="0" lvl="0" indent="0" algn="l" defTabSz="914400" rtl="0" eaLnBrk="1" fontAlgn="auto" latinLnBrk="0" hangingPunct="1">
-              <a:lnSpc>
-                <a:spcPct val="100000"/>
-              </a:lnSpc>
-              <a:spcBef>
-                <a:spcPts val="0"/>
-              </a:spcBef>
-              <a:spcAft>
-                <a:spcPts val="0"/>
-              </a:spcAft>
-              <a:buClrTx/>
-              <a:buSzTx/>
-              <a:buFontTx/>
-              <a:buNone/>
-              <a:tabLst/>
-              <a:defRPr/>
-            </a:pPr>
-            <a:endParaRPr lang="pt-PT" sz="1200" kern="1200" dirty="0">
-              <a:solidFill>
-                <a:schemeClr val="tx1"/>
-              </a:solidFill>
-              <a:effectLst/>
-              <a:latin typeface="+mn-lt"/>
-              <a:ea typeface="+mn-ea"/>
-              <a:cs typeface="+mn-cs"/>
-            </a:endParaRPr>
-          </a:p>
-          <a:p>
-            <a:pPr marL="0" marR="0" lvl="0" indent="0" algn="l" defTabSz="914400" rtl="0" eaLnBrk="1" fontAlgn="auto" latinLnBrk="0" hangingPunct="1">
-              <a:lnSpc>
-                <a:spcPct val="100000"/>
-              </a:lnSpc>
-              <a:spcBef>
-                <a:spcPts val="0"/>
-              </a:spcBef>
-              <a:spcAft>
-                <a:spcPts val="0"/>
-              </a:spcAft>
-              <a:buClrTx/>
-              <a:buSzTx/>
-              <a:buFontTx/>
-              <a:buNone/>
-              <a:tabLst/>
-              <a:defRPr/>
-            </a:pPr>
-            <a:r>
-              <a:rPr lang="pt-PT" sz="1200" kern="1200" dirty="0">
-                <a:solidFill>
-                  <a:schemeClr val="tx1"/>
-                </a:solidFill>
-                <a:effectLst/>
-                <a:latin typeface="+mn-lt"/>
-                <a:ea typeface="+mn-ea"/>
-                <a:cs typeface="+mn-cs"/>
-              </a:rPr>
-              <a:t>Para além disso, todo o grupo concorda que esta fase é provavelmente a mais importante pois, apesar de trabalhosa, permite que o grupo entre em concordância sobre o produto a desenvolver e,  se bem concretizada, irá ser uma vantagem na fase de implementação.</a:t>
-            </a:r>
-          </a:p>
-          <a:p>
-            <a:endParaRPr lang="pt-PT" dirty="0"/>
-          </a:p>
-        </p:txBody>
-      </p:sp>
-      <p:sp>
-        <p:nvSpPr>
-          <p:cNvPr id="4" name="Marcador de Posição do Número do Diapositivo 3"/>
-          <p:cNvSpPr>
-            <a:spLocks noGrp="1"/>
-          </p:cNvSpPr>
-          <p:nvPr>
-            <p:ph type="sldNum" sz="quarter" idx="10"/>
-          </p:nvPr>
-        </p:nvSpPr>
-        <p:spPr/>
-        <p:txBody>
-          <a:bodyPr/>
-          <a:lstStyle/>
-          <a:p>
-            <a:fld id="{071F3FBA-D23A-4285-A104-7C7E32F747DD}" type="slidenum">
-              <a:rPr lang="pt-PT" smtClean="0"/>
-              <a:t>16</a:t>
             </a:fld>
             <a:endParaRPr lang="pt-PT"/>
           </a:p>
@@ -8124,279 +7469,80 @@
           <a:bodyPr/>
           <a:lstStyle/>
           <a:p>
-            <a:r>
-              <a:rPr lang="pt-PT" b="1" dirty="0"/>
-              <a:t>Utilizador</a:t>
-            </a:r>
-          </a:p>
-          <a:p>
-            <a:pPr marL="171450" indent="-171450">
-              <a:buFont typeface="Arial" charset="0"/>
+            <a:pPr marL="285750" marR="0" lvl="0" indent="-285750" algn="l" defTabSz="914400" rtl="0" eaLnBrk="1" fontAlgn="auto" latinLnBrk="0" hangingPunct="1">
+              <a:lnSpc>
+                <a:spcPct val="100000"/>
+              </a:lnSpc>
+              <a:spcBef>
+                <a:spcPts val="0"/>
+              </a:spcBef>
+              <a:spcAft>
+                <a:spcPts val="0"/>
+              </a:spcAft>
+              <a:buClrTx/>
+              <a:buSzTx/>
+              <a:buFont typeface="Arial" panose="020B0604020202020204" pitchFamily="34" charset="0"/>
+              <a:buChar char="•"/>
+              <a:tabLst/>
+              <a:defRPr/>
+            </a:pPr>
+            <a:r>
+              <a:rPr lang="pt-PT" sz="1600" dirty="0"/>
+              <a:t>A aplicação que desenvolvemos chama-se </a:t>
+            </a:r>
+            <a:r>
+              <a:rPr lang="pt-PT" sz="1600" dirty="0" err="1"/>
+              <a:t>Home</a:t>
+            </a:r>
+            <a:r>
+              <a:rPr lang="pt-PT" sz="1600" dirty="0"/>
+              <a:t> </a:t>
+            </a:r>
+            <a:r>
+              <a:rPr lang="pt-PT" sz="1600" dirty="0" err="1"/>
+              <a:t>Massage</a:t>
+            </a:r>
+            <a:r>
+              <a:rPr lang="pt-PT" sz="1600" dirty="0"/>
+              <a:t> e surgiu da necessidade da empresa Zen+ possuir uma plataforma Web que lhe permitisse colocar ao dispor dos seus clientes um novo serviço de massagens ao domicilio.</a:t>
+            </a:r>
+          </a:p>
+          <a:p>
+            <a:pPr marL="285750" indent="-285750">
+              <a:buFont typeface="Arial" panose="020B0604020202020204" pitchFamily="34" charset="0"/>
               <a:buChar char="•"/>
             </a:pPr>
-            <a:r>
-              <a:rPr lang="pt-PT" b="0" dirty="0"/>
-              <a:t>Registo,</a:t>
-            </a:r>
-            <a:r>
-              <a:rPr lang="pt-PT" b="0" baseline="0" dirty="0"/>
-              <a:t> Início de Sessão e Terminar Sessão</a:t>
-            </a:r>
-          </a:p>
-          <a:p>
-            <a:pPr marL="171450" indent="-171450">
-              <a:buFont typeface="Arial" charset="0"/>
+            <a:endParaRPr lang="pt-PT" sz="1600" dirty="0"/>
+          </a:p>
+          <a:p>
+            <a:pPr marL="285750" indent="-285750">
+              <a:buFont typeface="Arial" panose="020B0604020202020204" pitchFamily="34" charset="0"/>
               <a:buChar char="•"/>
             </a:pPr>
             <a:r>
-              <a:rPr lang="pt-PT" b="0" baseline="0" dirty="0"/>
-              <a:t>Editar perfil (nome, password, e-mail | </a:t>
-            </a:r>
-            <a:r>
-              <a:rPr lang="pt-PT" b="0" baseline="0" dirty="0" err="1"/>
-              <a:t>username</a:t>
-            </a:r>
-            <a:r>
-              <a:rPr lang="pt-PT" b="0" baseline="0" dirty="0"/>
-              <a:t> não pode!!), Preferências (Selecionar conjunto de </a:t>
-            </a:r>
-            <a:r>
-              <a:rPr lang="pt-PT" b="0" baseline="0" dirty="0" err="1"/>
-              <a:t>tags</a:t>
-            </a:r>
-            <a:r>
-              <a:rPr lang="pt-PT" b="0" baseline="0" dirty="0"/>
-              <a:t>) -&gt; explicar importância das preferências (sugestões)</a:t>
-            </a:r>
-          </a:p>
-          <a:p>
-            <a:pPr marL="171450" indent="-171450">
-              <a:buFont typeface="Arial" charset="0"/>
-              <a:buChar char="•"/>
-            </a:pPr>
-            <a:r>
-              <a:rPr lang="pt-PT" b="0" baseline="0" dirty="0"/>
-              <a:t>Consulta de visitas recentes (5 últimas visitas) e de favoritos.</a:t>
-            </a:r>
-          </a:p>
-          <a:p>
-            <a:pPr marL="171450" indent="-171450">
-              <a:buFont typeface="Arial" charset="0"/>
-              <a:buChar char="•"/>
-            </a:pPr>
-            <a:r>
-              <a:rPr lang="pt-PT" b="0" baseline="0" dirty="0"/>
-              <a:t>Fazer Pedido (palavras-chave) </a:t>
-            </a:r>
-          </a:p>
-          <a:p>
-            <a:pPr marL="171450" indent="-171450">
-              <a:buFont typeface="Arial" charset="0"/>
-              <a:buChar char="•"/>
-            </a:pPr>
-            <a:r>
-              <a:rPr lang="pt-PT" b="0" baseline="0" dirty="0"/>
-              <a:t>Fazer Sugestão (usar preferências)</a:t>
-            </a:r>
-          </a:p>
-          <a:p>
-            <a:pPr marL="171450" indent="-171450">
-              <a:buFont typeface="Arial" charset="0"/>
-              <a:buChar char="•"/>
-            </a:pPr>
-            <a:r>
-              <a:rPr lang="pt-PT" b="0" baseline="0" dirty="0"/>
-              <a:t>Consultar sugestão diária: 1ª autenticação do </a:t>
-            </a:r>
-            <a:r>
-              <a:rPr lang="pt-PT" b="0" baseline="0" dirty="0" err="1"/>
-              <a:t>user</a:t>
-            </a:r>
-            <a:r>
-              <a:rPr lang="pt-PT" b="0" baseline="0" dirty="0"/>
-              <a:t>, localiza e vê as suas preferências, gera uma lista com produtos filtrados (preferências + horário do estabelecimento + raio 25km) escolhe um aleatoriamente.</a:t>
-            </a:r>
-          </a:p>
-          <a:p>
-            <a:pPr marL="171450" indent="-171450">
-              <a:buFont typeface="Arial" charset="0"/>
-              <a:buChar char="•"/>
-            </a:pPr>
-            <a:r>
-              <a:rPr lang="pt-PT" b="0" baseline="0" dirty="0"/>
-              <a:t>Fazer pedido específico (texto ou voz): gera uma lista (</a:t>
-            </a:r>
-            <a:r>
-              <a:rPr lang="pt-PT" b="0" baseline="0" dirty="0" err="1"/>
-              <a:t>tags</a:t>
-            </a:r>
-            <a:r>
-              <a:rPr lang="pt-PT" b="0" baseline="0" dirty="0"/>
-              <a:t> + horário + raio de 25km) -&gt; Importante: se o utilizar escolher este produto deve ser adicionada uma visita ao mesmo e no fim deve permitir avaliar.</a:t>
-            </a:r>
-          </a:p>
-          <a:p>
-            <a:pPr marL="171450" indent="-171450">
-              <a:buFont typeface="Arial" charset="0"/>
-              <a:buChar char="•"/>
-            </a:pPr>
-            <a:r>
-              <a:rPr lang="pt-PT" b="0" baseline="0" dirty="0"/>
-              <a:t>Fazer pedido de sugestão (botão ou voz): “</a:t>
-            </a:r>
-            <a:r>
-              <a:rPr lang="pt-PT" b="0" baseline="0" dirty="0" err="1"/>
-              <a:t>yummy</a:t>
-            </a:r>
-            <a:r>
-              <a:rPr lang="pt-PT" b="0" baseline="0" dirty="0"/>
-              <a:t>, sugere-me algo”: gera uma lista (</a:t>
-            </a:r>
-            <a:r>
-              <a:rPr lang="pt-PT" b="0" baseline="0" dirty="0" err="1"/>
-              <a:t>tags</a:t>
-            </a:r>
-            <a:r>
-              <a:rPr lang="pt-PT" b="0" baseline="0" dirty="0"/>
-              <a:t> preferências + horário + raio 25km) -&gt; Importante: se o </a:t>
-            </a:r>
-            <a:r>
-              <a:rPr lang="pt-PT" b="0" baseline="0" dirty="0" err="1"/>
-              <a:t>user</a:t>
-            </a:r>
-            <a:r>
-              <a:rPr lang="pt-PT" b="0" baseline="0" dirty="0"/>
-              <a:t> não tive preferências, vai recolher todos os produtos num raio de 25km e escolher 1.</a:t>
-            </a:r>
-          </a:p>
-          <a:p>
-            <a:pPr marL="171450" indent="-171450">
-              <a:buFont typeface="Arial" charset="0"/>
-              <a:buChar char="•"/>
-            </a:pPr>
-            <a:r>
-              <a:rPr lang="pt-PT" b="0" baseline="0" dirty="0"/>
-              <a:t>Avaliação de produtos: parâmetros (ambiente, custo, qualidade, serviço), valores de 0 a 5, é feita a média (classificação). Pode ser feito um comentário e uma foto para um </a:t>
-            </a:r>
-            <a:r>
-              <a:rPr lang="pt-PT" b="0" baseline="0" dirty="0" err="1"/>
-              <a:t>respectiva</a:t>
-            </a:r>
-            <a:r>
-              <a:rPr lang="pt-PT" b="0" baseline="0" dirty="0"/>
-              <a:t> partilha (insta, face, </a:t>
-            </a:r>
-            <a:r>
-              <a:rPr lang="pt-PT" b="0" baseline="0" dirty="0" err="1"/>
-              <a:t>twitter</a:t>
-            </a:r>
-            <a:r>
-              <a:rPr lang="pt-PT" b="0" baseline="0" dirty="0"/>
-              <a:t>).</a:t>
-            </a:r>
-          </a:p>
-          <a:p>
-            <a:pPr marL="171450" indent="-171450">
-              <a:buFont typeface="Arial" charset="0"/>
-              <a:buChar char="•"/>
-            </a:pPr>
-            <a:endParaRPr lang="pt-PT" b="0" baseline="0" dirty="0"/>
-          </a:p>
-          <a:p>
-            <a:pPr marL="0" indent="0">
+              <a:rPr lang="pt-PT" sz="1600" dirty="0"/>
+              <a:t>Esta aplicação serve então para dar apoio a este serviço inovador e, de forma muito geral, permite aos seus utilizadores consultar diversas informações e  requisitar serviços.  Para além disso, pode ainda ser utilizada pelos prestadores de serviços como ferramenta de trabalho, permitindo a gestão dos vários serviços agendados.</a:t>
+            </a:r>
+          </a:p>
+          <a:p>
+            <a:pPr marL="0" marR="0" lvl="0" indent="0" algn="l" defTabSz="914400" rtl="0" eaLnBrk="1" fontAlgn="auto" latinLnBrk="0" hangingPunct="1">
+              <a:lnSpc>
+                <a:spcPct val="100000"/>
+              </a:lnSpc>
+              <a:spcBef>
+                <a:spcPts val="0"/>
+              </a:spcBef>
+              <a:spcAft>
+                <a:spcPts val="0"/>
+              </a:spcAft>
+              <a:buClrTx/>
+              <a:buSzTx/>
               <a:buFont typeface="Arial" charset="0"/>
               <a:buNone/>
+              <a:tabLst/>
+              <a:defRPr/>
             </a:pPr>
-            <a:r>
-              <a:rPr lang="pt-PT" b="1" baseline="0" dirty="0"/>
-              <a:t>Utilizador Proprietário</a:t>
-            </a:r>
-          </a:p>
-          <a:p>
-            <a:pPr marL="171450" indent="-171450">
-              <a:buFont typeface="Arial" charset="0"/>
-              <a:buChar char="•"/>
-            </a:pPr>
-            <a:r>
-              <a:rPr lang="pt-PT" b="0" baseline="0" dirty="0"/>
-              <a:t>Gerir estabelecimentos[</a:t>
-            </a:r>
-            <a:r>
-              <a:rPr lang="pt-PT" b="0" baseline="0" dirty="0" err="1"/>
-              <a:t>ådd</a:t>
-            </a:r>
-            <a:r>
-              <a:rPr lang="pt-PT" b="0" baseline="0" dirty="0"/>
-              <a:t>, remover, editar, consultar] (nome, endereço (código-postal, localidade e rua), horário). Importante: Ao adicionar o estabelecimento deve ter uma </a:t>
-            </a:r>
-            <a:r>
-              <a:rPr lang="pt-PT" b="0" baseline="0" dirty="0" err="1"/>
-              <a:t>flag</a:t>
-            </a:r>
-            <a:r>
-              <a:rPr lang="pt-PT" b="0" baseline="0" dirty="0"/>
-              <a:t> de estado (0) e só depois de confirmado é que passa a 1 e aí pode haver gestão de produtos do estabelecimento. Para adicionar estabelecimento tem de ser enviado por e-mail um comprovativo de propriedade.</a:t>
-            </a:r>
-          </a:p>
-          <a:p>
-            <a:pPr marL="171450" indent="-171450">
-              <a:buFont typeface="Arial" charset="0"/>
-              <a:buChar char="•"/>
-            </a:pPr>
-            <a:r>
-              <a:rPr lang="pt-PT" b="0" baseline="0" dirty="0"/>
-              <a:t>Gerir produtos [</a:t>
-            </a:r>
-            <a:r>
-              <a:rPr lang="pt-PT" b="0" baseline="0" dirty="0" err="1"/>
-              <a:t>add</a:t>
-            </a:r>
-            <a:r>
-              <a:rPr lang="pt-PT" b="0" baseline="0" dirty="0"/>
-              <a:t>, remover, editar]: fornecer (nome, descrição, preço, </a:t>
-            </a:r>
-            <a:r>
-              <a:rPr lang="pt-PT" b="0" baseline="0" dirty="0" err="1"/>
-              <a:t>tags</a:t>
-            </a:r>
-            <a:r>
-              <a:rPr lang="pt-PT" b="0" baseline="0" dirty="0"/>
-              <a:t> descritivas e foto).</a:t>
-            </a:r>
-          </a:p>
-          <a:p>
-            <a:pPr marL="171450" indent="-171450">
-              <a:buFont typeface="Arial" charset="0"/>
-              <a:buChar char="•"/>
-            </a:pPr>
-            <a:endParaRPr lang="pt-PT" b="0" baseline="0" dirty="0"/>
-          </a:p>
-          <a:p>
-            <a:pPr marL="0" indent="0">
-              <a:buFont typeface="Arial" charset="0"/>
-              <a:buNone/>
-            </a:pPr>
-            <a:r>
-              <a:rPr lang="pt-PT" b="1" baseline="0" dirty="0"/>
-              <a:t>Administrador</a:t>
-            </a:r>
-          </a:p>
-          <a:p>
-            <a:pPr marL="171450" indent="-171450">
-              <a:buFont typeface="Arial" charset="0"/>
-              <a:buChar char="•"/>
-            </a:pPr>
-            <a:r>
-              <a:rPr lang="pt-PT" b="0" baseline="0" dirty="0"/>
-              <a:t>Validar estabelecimentos: notificar por e-mail se foi validado ou não (API da Microsoft Outlook 15.0)</a:t>
-            </a:r>
-          </a:p>
-          <a:p>
-            <a:pPr marL="171450" indent="-171450">
-              <a:buFont typeface="Arial" charset="0"/>
-              <a:buChar char="•"/>
-            </a:pPr>
-            <a:endParaRPr lang="pt-PT" b="0" baseline="0" dirty="0"/>
+            <a:endParaRPr lang="pt-PT" dirty="0"/>
           </a:p>
         </p:txBody>
       </p:sp>
@@ -8415,18 +7561,78 @@
           <a:bodyPr/>
           <a:lstStyle/>
           <a:p>
-            <a:fld id="{E50BBBD9-C36A-164F-8EDD-02E250A01F9C}" type="slidenum">
-              <a:rPr lang="pt-PT" smtClean="0"/>
+            <a:pPr marL="0" marR="0" lvl="0" indent="0" algn="r" defTabSz="457200" rtl="0" eaLnBrk="1" fontAlgn="auto" latinLnBrk="0" hangingPunct="1">
+              <a:lnSpc>
+                <a:spcPct val="100000"/>
+              </a:lnSpc>
+              <a:spcBef>
+                <a:spcPts val="0"/>
+              </a:spcBef>
+              <a:spcAft>
+                <a:spcPts val="0"/>
+              </a:spcAft>
+              <a:buClrTx/>
+              <a:buSzTx/>
+              <a:buFontTx/>
+              <a:buNone/>
+              <a:tabLst/>
+              <a:defRPr/>
+            </a:pPr>
+            <a:fld id="{071F3FBA-D23A-4285-A104-7C7E32F747DD}" type="slidenum">
+              <a:rPr kumimoji="0" lang="pt-PT" sz="1200" b="0" i="0" u="none" strike="noStrike" kern="1200" cap="none" spc="0" normalizeH="0" baseline="0" noProof="0" smtClean="0">
+                <a:ln>
+                  <a:noFill/>
+                </a:ln>
+                <a:solidFill>
+                  <a:prstClr val="black"/>
+                </a:solidFill>
+                <a:effectLst/>
+                <a:uLnTx/>
+                <a:uFillTx/>
+                <a:latin typeface="Calibri" panose="020F0502020204030204"/>
+                <a:ea typeface="+mn-ea"/>
+                <a:cs typeface="+mn-cs"/>
+              </a:rPr>
+              <a:pPr marL="0" marR="0" lvl="0" indent="0" algn="r" defTabSz="457200" rtl="0" eaLnBrk="1" fontAlgn="auto" latinLnBrk="0" hangingPunct="1">
+                <a:lnSpc>
+                  <a:spcPct val="100000"/>
+                </a:lnSpc>
+                <a:spcBef>
+                  <a:spcPts val="0"/>
+                </a:spcBef>
+                <a:spcAft>
+                  <a:spcPts val="0"/>
+                </a:spcAft>
+                <a:buClrTx/>
+                <a:buSzTx/>
+                <a:buFontTx/>
+                <a:buNone/>
+                <a:tabLst/>
+                <a:defRPr/>
+              </a:pPr>
               <a:t>3</a:t>
             </a:fld>
-            <a:endParaRPr lang="pt-PT"/>
+            <a:endParaRPr kumimoji="0" lang="pt-PT" sz="1200" b="0" i="0" u="none" strike="noStrike" kern="1200" cap="none" spc="0" normalizeH="0" baseline="0" noProof="0">
+              <a:ln>
+                <a:noFill/>
+              </a:ln>
+              <a:solidFill>
+                <a:prstClr val="black"/>
+              </a:solidFill>
+              <a:effectLst/>
+              <a:uLnTx/>
+              <a:uFillTx/>
+              <a:latin typeface="Calibri" panose="020F0502020204030204"/>
+              <a:ea typeface="+mn-ea"/>
+              <a:cs typeface="+mn-cs"/>
+            </a:endParaRPr>
           </a:p>
         </p:txBody>
       </p:sp>
     </p:spTree>
     <p:extLst>
       <p:ext uri="{BB962C8B-B14F-4D97-AF65-F5344CB8AC3E}">
-        <p14:creationId xmlns:p14="http://schemas.microsoft.com/office/powerpoint/2010/main" val="1283746304"/>
+        <p14:creationId xmlns:p14="http://schemas.microsoft.com/office/powerpoint/2010/main" val="3650121501"/>
       </p:ext>
     </p:extLst>
   </p:cSld>
@@ -8481,270 +7687,38 @@
           <a:lstStyle/>
           <a:p>
             <a:r>
-              <a:rPr lang="pt-PT" b="1" dirty="0"/>
-              <a:t>Utilizador</a:t>
+              <a:rPr lang="pt-PT" dirty="0"/>
+              <a:t>Tendo em conta que se trata de uma página Web disponível a toda a gente, torna-se necessário distinguir os vários tipos utilizadores da aplicação e perceber o que a aplicação permitirá a cada um deles. Assim sendo, distinguem-se 3 tipos de utilizadores:</a:t>
             </a:r>
           </a:p>
           <a:p>
             <a:pPr marL="171450" indent="-171450">
-              <a:buFont typeface="Arial" charset="0"/>
+              <a:buFont typeface="Arial" panose="020B0604020202020204" pitchFamily="34" charset="0"/>
               <a:buChar char="•"/>
             </a:pPr>
             <a:r>
-              <a:rPr lang="pt-PT" b="0" dirty="0"/>
-              <a:t>Registo,</a:t>
-            </a:r>
-            <a:r>
-              <a:rPr lang="pt-PT" b="0" baseline="0" dirty="0"/>
-              <a:t> Início de Sessão e Terminar Sessão</a:t>
+              <a:rPr lang="pt-PT" dirty="0"/>
+              <a:t>O cliente que deverá conseguir … </a:t>
             </a:r>
           </a:p>
           <a:p>
             <a:pPr marL="171450" indent="-171450">
-              <a:buFont typeface="Arial" charset="0"/>
+              <a:buFont typeface="Arial" panose="020B0604020202020204" pitchFamily="34" charset="0"/>
               <a:buChar char="•"/>
             </a:pPr>
             <a:r>
-              <a:rPr lang="pt-PT" b="0" baseline="0" dirty="0"/>
-              <a:t>Editar perfil (nome, password, e-mail | </a:t>
-            </a:r>
-            <a:r>
-              <a:rPr lang="pt-PT" b="0" baseline="0" dirty="0" err="1"/>
-              <a:t>username</a:t>
-            </a:r>
-            <a:r>
-              <a:rPr lang="pt-PT" b="0" baseline="0" dirty="0"/>
-              <a:t> não pode!!), Preferências (Selecionar conjunto de </a:t>
-            </a:r>
-            <a:r>
-              <a:rPr lang="pt-PT" b="0" baseline="0" dirty="0" err="1"/>
-              <a:t>tags</a:t>
-            </a:r>
-            <a:r>
-              <a:rPr lang="pt-PT" b="0" baseline="0" dirty="0"/>
-              <a:t>) -&gt; explicar importância das preferências (sugestões)</a:t>
+              <a:rPr lang="pt-PT" dirty="0"/>
+              <a:t>O funcionário que irá prestar os serviços e que utilizará a aplicação para …</a:t>
             </a:r>
           </a:p>
           <a:p>
             <a:pPr marL="171450" indent="-171450">
-              <a:buFont typeface="Arial" charset="0"/>
+              <a:buFont typeface="Arial" panose="020B0604020202020204" pitchFamily="34" charset="0"/>
               <a:buChar char="•"/>
             </a:pPr>
             <a:r>
-              <a:rPr lang="pt-PT" b="0" baseline="0" dirty="0"/>
-              <a:t>Consulta de visitas recentes (5 últimas visitas) e de favoritos.</a:t>
-            </a:r>
-          </a:p>
-          <a:p>
-            <a:pPr marL="171450" indent="-171450">
-              <a:buFont typeface="Arial" charset="0"/>
-              <a:buChar char="•"/>
-            </a:pPr>
-            <a:r>
-              <a:rPr lang="pt-PT" b="0" baseline="0" dirty="0"/>
-              <a:t>Fazer Pedido (palavras-chave) </a:t>
-            </a:r>
-          </a:p>
-          <a:p>
-            <a:pPr marL="171450" indent="-171450">
-              <a:buFont typeface="Arial" charset="0"/>
-              <a:buChar char="•"/>
-            </a:pPr>
-            <a:r>
-              <a:rPr lang="pt-PT" b="0" baseline="0" dirty="0"/>
-              <a:t>Fazer Sugestão (usar preferências)</a:t>
-            </a:r>
-          </a:p>
-          <a:p>
-            <a:pPr marL="171450" indent="-171450">
-              <a:buFont typeface="Arial" charset="0"/>
-              <a:buChar char="•"/>
-            </a:pPr>
-            <a:r>
-              <a:rPr lang="pt-PT" b="0" baseline="0" dirty="0"/>
-              <a:t>Consultar sugestão diária: 1ª autenticação do </a:t>
-            </a:r>
-            <a:r>
-              <a:rPr lang="pt-PT" b="0" baseline="0" dirty="0" err="1"/>
-              <a:t>user</a:t>
-            </a:r>
-            <a:r>
-              <a:rPr lang="pt-PT" b="0" baseline="0" dirty="0"/>
-              <a:t>, localiza e vê as suas preferências, gera uma lista com produtos filtrados (preferências + horário do estabelecimento + raio 25km) escolhe um aleatoriamente.</a:t>
-            </a:r>
-          </a:p>
-          <a:p>
-            <a:pPr marL="171450" indent="-171450">
-              <a:buFont typeface="Arial" charset="0"/>
-              <a:buChar char="•"/>
-            </a:pPr>
-            <a:r>
-              <a:rPr lang="pt-PT" b="0" baseline="0" dirty="0"/>
-              <a:t>Fazer pedido específico (texto ou voz): gera uma lista (</a:t>
-            </a:r>
-            <a:r>
-              <a:rPr lang="pt-PT" b="0" baseline="0" dirty="0" err="1"/>
-              <a:t>tags</a:t>
-            </a:r>
-            <a:r>
-              <a:rPr lang="pt-PT" b="0" baseline="0" dirty="0"/>
-              <a:t> + horário + raio de 25km) -&gt; Importante: se o utilizar escolher este produto deve ser adicionada uma visita ao mesmo e no fim deve permitir avaliar.</a:t>
-            </a:r>
-          </a:p>
-          <a:p>
-            <a:pPr marL="171450" indent="-171450">
-              <a:buFont typeface="Arial" charset="0"/>
-              <a:buChar char="•"/>
-            </a:pPr>
-            <a:r>
-              <a:rPr lang="pt-PT" b="0" baseline="0" dirty="0"/>
-              <a:t>Fazer pedido de sugestão (botão ou voz): “</a:t>
-            </a:r>
-            <a:r>
-              <a:rPr lang="pt-PT" b="0" baseline="0" dirty="0" err="1"/>
-              <a:t>yummy</a:t>
-            </a:r>
-            <a:r>
-              <a:rPr lang="pt-PT" b="0" baseline="0" dirty="0"/>
-              <a:t>, sugere-me algo”: gera uma lista (</a:t>
-            </a:r>
-            <a:r>
-              <a:rPr lang="pt-PT" b="0" baseline="0" dirty="0" err="1"/>
-              <a:t>tags</a:t>
-            </a:r>
-            <a:r>
-              <a:rPr lang="pt-PT" b="0" baseline="0" dirty="0"/>
-              <a:t> preferências + horário + raio 25km) -&gt; Importante: se o </a:t>
-            </a:r>
-            <a:r>
-              <a:rPr lang="pt-PT" b="0" baseline="0" dirty="0" err="1"/>
-              <a:t>user</a:t>
-            </a:r>
-            <a:r>
-              <a:rPr lang="pt-PT" b="0" baseline="0" dirty="0"/>
-              <a:t> não tive preferências, vai recolher todos os produtos num raio de 25km e escolher 1.</a:t>
-            </a:r>
-          </a:p>
-          <a:p>
-            <a:pPr marL="171450" indent="-171450">
-              <a:buFont typeface="Arial" charset="0"/>
-              <a:buChar char="•"/>
-            </a:pPr>
-            <a:r>
-              <a:rPr lang="pt-PT" b="0" baseline="0" dirty="0"/>
-              <a:t>Avaliação de produtos: parâmetros (ambiente, custo, qualidade, serviço), valores de 0 a 5, é feita a média (classificação). Pode ser feito um comentário e uma foto para um </a:t>
-            </a:r>
-            <a:r>
-              <a:rPr lang="pt-PT" b="0" baseline="0" dirty="0" err="1"/>
-              <a:t>respectiva</a:t>
-            </a:r>
-            <a:r>
-              <a:rPr lang="pt-PT" b="0" baseline="0" dirty="0"/>
-              <a:t> partilha (insta, face, </a:t>
-            </a:r>
-            <a:r>
-              <a:rPr lang="pt-PT" b="0" baseline="0" dirty="0" err="1"/>
-              <a:t>twitter</a:t>
-            </a:r>
-            <a:r>
-              <a:rPr lang="pt-PT" b="0" baseline="0" dirty="0"/>
-              <a:t>).</a:t>
-            </a:r>
-          </a:p>
-          <a:p>
-            <a:pPr marL="171450" indent="-171450">
-              <a:buFont typeface="Arial" charset="0"/>
-              <a:buChar char="•"/>
-            </a:pPr>
-            <a:endParaRPr lang="pt-PT" b="0" baseline="0" dirty="0"/>
-          </a:p>
-          <a:p>
-            <a:pPr marL="0" indent="0">
-              <a:buFont typeface="Arial" charset="0"/>
-              <a:buNone/>
-            </a:pPr>
-            <a:r>
-              <a:rPr lang="pt-PT" b="1" baseline="0" dirty="0"/>
-              <a:t>Utilizador Proprietário</a:t>
-            </a:r>
-          </a:p>
-          <a:p>
-            <a:pPr marL="171450" indent="-171450">
-              <a:buFont typeface="Arial" charset="0"/>
-              <a:buChar char="•"/>
-            </a:pPr>
-            <a:r>
-              <a:rPr lang="pt-PT" b="0" baseline="0" dirty="0"/>
-              <a:t>Gerir estabelecimentos[</a:t>
-            </a:r>
-            <a:r>
-              <a:rPr lang="pt-PT" b="0" baseline="0" dirty="0" err="1"/>
-              <a:t>ådd</a:t>
-            </a:r>
-            <a:r>
-              <a:rPr lang="pt-PT" b="0" baseline="0" dirty="0"/>
-              <a:t>, remover, editar, consultar] (nome, endereço (código-postal, localidade e rua), horário). Importante: Ao adicionar o estabelecimento deve ter uma </a:t>
-            </a:r>
-            <a:r>
-              <a:rPr lang="pt-PT" b="0" baseline="0" dirty="0" err="1"/>
-              <a:t>flag</a:t>
-            </a:r>
-            <a:r>
-              <a:rPr lang="pt-PT" b="0" baseline="0" dirty="0"/>
-              <a:t> de estado (0) e só depois de confirmado é que passa a 1 e aí pode haver gestão de produtos do estabelecimento. Para adicionar estabelecimento tem de ser enviado por e-mail um comprovativo de propriedade.</a:t>
-            </a:r>
-          </a:p>
-          <a:p>
-            <a:pPr marL="171450" indent="-171450">
-              <a:buFont typeface="Arial" charset="0"/>
-              <a:buChar char="•"/>
-            </a:pPr>
-            <a:r>
-              <a:rPr lang="pt-PT" b="0" baseline="0" dirty="0"/>
-              <a:t>Gerir produtos [</a:t>
-            </a:r>
-            <a:r>
-              <a:rPr lang="pt-PT" b="0" baseline="0" dirty="0" err="1"/>
-              <a:t>add</a:t>
-            </a:r>
-            <a:r>
-              <a:rPr lang="pt-PT" b="0" baseline="0" dirty="0"/>
-              <a:t>, remover, editar]: fornecer (nome, descrição, preço, </a:t>
-            </a:r>
-            <a:r>
-              <a:rPr lang="pt-PT" b="0" baseline="0" dirty="0" err="1"/>
-              <a:t>tags</a:t>
-            </a:r>
-            <a:r>
-              <a:rPr lang="pt-PT" b="0" baseline="0" dirty="0"/>
-              <a:t> descritivas e foto).</a:t>
-            </a:r>
-          </a:p>
-          <a:p>
-            <a:pPr marL="171450" indent="-171450">
-              <a:buFont typeface="Arial" charset="0"/>
-              <a:buChar char="•"/>
-            </a:pPr>
-            <a:endParaRPr lang="pt-PT" b="0" baseline="0" dirty="0"/>
-          </a:p>
-          <a:p>
-            <a:pPr marL="0" indent="0">
-              <a:buFont typeface="Arial" charset="0"/>
-              <a:buNone/>
-            </a:pPr>
-            <a:r>
-              <a:rPr lang="pt-PT" b="1" baseline="0" dirty="0"/>
-              <a:t>Administrador</a:t>
-            </a:r>
-          </a:p>
-          <a:p>
-            <a:pPr marL="171450" indent="-171450">
-              <a:buFont typeface="Arial" charset="0"/>
-              <a:buChar char="•"/>
-            </a:pPr>
-            <a:r>
-              <a:rPr lang="pt-PT" b="0" baseline="0" dirty="0"/>
-              <a:t>Validar estabelecimentos: notificar por e-mail se foi validado ou não (API da Microsoft Outlook 15.0)</a:t>
+              <a:rPr lang="pt-PT" dirty="0"/>
+              <a:t>E o administrador ou gerente dos funcionários, cujas funções são… </a:t>
             </a:r>
           </a:p>
           <a:p>
@@ -8836,7 +7810,27 @@
           <a:bodyPr/>
           <a:lstStyle/>
           <a:p>
-            <a:endParaRPr lang="pt-PT" dirty="0"/>
+            <a:pPr marL="0" marR="0" lvl="0" indent="0" algn="l" defTabSz="914400" rtl="0" eaLnBrk="1" fontAlgn="auto" latinLnBrk="0" hangingPunct="1">
+              <a:lnSpc>
+                <a:spcPct val="100000"/>
+              </a:lnSpc>
+              <a:spcBef>
+                <a:spcPts val="0"/>
+              </a:spcBef>
+              <a:spcAft>
+                <a:spcPts val="0"/>
+              </a:spcAft>
+              <a:buClrTx/>
+              <a:buSzTx/>
+              <a:buFontTx/>
+              <a:buNone/>
+              <a:tabLst/>
+              <a:defRPr/>
+            </a:pPr>
+            <a:r>
+              <a:rPr lang="pt-PT" dirty="0"/>
+              <a:t>Esta análise permitiu-nos clarificar o contexto deste sistema e com isso obter o seu modelo de domínio, no qual conseguimos identificar os vários utilizadores e as suas interações com o sistema.</a:t>
+            </a:r>
           </a:p>
         </p:txBody>
       </p:sp>
@@ -8982,7 +7976,7 @@
           <a:p>
             <a:r>
               <a:rPr lang="pt-PT" dirty="0"/>
-              <a:t>Estabelecido o domínio da aplicação, e tendo em conta os requisitos já referidos anteriormente, desenvolvemos um diagrama de use cases onde são explicitadas as interações de cada um dos atores com a aplicação. Dado o elevado número de use cases, decidimos nesta pequena apresentação concentrarmo-nos apenas naquele que consideramos o mais importante, ou seja, a requisição de serviços. Antes disso, apenas distinguir os vários atores representados. Temos o CLIENTE, que representa um utilizador registado e autenticado no sistema e que para além de ações de consulta, tem acesso a uma área pessoal e pode requisitar, cancelar e classificar serviços; o UTILIZADOR NÃO AUTENTICADO, tal como o nome indica, não está autenticado na aplicação e assim pode realizar operações de consulta e de registo/autenticação na aplicação; o ADMINISTRADOR trata-se de um funcionário cuja função é, por assim dizer, gerir os outros funcionários na aplicação, e por fim o FUNCIONÁRIO que, estando autenticado pode realizar várias operações relacionadas com os serviços agendados.</a:t>
+              <a:t>Estabelecido o domínio da aplicação, e tendo em conta os requisitos já referidos, desenvolvemos um diagrama de use cases onde são explicitadas as interações de cada um dos atores com a aplicação. Dado o elevado número de use cases, decidimos nesta pequena apresentação concentrarmo-nos apenas naquele que consideramos o mais importante, ou seja, a requisição de serviços por parte do cliente. </a:t>
             </a:r>
           </a:p>
         </p:txBody>
@@ -9067,7 +8061,10 @@
           <a:bodyPr/>
           <a:lstStyle/>
           <a:p>
-            <a:endParaRPr lang="pt-PT" dirty="0"/>
+            <a:r>
+              <a:rPr lang="pt-PT" dirty="0"/>
+              <a:t>No que diz respeito à requisição de serviços, a aplicação exige que o cliente esteja autenticado no sistema e solicita que seja preenchido um formulário onde este indicará todas as todas as informações necessárias ao processamento do pedido. Se todas as informações forem devidamente confirmadas, a requisição é registada no sistema e é enviado um email ao cliente a confirmar o agendamento. No entanto, identificamos duas situações em que tal poderá não acontecer: A primeira consiste na indicação por parte do cliente de uma localização onde não é possível a prestação de serviços,  e a segunda diz respeito à indisponibilidade de terapeutas no dia e hora indicados. Em ambos o caso, o cliente é informado da impossibilidade de requisição do serviço.</a:t>
+            </a:r>
           </a:p>
         </p:txBody>
       </p:sp>
@@ -9097,7 +8094,7 @@
     </p:spTree>
     <p:extLst>
       <p:ext uri="{BB962C8B-B14F-4D97-AF65-F5344CB8AC3E}">
-        <p14:creationId xmlns:p14="http://schemas.microsoft.com/office/powerpoint/2010/main" val="3355345286"/>
+        <p14:creationId xmlns:p14="http://schemas.microsoft.com/office/powerpoint/2010/main" val="700256848"/>
       </p:ext>
     </p:extLst>
   </p:cSld>
@@ -9153,7 +8150,7 @@
           <a:p>
             <a:r>
               <a:rPr lang="pt-PT" dirty="0"/>
-              <a:t>No que diz respeito à requisição de serviços, o cliente deverá estar autenticado no sistema e preencher um formulário onde indicará todas as todas as informações necessárias para que o serviço possa ser prestado. Se todas as informações forem devidamente confirmadas, a requisição é registada no sistema e é enviado um email ao cliente a confirmar o agendamento. No entanto, identificamos duas situações em que tal poderá não acontecer: A primeira consiste na indicação por parte do cliente de uma localização onde não é possível a prestação de serviços,  e a segunda diz respeito à indisponibilidade de terapeutas no dia e hora indicados. Em ambos o caso, o cliente é informado da impossibilidade de requisição do serviço.</a:t>
+              <a:t>Especificado o use case elaboramos o respetivo de diagrama de sequência de subsistemas. A decisão de realizarmos este diagrama prendeu-se essencialmente com a necessidade de aumentarmos a complexidade da especificação. Retomando o exemplo, vemos que neste caso este diagrama permitiu explicitar de forma mais completa o que acontece no sistema aquando do processamento de uma requisição.</a:t>
             </a:r>
           </a:p>
         </p:txBody>
@@ -9173,18 +8170,78 @@
           <a:bodyPr/>
           <a:lstStyle/>
           <a:p>
+            <a:pPr marL="0" marR="0" lvl="0" indent="0" algn="r" defTabSz="457200" rtl="0" eaLnBrk="1" fontAlgn="auto" latinLnBrk="0" hangingPunct="1">
+              <a:lnSpc>
+                <a:spcPct val="100000"/>
+              </a:lnSpc>
+              <a:spcBef>
+                <a:spcPts val="0"/>
+              </a:spcBef>
+              <a:spcAft>
+                <a:spcPts val="0"/>
+              </a:spcAft>
+              <a:buClrTx/>
+              <a:buSzTx/>
+              <a:buFontTx/>
+              <a:buNone/>
+              <a:tabLst/>
+              <a:defRPr/>
+            </a:pPr>
             <a:fld id="{071F3FBA-D23A-4285-A104-7C7E32F747DD}" type="slidenum">
-              <a:rPr lang="pt-PT" smtClean="0"/>
+              <a:rPr kumimoji="0" lang="pt-PT" sz="1200" b="0" i="0" u="none" strike="noStrike" kern="1200" cap="none" spc="0" normalizeH="0" baseline="0" noProof="0" smtClean="0">
+                <a:ln>
+                  <a:noFill/>
+                </a:ln>
+                <a:solidFill>
+                  <a:prstClr val="black"/>
+                </a:solidFill>
+                <a:effectLst/>
+                <a:uLnTx/>
+                <a:uFillTx/>
+                <a:latin typeface="Calibri" panose="020F0502020204030204"/>
+                <a:ea typeface="+mn-ea"/>
+                <a:cs typeface="+mn-cs"/>
+              </a:rPr>
+              <a:pPr marL="0" marR="0" lvl="0" indent="0" algn="r" defTabSz="457200" rtl="0" eaLnBrk="1" fontAlgn="auto" latinLnBrk="0" hangingPunct="1">
+                <a:lnSpc>
+                  <a:spcPct val="100000"/>
+                </a:lnSpc>
+                <a:spcBef>
+                  <a:spcPts val="0"/>
+                </a:spcBef>
+                <a:spcAft>
+                  <a:spcPts val="0"/>
+                </a:spcAft>
+                <a:buClrTx/>
+                <a:buSzTx/>
+                <a:buFontTx/>
+                <a:buNone/>
+                <a:tabLst/>
+                <a:defRPr/>
+              </a:pPr>
               <a:t>8</a:t>
             </a:fld>
-            <a:endParaRPr lang="pt-PT"/>
+            <a:endParaRPr kumimoji="0" lang="pt-PT" sz="1200" b="0" i="0" u="none" strike="noStrike" kern="1200" cap="none" spc="0" normalizeH="0" baseline="0" noProof="0">
+              <a:ln>
+                <a:noFill/>
+              </a:ln>
+              <a:solidFill>
+                <a:prstClr val="black"/>
+              </a:solidFill>
+              <a:effectLst/>
+              <a:uLnTx/>
+              <a:uFillTx/>
+              <a:latin typeface="Calibri" panose="020F0502020204030204"/>
+              <a:ea typeface="+mn-ea"/>
+              <a:cs typeface="+mn-cs"/>
+            </a:endParaRPr>
           </a:p>
         </p:txBody>
       </p:sp>
     </p:spTree>
     <p:extLst>
       <p:ext uri="{BB962C8B-B14F-4D97-AF65-F5344CB8AC3E}">
-        <p14:creationId xmlns:p14="http://schemas.microsoft.com/office/powerpoint/2010/main" val="700256848"/>
+        <p14:creationId xmlns:p14="http://schemas.microsoft.com/office/powerpoint/2010/main" val="2460495809"/>
       </p:ext>
     </p:extLst>
   </p:cSld>
@@ -9240,7 +8297,7 @@
           <a:p>
             <a:r>
               <a:rPr lang="pt-PT" dirty="0"/>
-              <a:t>Para além de considerarmos importante a especificação do use case e a elaboração do diagrama de sequência, consideramos que seria imprescindível elaborar o diagrama de atividade relativo a esta funcionalidade, uma vez que tal permite analisar o fluxo de atividades a si inerentes, mostrando assim o dinamismo do sistema.</a:t>
+              <a:t>Para além de considerarmos importante a especificação do use case e a elaboração do diagrama de sequência, consideramos que seria imprescindível elaborar o respetivo diagrama de atividade, uma vez que tal permite analisar o fluxo de atividades a si inerentes, mostrando assim o dinamismo do sistema.</a:t>
             </a:r>
           </a:p>
         </p:txBody>
@@ -9325,9 +8382,26 @@
           <a:bodyPr/>
           <a:lstStyle/>
           <a:p>
+            <a:pPr marL="171450" marR="0" lvl="0" indent="-171450" algn="l" defTabSz="914400" rtl="0" eaLnBrk="1" fontAlgn="auto" latinLnBrk="0" hangingPunct="1">
+              <a:lnSpc>
+                <a:spcPct val="100000"/>
+              </a:lnSpc>
+              <a:spcBef>
+                <a:spcPts val="0"/>
+              </a:spcBef>
+              <a:spcAft>
+                <a:spcPts val="0"/>
+              </a:spcAft>
+              <a:buClrTx/>
+              <a:buSzTx/>
+              <a:buFont typeface="Arial" charset="0"/>
+              <a:buChar char="•"/>
+              <a:tabLst/>
+              <a:defRPr/>
+            </a:pPr>
             <a:r>
               <a:rPr lang="pt-PT" dirty="0"/>
-              <a:t>MENU RE REQUISIÇÃO DE SERVIÇO</a:t>
+              <a:t>Tal como já se pode verificar, o bom funcionamento deste sistema depende da manipulação e armazenamento de um conjunto variado de informações, pelo que foi necessária a implementação de uma base de dados. No caso desta aplicação, surgiu então a necessidade de guardar informações sobre os vários utilizadores, dos serviços e massagens.</a:t>
             </a:r>
           </a:p>
         </p:txBody>
@@ -9347,7 +8421,7 @@
           <a:bodyPr/>
           <a:lstStyle/>
           <a:p>
-            <a:fld id="{071F3FBA-D23A-4285-A104-7C7E32F747DD}" type="slidenum">
+            <a:fld id="{E50BBBD9-C36A-164F-8EDD-02E250A01F9C}" type="slidenum">
               <a:rPr lang="pt-PT" smtClean="0"/>
               <a:t>10</a:t>
             </a:fld>
@@ -9358,7 +8432,7 @@
     </p:spTree>
     <p:extLst>
       <p:ext uri="{BB962C8B-B14F-4D97-AF65-F5344CB8AC3E}">
-        <p14:creationId xmlns:p14="http://schemas.microsoft.com/office/powerpoint/2010/main" val="4194851022"/>
+        <p14:creationId xmlns:p14="http://schemas.microsoft.com/office/powerpoint/2010/main" val="852453796"/>
       </p:ext>
     </p:extLst>
   </p:cSld>
@@ -9594,7 +8668,7 @@
           <a:p>
             <a:fld id="{D2DBAB82-85D2-8E4F-B254-59F5F4578979}" type="datetimeFigureOut">
               <a:rPr lang="pt-PT" smtClean="0"/>
-              <a:t>11/06/2018</a:t>
+              <a:t>12/06/2018</a:t>
             </a:fld>
             <a:endParaRPr lang="pt-PT"/>
           </a:p>
@@ -9802,7 +8876,7 @@
           <a:p>
             <a:fld id="{D2DBAB82-85D2-8E4F-B254-59F5F4578979}" type="datetimeFigureOut">
               <a:rPr lang="pt-PT" smtClean="0"/>
-              <a:t>11/06/2018</a:t>
+              <a:t>12/06/2018</a:t>
             </a:fld>
             <a:endParaRPr lang="pt-PT"/>
           </a:p>
@@ -10058,7 +9132,7 @@
           <a:p>
             <a:fld id="{D2DBAB82-85D2-8E4F-B254-59F5F4578979}" type="datetimeFigureOut">
               <a:rPr lang="pt-PT" smtClean="0"/>
-              <a:t>11/06/2018</a:t>
+              <a:t>12/06/2018</a:t>
             </a:fld>
             <a:endParaRPr lang="pt-PT"/>
           </a:p>
@@ -10346,7 +9420,7 @@
             <a:fld id="{B61BEF0D-F0BB-DE4B-95CE-6DB70DBA9567}" type="datetimeFigureOut">
               <a:rPr lang="en-US" smtClean="0"/>
               <a:pPr/>
-              <a:t>6/11/2018</a:t>
+              <a:t>6/12/2018</a:t>
             </a:fld>
             <a:endParaRPr lang="en-US" dirty="0"/>
           </a:p>
@@ -10556,7 +9630,7 @@
             <a:fld id="{B61BEF0D-F0BB-DE4B-95CE-6DB70DBA9567}" type="datetimeFigureOut">
               <a:rPr lang="en-US" smtClean="0"/>
               <a:pPr/>
-              <a:t>6/11/2018</a:t>
+              <a:t>6/12/2018</a:t>
             </a:fld>
             <a:endParaRPr lang="en-US" dirty="0"/>
           </a:p>
@@ -10901,7 +9975,7 @@
             <a:fld id="{B61BEF0D-F0BB-DE4B-95CE-6DB70DBA9567}" type="datetimeFigureOut">
               <a:rPr lang="en-US" smtClean="0"/>
               <a:pPr/>
-              <a:t>6/11/2018</a:t>
+              <a:t>6/12/2018</a:t>
             </a:fld>
             <a:endParaRPr lang="en-US" dirty="0"/>
           </a:p>
@@ -11178,7 +10252,7 @@
             <a:fld id="{B61BEF0D-F0BB-DE4B-95CE-6DB70DBA9567}" type="datetimeFigureOut">
               <a:rPr lang="en-US" smtClean="0"/>
               <a:pPr/>
-              <a:t>6/11/2018</a:t>
+              <a:t>6/12/2018</a:t>
             </a:fld>
             <a:endParaRPr lang="en-US" dirty="0"/>
           </a:p>
@@ -11559,7 +10633,7 @@
             <a:fld id="{B61BEF0D-F0BB-DE4B-95CE-6DB70DBA9567}" type="datetimeFigureOut">
               <a:rPr lang="en-US" smtClean="0"/>
               <a:pPr/>
-              <a:t>6/11/2018</a:t>
+              <a:t>6/12/2018</a:t>
             </a:fld>
             <a:endParaRPr lang="en-US" dirty="0"/>
           </a:p>
@@ -11679,7 +10753,7 @@
             <a:fld id="{B61BEF0D-F0BB-DE4B-95CE-6DB70DBA9567}" type="datetimeFigureOut">
               <a:rPr lang="en-US" smtClean="0"/>
               <a:pPr/>
-              <a:t>6/11/2018</a:t>
+              <a:t>6/12/2018</a:t>
             </a:fld>
             <a:endParaRPr lang="en-US" dirty="0"/>
           </a:p>
@@ -11852,7 +10926,7 @@
             <a:fld id="{B61BEF0D-F0BB-DE4B-95CE-6DB70DBA9567}" type="datetimeFigureOut">
               <a:rPr lang="en-US" smtClean="0"/>
               <a:pPr/>
-              <a:t>6/11/2018</a:t>
+              <a:t>6/12/2018</a:t>
             </a:fld>
             <a:endParaRPr lang="en-US" dirty="0"/>
           </a:p>
@@ -12208,7 +11282,7 @@
             <a:fld id="{B61BEF0D-F0BB-DE4B-95CE-6DB70DBA9567}" type="datetimeFigureOut">
               <a:rPr lang="en-US" smtClean="0"/>
               <a:pPr/>
-              <a:t>6/11/2018</a:t>
+              <a:t>6/12/2018</a:t>
             </a:fld>
             <a:endParaRPr lang="en-US" dirty="0"/>
           </a:p>
@@ -12400,7 +11474,7 @@
           <a:p>
             <a:fld id="{D2DBAB82-85D2-8E4F-B254-59F5F4578979}" type="datetimeFigureOut">
               <a:rPr lang="pt-PT" smtClean="0"/>
-              <a:t>11/06/2018</a:t>
+              <a:t>12/06/2018</a:t>
             </a:fld>
             <a:endParaRPr lang="pt-PT"/>
           </a:p>
@@ -12757,7 +11831,7 @@
             <a:fld id="{B61BEF0D-F0BB-DE4B-95CE-6DB70DBA9567}" type="datetimeFigureOut">
               <a:rPr lang="en-US" smtClean="0"/>
               <a:pPr/>
-              <a:t>6/11/2018</a:t>
+              <a:t>6/12/2018</a:t>
             </a:fld>
             <a:endParaRPr lang="en-US" dirty="0"/>
           </a:p>
@@ -12929,7 +12003,7 @@
             <a:fld id="{B61BEF0D-F0BB-DE4B-95CE-6DB70DBA9567}" type="datetimeFigureOut">
               <a:rPr lang="en-US" smtClean="0"/>
               <a:pPr/>
-              <a:t>6/11/2018</a:t>
+              <a:t>6/12/2018</a:t>
             </a:fld>
             <a:endParaRPr lang="en-US" dirty="0"/>
           </a:p>
@@ -13187,7 +12261,7 @@
             <a:fld id="{B61BEF0D-F0BB-DE4B-95CE-6DB70DBA9567}" type="datetimeFigureOut">
               <a:rPr lang="en-US" smtClean="0"/>
               <a:pPr/>
-              <a:t>6/11/2018</a:t>
+              <a:t>6/12/2018</a:t>
             </a:fld>
             <a:endParaRPr lang="en-US" dirty="0"/>
           </a:p>
@@ -13523,7 +12597,7 @@
           <a:p>
             <a:fld id="{D2DBAB82-85D2-8E4F-B254-59F5F4578979}" type="datetimeFigureOut">
               <a:rPr lang="pt-PT" smtClean="0"/>
-              <a:t>11/06/2018</a:t>
+              <a:t>12/06/2018</a:t>
             </a:fld>
             <a:endParaRPr lang="pt-PT"/>
           </a:p>
@@ -13798,7 +12872,7 @@
           <a:p>
             <a:fld id="{D2DBAB82-85D2-8E4F-B254-59F5F4578979}" type="datetimeFigureOut">
               <a:rPr lang="pt-PT" smtClean="0"/>
-              <a:t>11/06/2018</a:t>
+              <a:t>12/06/2018</a:t>
             </a:fld>
             <a:endParaRPr lang="pt-PT"/>
           </a:p>
@@ -14177,7 +13251,7 @@
           <a:p>
             <a:fld id="{D2DBAB82-85D2-8E4F-B254-59F5F4578979}" type="datetimeFigureOut">
               <a:rPr lang="pt-PT" smtClean="0"/>
-              <a:t>11/06/2018</a:t>
+              <a:t>12/06/2018</a:t>
             </a:fld>
             <a:endParaRPr lang="pt-PT"/>
           </a:p>
@@ -14295,7 +13369,7 @@
           <a:p>
             <a:fld id="{D2DBAB82-85D2-8E4F-B254-59F5F4578979}" type="datetimeFigureOut">
               <a:rPr lang="pt-PT" smtClean="0"/>
-              <a:t>11/06/2018</a:t>
+              <a:t>12/06/2018</a:t>
             </a:fld>
             <a:endParaRPr lang="pt-PT"/>
           </a:p>
@@ -14466,7 +13540,7 @@
           <a:p>
             <a:fld id="{D2DBAB82-85D2-8E4F-B254-59F5F4578979}" type="datetimeFigureOut">
               <a:rPr lang="pt-PT" smtClean="0"/>
-              <a:t>11/06/2018</a:t>
+              <a:t>12/06/2018</a:t>
             </a:fld>
             <a:endParaRPr lang="pt-PT"/>
           </a:p>
@@ -14820,7 +13894,7 @@
           <a:p>
             <a:fld id="{D2DBAB82-85D2-8E4F-B254-59F5F4578979}" type="datetimeFigureOut">
               <a:rPr lang="pt-PT" smtClean="0"/>
-              <a:t>11/06/2018</a:t>
+              <a:t>12/06/2018</a:t>
             </a:fld>
             <a:endParaRPr lang="pt-PT"/>
           </a:p>
@@ -15197,7 +14271,7 @@
           <a:p>
             <a:fld id="{D2DBAB82-85D2-8E4F-B254-59F5F4578979}" type="datetimeFigureOut">
               <a:rPr lang="pt-PT" smtClean="0"/>
-              <a:t>11/06/2018</a:t>
+              <a:t>12/06/2018</a:t>
             </a:fld>
             <a:endParaRPr lang="pt-PT"/>
           </a:p>
@@ -15484,7 +14558,7 @@
           <a:p>
             <a:fld id="{D2DBAB82-85D2-8E4F-B254-59F5F4578979}" type="datetimeFigureOut">
               <a:rPr lang="pt-PT" smtClean="0"/>
-              <a:t>11/06/2018</a:t>
+              <a:t>12/06/2018</a:t>
             </a:fld>
             <a:endParaRPr lang="pt-PT"/>
           </a:p>
@@ -16218,7 +15292,7 @@
             <a:fld id="{B61BEF0D-F0BB-DE4B-95CE-6DB70DBA9567}" type="datetimeFigureOut">
               <a:rPr lang="en-US" smtClean="0"/>
               <a:pPr/>
-              <a:t>6/11/2018</a:t>
+              <a:t>6/12/2018</a:t>
             </a:fld>
             <a:endParaRPr lang="en-US" dirty="0"/>
           </a:p>
@@ -17345,816 +16419,6 @@
       </p:grpSpPr>
       <p:sp>
         <p:nvSpPr>
-          <p:cNvPr id="2" name="Título 1">
-            <a:extLst>
-              <a:ext uri="{FF2B5EF4-FFF2-40B4-BE49-F238E27FC236}">
-                <a16:creationId xmlns:a16="http://schemas.microsoft.com/office/drawing/2014/main" id="{53E75AA3-FE09-4F56-857B-E2D6B02E92CB}"/>
-              </a:ext>
-            </a:extLst>
-          </p:cNvPr>
-          <p:cNvSpPr>
-            <a:spLocks noGrp="1"/>
-          </p:cNvSpPr>
-          <p:nvPr>
-            <p:ph type="title"/>
-          </p:nvPr>
-        </p:nvSpPr>
-        <p:spPr>
-          <a:xfrm>
-            <a:off x="457200" y="594358"/>
-            <a:ext cx="3200400" cy="5710845"/>
-          </a:xfrm>
-        </p:spPr>
-        <p:txBody>
-          <a:bodyPr/>
-          <a:lstStyle/>
-          <a:p>
-            <a:r>
-              <a:rPr lang="pt-PT" sz="3300" dirty="0"/>
-              <a:t>Interface</a:t>
-            </a:r>
-            <a:br>
-              <a:rPr lang="pt-PT" sz="3300" dirty="0"/>
-            </a:br>
-            <a:r>
-              <a:rPr lang="pt-PT" sz="2400" dirty="0"/>
-              <a:t>Menu de requisição - </a:t>
-            </a:r>
-            <a:r>
-              <a:rPr lang="pt-PT" sz="2400" dirty="0" err="1"/>
-              <a:t>Mockup</a:t>
-            </a:r>
-            <a:br>
-              <a:rPr lang="pt-PT" dirty="0"/>
-            </a:br>
-            <a:br>
-              <a:rPr lang="pt-PT" dirty="0"/>
-            </a:br>
-            <a:br>
-              <a:rPr lang="pt-PT" dirty="0"/>
-            </a:br>
-            <a:br>
-              <a:rPr lang="pt-PT" dirty="0"/>
-            </a:br>
-            <a:br>
-              <a:rPr lang="pt-PT" dirty="0"/>
-            </a:br>
-            <a:endParaRPr lang="pt-PT" dirty="0"/>
-          </a:p>
-        </p:txBody>
-      </p:sp>
-      <p:sp>
-        <p:nvSpPr>
-          <p:cNvPr id="3" name="Marcador de Posição de Conteúdo 2">
-            <a:extLst>
-              <a:ext uri="{FF2B5EF4-FFF2-40B4-BE49-F238E27FC236}">
-                <a16:creationId xmlns:a16="http://schemas.microsoft.com/office/drawing/2014/main" id="{F434329D-89F3-4C36-ACBD-54D8255FF1B4}"/>
-              </a:ext>
-            </a:extLst>
-          </p:cNvPr>
-          <p:cNvSpPr>
-            <a:spLocks noGrp="1"/>
-          </p:cNvSpPr>
-          <p:nvPr>
-            <p:ph idx="1"/>
-          </p:nvPr>
-        </p:nvSpPr>
-        <p:spPr>
-          <a:xfrm>
-            <a:off x="4828735" y="1497567"/>
-            <a:ext cx="6492240" cy="3904425"/>
-          </a:xfrm>
-        </p:spPr>
-        <p:txBody>
-          <a:bodyPr>
-            <a:normAutofit/>
-          </a:bodyPr>
-          <a:lstStyle/>
-          <a:p>
-            <a:pPr marL="384048" lvl="2" indent="0">
-              <a:buNone/>
-            </a:pPr>
-            <a:r>
-              <a:rPr lang="pt-PT" dirty="0"/>
-              <a:t>				</a:t>
-            </a:r>
-          </a:p>
-        </p:txBody>
-      </p:sp>
-      <p:pic>
-        <p:nvPicPr>
-          <p:cNvPr id="15362" name="Picture 2" descr="Requisitar Massagem - Initial">
-            <a:extLst>
-              <a:ext uri="{FF2B5EF4-FFF2-40B4-BE49-F238E27FC236}">
-                <a16:creationId xmlns:a16="http://schemas.microsoft.com/office/drawing/2014/main" id="{2D6D175D-34D3-43C5-B2D7-FFD632A39334}"/>
-              </a:ext>
-            </a:extLst>
-          </p:cNvPr>
-          <p:cNvPicPr>
-            <a:picLocks noChangeAspect="1" noChangeArrowheads="1"/>
-          </p:cNvPicPr>
-          <p:nvPr/>
-        </p:nvPicPr>
-        <p:blipFill>
-          <a:blip r:embed="rId3">
-            <a:extLst>
-              <a:ext uri="{28A0092B-C50C-407E-A947-70E740481C1C}">
-                <a14:useLocalDpi xmlns:a14="http://schemas.microsoft.com/office/drawing/2010/main" val="0"/>
-              </a:ext>
-            </a:extLst>
-          </a:blip>
-          <a:srcRect/>
-          <a:stretch>
-            <a:fillRect/>
-          </a:stretch>
-        </p:blipFill>
-        <p:spPr bwMode="auto">
-          <a:xfrm>
-            <a:off x="4242652" y="594358"/>
-            <a:ext cx="7659569" cy="5710845"/>
-          </a:xfrm>
-          <a:prstGeom prst="rect">
-            <a:avLst/>
-          </a:prstGeom>
-          <a:noFill/>
-          <a:ln>
-            <a:noFill/>
-          </a:ln>
-          <a:extLst>
-            <a:ext uri="{909E8E84-426E-40DD-AFC4-6F175D3DCCD1}">
-              <a14:hiddenFill xmlns:a14="http://schemas.microsoft.com/office/drawing/2010/main">
-                <a:solidFill>
-                  <a:srgbClr val="FFFFFF"/>
-                </a:solidFill>
-              </a14:hiddenFill>
-            </a:ext>
-            <a:ext uri="{91240B29-F687-4F45-9708-019B960494DF}">
-              <a14:hiddenLine xmlns:a14="http://schemas.microsoft.com/office/drawing/2010/main" w="9525">
-                <a:solidFill>
-                  <a:srgbClr val="000000"/>
-                </a:solidFill>
-                <a:miter lim="800000"/>
-                <a:headEnd/>
-                <a:tailEnd/>
-              </a14:hiddenLine>
-            </a:ext>
-          </a:extLst>
-        </p:spPr>
-      </p:pic>
-    </p:spTree>
-    <p:extLst>
-      <p:ext uri="{BB962C8B-B14F-4D97-AF65-F5344CB8AC3E}">
-        <p14:creationId xmlns:p14="http://schemas.microsoft.com/office/powerpoint/2010/main" val="3055923059"/>
-      </p:ext>
-    </p:extLst>
-  </p:cSld>
-  <p:clrMapOvr>
-    <a:masterClrMapping/>
-  </p:clrMapOvr>
-</p:sld>
-</file>
-
-<file path=ppt/slides/slide11.xml><?xml version="1.0" encoding="utf-8"?>
-<p:sld xmlns:a="http://schemas.openxmlformats.org/drawingml/2006/main" xmlns:r="http://schemas.openxmlformats.org/officeDocument/2006/relationships" xmlns:p="http://schemas.openxmlformats.org/presentationml/2006/main">
-  <p:cSld>
-    <p:spTree>
-      <p:nvGrpSpPr>
-        <p:cNvPr id="1" name=""/>
-        <p:cNvGrpSpPr/>
-        <p:nvPr/>
-      </p:nvGrpSpPr>
-      <p:grpSpPr>
-        <a:xfrm>
-          <a:off x="0" y="0"/>
-          <a:ext cx="0" cy="0"/>
-          <a:chOff x="0" y="0"/>
-          <a:chExt cx="0" cy="0"/>
-        </a:xfrm>
-      </p:grpSpPr>
-      <p:sp>
-        <p:nvSpPr>
-          <p:cNvPr id="2" name="Título 1">
-            <a:extLst>
-              <a:ext uri="{FF2B5EF4-FFF2-40B4-BE49-F238E27FC236}">
-                <a16:creationId xmlns:a16="http://schemas.microsoft.com/office/drawing/2014/main" id="{53E75AA3-FE09-4F56-857B-E2D6B02E92CB}"/>
-              </a:ext>
-            </a:extLst>
-          </p:cNvPr>
-          <p:cNvSpPr>
-            <a:spLocks noGrp="1"/>
-          </p:cNvSpPr>
-          <p:nvPr>
-            <p:ph type="title"/>
-          </p:nvPr>
-        </p:nvSpPr>
-        <p:spPr>
-          <a:xfrm>
-            <a:off x="457200" y="594358"/>
-            <a:ext cx="3200400" cy="5710845"/>
-          </a:xfrm>
-        </p:spPr>
-        <p:txBody>
-          <a:bodyPr/>
-          <a:lstStyle/>
-          <a:p>
-            <a:r>
-              <a:rPr lang="pt-PT" sz="3300" dirty="0"/>
-              <a:t>Interface</a:t>
-            </a:r>
-            <a:br>
-              <a:rPr lang="pt-PT" sz="3300" dirty="0"/>
-            </a:br>
-            <a:r>
-              <a:rPr lang="pt-PT" sz="2400" dirty="0"/>
-              <a:t>Menu de requisição - Final</a:t>
-            </a:r>
-            <a:br>
-              <a:rPr lang="pt-PT" dirty="0"/>
-            </a:br>
-            <a:br>
-              <a:rPr lang="pt-PT" dirty="0"/>
-            </a:br>
-            <a:br>
-              <a:rPr lang="pt-PT" dirty="0"/>
-            </a:br>
-            <a:br>
-              <a:rPr lang="pt-PT" dirty="0"/>
-            </a:br>
-            <a:br>
-              <a:rPr lang="pt-PT" dirty="0"/>
-            </a:br>
-            <a:endParaRPr lang="pt-PT" dirty="0"/>
-          </a:p>
-        </p:txBody>
-      </p:sp>
-      <p:sp>
-        <p:nvSpPr>
-          <p:cNvPr id="3" name="Marcador de Posição de Conteúdo 2">
-            <a:extLst>
-              <a:ext uri="{FF2B5EF4-FFF2-40B4-BE49-F238E27FC236}">
-                <a16:creationId xmlns:a16="http://schemas.microsoft.com/office/drawing/2014/main" id="{F434329D-89F3-4C36-ACBD-54D8255FF1B4}"/>
-              </a:ext>
-            </a:extLst>
-          </p:cNvPr>
-          <p:cNvSpPr>
-            <a:spLocks noGrp="1"/>
-          </p:cNvSpPr>
-          <p:nvPr>
-            <p:ph idx="1"/>
-          </p:nvPr>
-        </p:nvSpPr>
-        <p:spPr>
-          <a:xfrm>
-            <a:off x="4828735" y="1497567"/>
-            <a:ext cx="6492240" cy="3904425"/>
-          </a:xfrm>
-        </p:spPr>
-        <p:txBody>
-          <a:bodyPr>
-            <a:normAutofit/>
-          </a:bodyPr>
-          <a:lstStyle/>
-          <a:p>
-            <a:pPr marL="384048" lvl="2" indent="0">
-              <a:buNone/>
-            </a:pPr>
-            <a:r>
-              <a:rPr lang="pt-PT" dirty="0"/>
-              <a:t>				</a:t>
-            </a:r>
-          </a:p>
-        </p:txBody>
-      </p:sp>
-    </p:spTree>
-    <p:extLst>
-      <p:ext uri="{BB962C8B-B14F-4D97-AF65-F5344CB8AC3E}">
-        <p14:creationId xmlns:p14="http://schemas.microsoft.com/office/powerpoint/2010/main" val="2693479031"/>
-      </p:ext>
-    </p:extLst>
-  </p:cSld>
-  <p:clrMapOvr>
-    <a:masterClrMapping/>
-  </p:clrMapOvr>
-</p:sld>
-</file>
-
-<file path=ppt/slides/slide12.xml><?xml version="1.0" encoding="utf-8"?>
-<p:sld xmlns:a="http://schemas.openxmlformats.org/drawingml/2006/main" xmlns:r="http://schemas.openxmlformats.org/officeDocument/2006/relationships" xmlns:p="http://schemas.openxmlformats.org/presentationml/2006/main">
-  <p:cSld>
-    <p:bg>
-      <p:bgPr>
-        <a:solidFill>
-          <a:schemeClr val="bg1"/>
-        </a:solidFill>
-        <a:effectLst/>
-      </p:bgPr>
-    </p:bg>
-    <p:spTree>
-      <p:nvGrpSpPr>
-        <p:cNvPr id="1" name=""/>
-        <p:cNvGrpSpPr/>
-        <p:nvPr/>
-      </p:nvGrpSpPr>
-      <p:grpSpPr>
-        <a:xfrm>
-          <a:off x="0" y="0"/>
-          <a:ext cx="0" cy="0"/>
-          <a:chOff x="0" y="0"/>
-          <a:chExt cx="0" cy="0"/>
-        </a:xfrm>
-      </p:grpSpPr>
-      <p:sp>
-        <p:nvSpPr>
-          <p:cNvPr id="72" name="Rectangle 71">
-            <a:extLst>
-              <a:ext uri="{FF2B5EF4-FFF2-40B4-BE49-F238E27FC236}">
-                <a16:creationId xmlns:a16="http://schemas.microsoft.com/office/drawing/2014/main" id="{F240A2FC-E2C3-458D-96B4-5DF9028D93A5}"/>
-              </a:ext>
-            </a:extLst>
-          </p:cNvPr>
-          <p:cNvSpPr>
-            <a:spLocks noGrp="1" noRot="1" noChangeAspect="1" noMove="1" noResize="1" noEditPoints="1" noAdjustHandles="1" noChangeArrowheads="1" noChangeShapeType="1" noTextEdit="1"/>
-          </p:cNvSpPr>
-          <p:nvPr>
-            <p:extLst>
-              <p:ext uri="{386F3935-93C4-4BCD-93E2-E3B085C9AB24}">
-                <p16:designElem xmlns:p16="http://schemas.microsoft.com/office/powerpoint/2015/main" val="1"/>
-              </p:ext>
-            </p:extLst>
-          </p:nvPr>
-        </p:nvSpPr>
-        <p:spPr>
-          <a:xfrm>
-            <a:off x="1" y="6400800"/>
-            <a:ext cx="12192000" cy="457200"/>
-          </a:xfrm>
-          <a:prstGeom prst="rect">
-            <a:avLst/>
-          </a:prstGeom>
-          <a:solidFill>
-            <a:schemeClr val="accent2"/>
-          </a:solidFill>
-          <a:ln>
-            <a:noFill/>
-          </a:ln>
-        </p:spPr>
-        <p:style>
-          <a:lnRef idx="2">
-            <a:schemeClr val="accent1">
-              <a:shade val="50000"/>
-            </a:schemeClr>
-          </a:lnRef>
-          <a:fillRef idx="1">
-            <a:schemeClr val="accent1"/>
-          </a:fillRef>
-          <a:effectRef idx="0">
-            <a:schemeClr val="accent1"/>
-          </a:effectRef>
-          <a:fontRef idx="minor">
-            <a:schemeClr val="lt1"/>
-          </a:fontRef>
-        </p:style>
-      </p:sp>
-      <p:sp>
-        <p:nvSpPr>
-          <p:cNvPr id="74" name="Rectangle 73">
-            <a:extLst>
-              <a:ext uri="{FF2B5EF4-FFF2-40B4-BE49-F238E27FC236}">
-                <a16:creationId xmlns:a16="http://schemas.microsoft.com/office/drawing/2014/main" id="{5F097929-F3D6-4D1F-8AFC-CF348171A9E1}"/>
-              </a:ext>
-            </a:extLst>
-          </p:cNvPr>
-          <p:cNvSpPr>
-            <a:spLocks noGrp="1" noRot="1" noChangeAspect="1" noMove="1" noResize="1" noEditPoints="1" noAdjustHandles="1" noChangeArrowheads="1" noChangeShapeType="1" noTextEdit="1"/>
-          </p:cNvSpPr>
-          <p:nvPr>
-            <p:extLst>
-              <p:ext uri="{386F3935-93C4-4BCD-93E2-E3B085C9AB24}">
-                <p16:designElem xmlns:p16="http://schemas.microsoft.com/office/powerpoint/2015/main" val="1"/>
-              </p:ext>
-            </p:extLst>
-          </p:nvPr>
-        </p:nvSpPr>
-        <p:spPr>
-          <a:xfrm>
-            <a:off x="1" y="6334316"/>
-            <a:ext cx="12192000" cy="66484"/>
-          </a:xfrm>
-          <a:prstGeom prst="rect">
-            <a:avLst/>
-          </a:prstGeom>
-          <a:solidFill>
-            <a:schemeClr val="accent1"/>
-          </a:solidFill>
-          <a:ln>
-            <a:noFill/>
-          </a:ln>
-        </p:spPr>
-        <p:style>
-          <a:lnRef idx="2">
-            <a:schemeClr val="accent1">
-              <a:shade val="50000"/>
-            </a:schemeClr>
-          </a:lnRef>
-          <a:fillRef idx="1">
-            <a:schemeClr val="accent1"/>
-          </a:fillRef>
-          <a:effectRef idx="0">
-            <a:schemeClr val="accent1"/>
-          </a:effectRef>
-          <a:fontRef idx="minor">
-            <a:schemeClr val="lt1"/>
-          </a:fontRef>
-        </p:style>
-      </p:sp>
-      <p:cxnSp>
-        <p:nvCxnSpPr>
-          <p:cNvPr id="76" name="Straight Connector 75">
-            <a:extLst>
-              <a:ext uri="{FF2B5EF4-FFF2-40B4-BE49-F238E27FC236}">
-                <a16:creationId xmlns:a16="http://schemas.microsoft.com/office/drawing/2014/main" id="{43074C91-9045-414B-B5F9-567DAE3EED25}"/>
-              </a:ext>
-            </a:extLst>
-          </p:cNvPr>
-          <p:cNvCxnSpPr>
-            <a:cxnSpLocks noGrp="1" noRot="1" noChangeAspect="1" noMove="1" noResize="1" noEditPoints="1" noAdjustHandles="1" noChangeArrowheads="1" noChangeShapeType="1"/>
-          </p:cNvCxnSpPr>
-          <p:nvPr>
-            <p:extLst>
-              <p:ext uri="{386F3935-93C4-4BCD-93E2-E3B085C9AB24}">
-                <p16:designElem xmlns:p16="http://schemas.microsoft.com/office/powerpoint/2015/main" val="1"/>
-              </p:ext>
-            </p:extLst>
-          </p:nvPr>
-        </p:nvCxnSpPr>
-        <p:spPr>
-          <a:xfrm>
-            <a:off x="1207658" y="4343400"/>
-            <a:ext cx="9875520" cy="0"/>
-          </a:xfrm>
-          <a:prstGeom prst="line">
-            <a:avLst/>
-          </a:prstGeom>
-          <a:ln w="6350">
-            <a:solidFill>
-              <a:schemeClr val="tx1">
-                <a:lumMod val="50000"/>
-                <a:lumOff val="50000"/>
-              </a:schemeClr>
-            </a:solidFill>
-          </a:ln>
-        </p:spPr>
-        <p:style>
-          <a:lnRef idx="1">
-            <a:schemeClr val="accent1"/>
-          </a:lnRef>
-          <a:fillRef idx="0">
-            <a:schemeClr val="accent1"/>
-          </a:fillRef>
-          <a:effectRef idx="0">
-            <a:schemeClr val="accent1"/>
-          </a:effectRef>
-          <a:fontRef idx="minor">
-            <a:schemeClr val="tx1"/>
-          </a:fontRef>
-        </p:style>
-      </p:cxnSp>
-      <p:sp useBgFill="1">
-        <p:nvSpPr>
-          <p:cNvPr id="78" name="Rectangle 77">
-            <a:extLst>
-              <a:ext uri="{FF2B5EF4-FFF2-40B4-BE49-F238E27FC236}">
-                <a16:creationId xmlns:a16="http://schemas.microsoft.com/office/drawing/2014/main" id="{990BAFCD-EA0A-47F4-8B00-AAB1E67A90CC}"/>
-              </a:ext>
-            </a:extLst>
-          </p:cNvPr>
-          <p:cNvSpPr>
-            <a:spLocks noGrp="1" noRot="1" noChangeAspect="1" noMove="1" noResize="1" noEditPoints="1" noAdjustHandles="1" noChangeArrowheads="1" noChangeShapeType="1" noTextEdit="1"/>
-          </p:cNvSpPr>
-          <p:nvPr>
-            <p:extLst>
-              <p:ext uri="{386F3935-93C4-4BCD-93E2-E3B085C9AB24}">
-                <p16:designElem xmlns:p16="http://schemas.microsoft.com/office/powerpoint/2015/main" val="1"/>
-              </p:ext>
-            </p:extLst>
-          </p:nvPr>
-        </p:nvSpPr>
-        <p:spPr>
-          <a:xfrm>
-            <a:off x="0" y="0"/>
-            <a:ext cx="12192001" cy="4904190"/>
-          </a:xfrm>
-          <a:prstGeom prst="rect">
-            <a:avLst/>
-          </a:prstGeom>
-          <a:ln>
-            <a:noFill/>
-          </a:ln>
-        </p:spPr>
-        <p:style>
-          <a:lnRef idx="2">
-            <a:schemeClr val="accent1">
-              <a:shade val="50000"/>
-            </a:schemeClr>
-          </a:lnRef>
-          <a:fillRef idx="1">
-            <a:schemeClr val="accent1"/>
-          </a:fillRef>
-          <a:effectRef idx="0">
-            <a:schemeClr val="accent1"/>
-          </a:effectRef>
-          <a:fontRef idx="minor">
-            <a:schemeClr val="lt1"/>
-          </a:fontRef>
-        </p:style>
-        <p:txBody>
-          <a:bodyPr rtlCol="0" anchor="ctr"/>
-          <a:lstStyle/>
-          <a:p>
-            <a:pPr marL="0" marR="0" lvl="0" indent="0" algn="ctr" defTabSz="457200" rtl="0" eaLnBrk="1" fontAlgn="auto" latinLnBrk="0" hangingPunct="1">
-              <a:lnSpc>
-                <a:spcPct val="100000"/>
-              </a:lnSpc>
-              <a:spcBef>
-                <a:spcPts val="0"/>
-              </a:spcBef>
-              <a:spcAft>
-                <a:spcPts val="0"/>
-              </a:spcAft>
-              <a:buClrTx/>
-              <a:buSzTx/>
-              <a:buFontTx/>
-              <a:buNone/>
-              <a:tabLst/>
-              <a:defRPr/>
-            </a:pPr>
-            <a:endParaRPr kumimoji="0" lang="en-US" sz="1800" b="0" i="0" u="none" strike="noStrike" kern="1200" cap="none" spc="0" normalizeH="0" baseline="0" noProof="0">
-              <a:ln>
-                <a:noFill/>
-              </a:ln>
-              <a:solidFill>
-                <a:prstClr val="white"/>
-              </a:solidFill>
-              <a:effectLst/>
-              <a:uLnTx/>
-              <a:uFillTx/>
-              <a:latin typeface="Calibri" panose="020F0502020204030204"/>
-              <a:ea typeface="+mn-ea"/>
-              <a:cs typeface="+mn-cs"/>
-            </a:endParaRPr>
-          </a:p>
-        </p:txBody>
-      </p:sp>
-      <p:sp>
-        <p:nvSpPr>
-          <p:cNvPr id="80" name="Rectangle 79">
-            <a:extLst>
-              <a:ext uri="{FF2B5EF4-FFF2-40B4-BE49-F238E27FC236}">
-                <a16:creationId xmlns:a16="http://schemas.microsoft.com/office/drawing/2014/main" id="{621D8EC4-8163-48C9-89D6-8555E98AB9A8}"/>
-              </a:ext>
-            </a:extLst>
-          </p:cNvPr>
-          <p:cNvSpPr>
-            <a:spLocks noGrp="1" noRot="1" noChangeAspect="1" noMove="1" noResize="1" noEditPoints="1" noAdjustHandles="1" noChangeArrowheads="1" noChangeShapeType="1" noTextEdit="1"/>
-          </p:cNvSpPr>
-          <p:nvPr>
-            <p:extLst>
-              <p:ext uri="{386F3935-93C4-4BCD-93E2-E3B085C9AB24}">
-                <p16:designElem xmlns:p16="http://schemas.microsoft.com/office/powerpoint/2015/main" val="1"/>
-              </p:ext>
-            </p:extLst>
-          </p:nvPr>
-        </p:nvSpPr>
-        <p:spPr bwMode="white">
-          <a:xfrm>
-            <a:off x="1507" y="4953000"/>
-            <a:ext cx="12188952" cy="1905000"/>
-          </a:xfrm>
-          <a:prstGeom prst="rect">
-            <a:avLst/>
-          </a:prstGeom>
-          <a:solidFill>
-            <a:schemeClr val="accent2"/>
-          </a:solidFill>
-          <a:ln>
-            <a:noFill/>
-          </a:ln>
-        </p:spPr>
-        <p:style>
-          <a:lnRef idx="2">
-            <a:schemeClr val="accent1">
-              <a:shade val="50000"/>
-            </a:schemeClr>
-          </a:lnRef>
-          <a:fillRef idx="1">
-            <a:schemeClr val="accent1"/>
-          </a:fillRef>
-          <a:effectRef idx="0">
-            <a:schemeClr val="accent1"/>
-          </a:effectRef>
-          <a:fontRef idx="minor">
-            <a:schemeClr val="lt1"/>
-          </a:fontRef>
-        </p:style>
-      </p:sp>
-      <p:sp>
-        <p:nvSpPr>
-          <p:cNvPr id="82" name="Rectangle 81">
-            <a:extLst>
-              <a:ext uri="{FF2B5EF4-FFF2-40B4-BE49-F238E27FC236}">
-                <a16:creationId xmlns:a16="http://schemas.microsoft.com/office/drawing/2014/main" id="{7B7C6C2A-33C4-4D5D-8EB1-A8803DCB7566}"/>
-              </a:ext>
-            </a:extLst>
-          </p:cNvPr>
-          <p:cNvSpPr>
-            <a:spLocks noGrp="1" noRot="1" noChangeAspect="1" noMove="1" noResize="1" noEditPoints="1" noAdjustHandles="1" noChangeArrowheads="1" noChangeShapeType="1" noTextEdit="1"/>
-          </p:cNvSpPr>
-          <p:nvPr>
-            <p:extLst>
-              <p:ext uri="{386F3935-93C4-4BCD-93E2-E3B085C9AB24}">
-                <p16:designElem xmlns:p16="http://schemas.microsoft.com/office/powerpoint/2015/main" val="1"/>
-              </p:ext>
-            </p:extLst>
-          </p:nvPr>
-        </p:nvSpPr>
-        <p:spPr>
-          <a:xfrm>
-            <a:off x="1507" y="4906176"/>
-            <a:ext cx="12188952" cy="64008"/>
-          </a:xfrm>
-          <a:prstGeom prst="rect">
-            <a:avLst/>
-          </a:prstGeom>
-          <a:solidFill>
-            <a:schemeClr val="accent1"/>
-          </a:solidFill>
-          <a:ln>
-            <a:noFill/>
-          </a:ln>
-        </p:spPr>
-        <p:style>
-          <a:lnRef idx="2">
-            <a:schemeClr val="accent1">
-              <a:shade val="50000"/>
-            </a:schemeClr>
-          </a:lnRef>
-          <a:fillRef idx="1">
-            <a:schemeClr val="accent1"/>
-          </a:fillRef>
-          <a:effectRef idx="0">
-            <a:schemeClr val="accent1"/>
-          </a:effectRef>
-          <a:fontRef idx="minor">
-            <a:schemeClr val="lt1"/>
-          </a:fontRef>
-        </p:style>
-      </p:sp>
-      <p:sp>
-        <p:nvSpPr>
-          <p:cNvPr id="2" name="Título 1">
-            <a:extLst>
-              <a:ext uri="{FF2B5EF4-FFF2-40B4-BE49-F238E27FC236}">
-                <a16:creationId xmlns:a16="http://schemas.microsoft.com/office/drawing/2014/main" id="{4D895CA5-D031-4BE7-BFD9-C4D6996C5809}"/>
-              </a:ext>
-            </a:extLst>
-          </p:cNvPr>
-          <p:cNvSpPr>
-            <a:spLocks noGrp="1"/>
-          </p:cNvSpPr>
-          <p:nvPr>
-            <p:ph type="title"/>
-          </p:nvPr>
-        </p:nvSpPr>
-        <p:spPr>
-          <a:xfrm>
-            <a:off x="1065197" y="5401998"/>
-            <a:ext cx="10058400" cy="822960"/>
-          </a:xfrm>
-        </p:spPr>
-        <p:txBody>
-          <a:bodyPr vert="horz" lIns="91440" tIns="45720" rIns="91440" bIns="45720" rtlCol="0" anchor="b">
-            <a:normAutofit fontScale="90000"/>
-          </a:bodyPr>
-          <a:lstStyle/>
-          <a:p>
-            <a:r>
-              <a:rPr lang="en-US" sz="4000" dirty="0" err="1"/>
-              <a:t>Diagrama</a:t>
-            </a:r>
-            <a:r>
-              <a:rPr lang="en-US" sz="4000" dirty="0"/>
-              <a:t> de Classes</a:t>
-            </a:r>
-            <a:br>
-              <a:rPr lang="en-US" sz="900" dirty="0"/>
-            </a:br>
-            <a:br>
-              <a:rPr lang="en-US" sz="900" dirty="0"/>
-            </a:br>
-            <a:br>
-              <a:rPr lang="en-US" sz="900" dirty="0"/>
-            </a:br>
-            <a:br>
-              <a:rPr lang="en-US" sz="900" dirty="0"/>
-            </a:br>
-            <a:br>
-              <a:rPr lang="en-US" sz="900" dirty="0"/>
-            </a:br>
-            <a:endParaRPr lang="en-US" sz="900" dirty="0"/>
-          </a:p>
-        </p:txBody>
-      </p:sp>
-      <p:pic>
-        <p:nvPicPr>
-          <p:cNvPr id="9" name="Picture 2" descr="Diagrama de Classes">
-            <a:extLst>
-              <a:ext uri="{FF2B5EF4-FFF2-40B4-BE49-F238E27FC236}">
-                <a16:creationId xmlns:a16="http://schemas.microsoft.com/office/drawing/2014/main" id="{99AFBAB5-8E53-4224-B466-3E2E976885BD}"/>
-              </a:ext>
-            </a:extLst>
-          </p:cNvPr>
-          <p:cNvPicPr>
-            <a:picLocks noGrp="1" noChangeAspect="1" noChangeArrowheads="1"/>
-          </p:cNvPicPr>
-          <p:nvPr>
-            <p:ph idx="1"/>
-          </p:nvPr>
-        </p:nvPicPr>
-        <p:blipFill>
-          <a:blip r:embed="rId3">
-            <a:extLst>
-              <a:ext uri="{28A0092B-C50C-407E-A947-70E740481C1C}">
-                <a14:useLocalDpi xmlns:a14="http://schemas.microsoft.com/office/drawing/2010/main" val="0"/>
-              </a:ext>
-            </a:extLst>
-          </a:blip>
-          <a:srcRect/>
-          <a:stretch>
-            <a:fillRect/>
-          </a:stretch>
-        </p:blipFill>
-        <p:spPr bwMode="auto">
-          <a:xfrm>
-            <a:off x="923510" y="84978"/>
-            <a:ext cx="10341774" cy="4834780"/>
-          </a:xfrm>
-          <a:prstGeom prst="rect">
-            <a:avLst/>
-          </a:prstGeom>
-          <a:noFill/>
-          <a:extLst>
-            <a:ext uri="{909E8E84-426E-40DD-AFC4-6F175D3DCCD1}">
-              <a14:hiddenFill xmlns:a14="http://schemas.microsoft.com/office/drawing/2010/main">
-                <a:solidFill>
-                  <a:srgbClr val="FFFFFF"/>
-                </a:solidFill>
-              </a14:hiddenFill>
-            </a:ext>
-            <a:ext uri="{91240B29-F687-4F45-9708-019B960494DF}">
-              <a14:hiddenLine xmlns:a14="http://schemas.microsoft.com/office/drawing/2010/main" w="9525">
-                <a:solidFill>
-                  <a:srgbClr val="000000"/>
-                </a:solidFill>
-                <a:miter lim="800000"/>
-                <a:headEnd/>
-                <a:tailEnd/>
-              </a14:hiddenLine>
-            </a:ext>
-          </a:extLst>
-        </p:spPr>
-      </p:pic>
-    </p:spTree>
-    <p:extLst>
-      <p:ext uri="{BB962C8B-B14F-4D97-AF65-F5344CB8AC3E}">
-        <p14:creationId xmlns:p14="http://schemas.microsoft.com/office/powerpoint/2010/main" val="3740671238"/>
-      </p:ext>
-    </p:extLst>
-  </p:cSld>
-  <p:clrMapOvr>
-    <a:masterClrMapping/>
-  </p:clrMapOvr>
-</p:sld>
-</file>
-
-<file path=ppt/slides/slide13.xml><?xml version="1.0" encoding="utf-8"?>
-<p:sld xmlns:a="http://schemas.openxmlformats.org/drawingml/2006/main" xmlns:r="http://schemas.openxmlformats.org/officeDocument/2006/relationships" xmlns:p="http://schemas.openxmlformats.org/presentationml/2006/main">
-  <p:cSld>
-    <p:spTree>
-      <p:nvGrpSpPr>
-        <p:cNvPr id="1" name=""/>
-        <p:cNvGrpSpPr/>
-        <p:nvPr/>
-      </p:nvGrpSpPr>
-      <p:grpSpPr>
-        <a:xfrm>
-          <a:off x="0" y="0"/>
-          <a:ext cx="0" cy="0"/>
-          <a:chOff x="0" y="0"/>
-          <a:chExt cx="0" cy="0"/>
-        </a:xfrm>
-      </p:grpSpPr>
-      <p:sp>
-        <p:nvSpPr>
           <p:cNvPr id="2" name="Título 1"/>
           <p:cNvSpPr>
             <a:spLocks noGrp="1"/>
@@ -18273,7 +16537,7 @@
 </p:sld>
 </file>
 
-<file path=ppt/slides/slide14.xml><?xml version="1.0" encoding="utf-8"?>
+<file path=ppt/slides/slide11.xml><?xml version="1.0" encoding="utf-8"?>
 <p:sld xmlns:a="http://schemas.openxmlformats.org/drawingml/2006/main" xmlns:r="http://schemas.openxmlformats.org/officeDocument/2006/relationships" xmlns:p="http://schemas.openxmlformats.org/presentationml/2006/main">
   <p:cSld>
     <p:bg>
@@ -18746,7 +17010,537 @@
 </p:sld>
 </file>
 
-<file path=ppt/slides/slide15.xml><?xml version="1.0" encoding="utf-8"?>
+<file path=ppt/slides/slide12.xml><?xml version="1.0" encoding="utf-8"?>
+<p:sld xmlns:a="http://schemas.openxmlformats.org/drawingml/2006/main" xmlns:r="http://schemas.openxmlformats.org/officeDocument/2006/relationships" xmlns:p="http://schemas.openxmlformats.org/presentationml/2006/main">
+  <p:cSld>
+    <p:bg>
+      <p:bgPr>
+        <a:solidFill>
+          <a:schemeClr val="bg1"/>
+        </a:solidFill>
+        <a:effectLst/>
+      </p:bgPr>
+    </p:bg>
+    <p:spTree>
+      <p:nvGrpSpPr>
+        <p:cNvPr id="1" name=""/>
+        <p:cNvGrpSpPr/>
+        <p:nvPr/>
+      </p:nvGrpSpPr>
+      <p:grpSpPr>
+        <a:xfrm>
+          <a:off x="0" y="0"/>
+          <a:ext cx="0" cy="0"/>
+          <a:chOff x="0" y="0"/>
+          <a:chExt cx="0" cy="0"/>
+        </a:xfrm>
+      </p:grpSpPr>
+      <p:sp>
+        <p:nvSpPr>
+          <p:cNvPr id="36" name="Rectangle 35">
+            <a:extLst>
+              <a:ext uri="{FF2B5EF4-FFF2-40B4-BE49-F238E27FC236}">
+                <a16:creationId xmlns:a16="http://schemas.microsoft.com/office/drawing/2014/main" id="{F240A2FC-E2C3-458D-96B4-5DF9028D93A5}"/>
+              </a:ext>
+              <a:ext uri="{C183D7F6-B498-43B3-948B-1728B52AA6E4}">
+                <adec:decorative xmlns:adec="http://schemas.microsoft.com/office/drawing/2017/decorative" val="1"/>
+              </a:ext>
+            </a:extLst>
+          </p:cNvPr>
+          <p:cNvSpPr>
+            <a:spLocks noGrp="1" noRot="1" noChangeAspect="1" noMove="1" noResize="1" noEditPoints="1" noAdjustHandles="1" noChangeArrowheads="1" noChangeShapeType="1" noTextEdit="1"/>
+          </p:cNvSpPr>
+          <p:nvPr>
+            <p:extLst>
+              <p:ext uri="{386F3935-93C4-4BCD-93E2-E3B085C9AB24}">
+                <p16:designElem xmlns:p16="http://schemas.microsoft.com/office/powerpoint/2015/main" val="1"/>
+              </p:ext>
+            </p:extLst>
+          </p:nvPr>
+        </p:nvSpPr>
+        <p:spPr>
+          <a:xfrm>
+            <a:off x="1" y="6400800"/>
+            <a:ext cx="12192000" cy="457200"/>
+          </a:xfrm>
+          <a:prstGeom prst="rect">
+            <a:avLst/>
+          </a:prstGeom>
+          <a:solidFill>
+            <a:schemeClr val="accent2"/>
+          </a:solidFill>
+          <a:ln>
+            <a:noFill/>
+          </a:ln>
+        </p:spPr>
+        <p:style>
+          <a:lnRef idx="2">
+            <a:schemeClr val="accent1">
+              <a:shade val="50000"/>
+            </a:schemeClr>
+          </a:lnRef>
+          <a:fillRef idx="1">
+            <a:schemeClr val="accent1"/>
+          </a:fillRef>
+          <a:effectRef idx="0">
+            <a:schemeClr val="accent1"/>
+          </a:effectRef>
+          <a:fontRef idx="minor">
+            <a:schemeClr val="lt1"/>
+          </a:fontRef>
+        </p:style>
+      </p:sp>
+      <p:sp>
+        <p:nvSpPr>
+          <p:cNvPr id="38" name="Rectangle 37">
+            <a:extLst>
+              <a:ext uri="{FF2B5EF4-FFF2-40B4-BE49-F238E27FC236}">
+                <a16:creationId xmlns:a16="http://schemas.microsoft.com/office/drawing/2014/main" id="{5F097929-F3D6-4D1F-8AFC-CF348171A9E1}"/>
+              </a:ext>
+              <a:ext uri="{C183D7F6-B498-43B3-948B-1728B52AA6E4}">
+                <adec:decorative xmlns:adec="http://schemas.microsoft.com/office/drawing/2017/decorative" val="1"/>
+              </a:ext>
+            </a:extLst>
+          </p:cNvPr>
+          <p:cNvSpPr>
+            <a:spLocks noGrp="1" noRot="1" noChangeAspect="1" noMove="1" noResize="1" noEditPoints="1" noAdjustHandles="1" noChangeArrowheads="1" noChangeShapeType="1" noTextEdit="1"/>
+          </p:cNvSpPr>
+          <p:nvPr>
+            <p:extLst>
+              <p:ext uri="{386F3935-93C4-4BCD-93E2-E3B085C9AB24}">
+                <p16:designElem xmlns:p16="http://schemas.microsoft.com/office/powerpoint/2015/main" val="1"/>
+              </p:ext>
+            </p:extLst>
+          </p:nvPr>
+        </p:nvSpPr>
+        <p:spPr>
+          <a:xfrm>
+            <a:off x="1" y="6334316"/>
+            <a:ext cx="12192000" cy="66484"/>
+          </a:xfrm>
+          <a:prstGeom prst="rect">
+            <a:avLst/>
+          </a:prstGeom>
+          <a:solidFill>
+            <a:schemeClr val="accent1"/>
+          </a:solidFill>
+          <a:ln>
+            <a:noFill/>
+          </a:ln>
+        </p:spPr>
+        <p:style>
+          <a:lnRef idx="2">
+            <a:schemeClr val="accent1">
+              <a:shade val="50000"/>
+            </a:schemeClr>
+          </a:lnRef>
+          <a:fillRef idx="1">
+            <a:schemeClr val="accent1"/>
+          </a:fillRef>
+          <a:effectRef idx="0">
+            <a:schemeClr val="accent1"/>
+          </a:effectRef>
+          <a:fontRef idx="minor">
+            <a:schemeClr val="lt1"/>
+          </a:fontRef>
+        </p:style>
+      </p:sp>
+      <p:cxnSp>
+        <p:nvCxnSpPr>
+          <p:cNvPr id="40" name="Straight Connector 39">
+            <a:extLst>
+              <a:ext uri="{FF2B5EF4-FFF2-40B4-BE49-F238E27FC236}">
+                <a16:creationId xmlns:a16="http://schemas.microsoft.com/office/drawing/2014/main" id="{43074C91-9045-414B-B5F9-567DAE3EED25}"/>
+              </a:ext>
+              <a:ext uri="{C183D7F6-B498-43B3-948B-1728B52AA6E4}">
+                <adec:decorative xmlns:adec="http://schemas.microsoft.com/office/drawing/2017/decorative" val="1"/>
+              </a:ext>
+            </a:extLst>
+          </p:cNvPr>
+          <p:cNvCxnSpPr>
+            <a:cxnSpLocks noGrp="1" noRot="1" noChangeAspect="1" noMove="1" noResize="1" noEditPoints="1" noAdjustHandles="1" noChangeArrowheads="1" noChangeShapeType="1"/>
+          </p:cNvCxnSpPr>
+          <p:nvPr>
+            <p:extLst>
+              <p:ext uri="{386F3935-93C4-4BCD-93E2-E3B085C9AB24}">
+                <p16:designElem xmlns:p16="http://schemas.microsoft.com/office/powerpoint/2015/main" val="1"/>
+              </p:ext>
+            </p:extLst>
+          </p:nvPr>
+        </p:nvCxnSpPr>
+        <p:spPr>
+          <a:xfrm>
+            <a:off x="1207658" y="4343400"/>
+            <a:ext cx="9875520" cy="0"/>
+          </a:xfrm>
+          <a:prstGeom prst="line">
+            <a:avLst/>
+          </a:prstGeom>
+          <a:ln w="6350">
+            <a:solidFill>
+              <a:schemeClr val="tx1">
+                <a:lumMod val="50000"/>
+                <a:lumOff val="50000"/>
+              </a:schemeClr>
+            </a:solidFill>
+          </a:ln>
+        </p:spPr>
+        <p:style>
+          <a:lnRef idx="1">
+            <a:schemeClr val="accent1"/>
+          </a:lnRef>
+          <a:fillRef idx="0">
+            <a:schemeClr val="accent1"/>
+          </a:fillRef>
+          <a:effectRef idx="0">
+            <a:schemeClr val="accent1"/>
+          </a:effectRef>
+          <a:fontRef idx="minor">
+            <a:schemeClr val="tx1"/>
+          </a:fontRef>
+        </p:style>
+      </p:cxnSp>
+      <p:sp useBgFill="1">
+        <p:nvSpPr>
+          <p:cNvPr id="42" name="Rectangle 41">
+            <a:extLst>
+              <a:ext uri="{FF2B5EF4-FFF2-40B4-BE49-F238E27FC236}">
+                <a16:creationId xmlns:a16="http://schemas.microsoft.com/office/drawing/2014/main" id="{184CF176-5285-4F57-A3FF-F97742FC4D3D}"/>
+              </a:ext>
+              <a:ext uri="{C183D7F6-B498-43B3-948B-1728B52AA6E4}">
+                <adec:decorative xmlns:adec="http://schemas.microsoft.com/office/drawing/2017/decorative" val="1"/>
+              </a:ext>
+            </a:extLst>
+          </p:cNvPr>
+          <p:cNvSpPr>
+            <a:spLocks noGrp="1" noRot="1" noChangeAspect="1" noMove="1" noResize="1" noEditPoints="1" noAdjustHandles="1" noChangeArrowheads="1" noChangeShapeType="1" noTextEdit="1"/>
+          </p:cNvSpPr>
+          <p:nvPr>
+            <p:extLst>
+              <p:ext uri="{386F3935-93C4-4BCD-93E2-E3B085C9AB24}">
+                <p16:designElem xmlns:p16="http://schemas.microsoft.com/office/powerpoint/2015/main" val="1"/>
+              </p:ext>
+            </p:extLst>
+          </p:nvPr>
+        </p:nvSpPr>
+        <p:spPr>
+          <a:xfrm>
+            <a:off x="0" y="0"/>
+            <a:ext cx="12192001" cy="6334316"/>
+          </a:xfrm>
+          <a:prstGeom prst="rect">
+            <a:avLst/>
+          </a:prstGeom>
+          <a:ln>
+            <a:noFill/>
+          </a:ln>
+        </p:spPr>
+        <p:style>
+          <a:lnRef idx="2">
+            <a:schemeClr val="accent1">
+              <a:shade val="50000"/>
+            </a:schemeClr>
+          </a:lnRef>
+          <a:fillRef idx="1">
+            <a:schemeClr val="accent1"/>
+          </a:fillRef>
+          <a:effectRef idx="0">
+            <a:schemeClr val="accent1"/>
+          </a:effectRef>
+          <a:fontRef idx="minor">
+            <a:schemeClr val="lt1"/>
+          </a:fontRef>
+        </p:style>
+        <p:txBody>
+          <a:bodyPr rtlCol="0" anchor="ctr"/>
+          <a:lstStyle/>
+          <a:p>
+            <a:pPr algn="ctr"/>
+            <a:endParaRPr lang="en-US"/>
+          </a:p>
+        </p:txBody>
+      </p:sp>
+      <p:sp>
+        <p:nvSpPr>
+          <p:cNvPr id="2" name="Título 1">
+            <a:extLst>
+              <a:ext uri="{FF2B5EF4-FFF2-40B4-BE49-F238E27FC236}">
+                <a16:creationId xmlns:a16="http://schemas.microsoft.com/office/drawing/2014/main" id="{5EB74330-751C-4FCC-B1B0-182125A29D6E}"/>
+              </a:ext>
+            </a:extLst>
+          </p:cNvPr>
+          <p:cNvSpPr>
+            <a:spLocks noGrp="1"/>
+          </p:cNvSpPr>
+          <p:nvPr>
+            <p:ph type="title"/>
+          </p:nvPr>
+        </p:nvSpPr>
+        <p:spPr>
+          <a:xfrm>
+            <a:off x="6730000" y="639097"/>
+            <a:ext cx="4813072" cy="3686015"/>
+          </a:xfrm>
+        </p:spPr>
+        <p:txBody>
+          <a:bodyPr vert="horz" lIns="91440" tIns="45720" rIns="91440" bIns="45720" rtlCol="0" anchor="b">
+            <a:normAutofit/>
+          </a:bodyPr>
+          <a:lstStyle/>
+          <a:p>
+            <a:r>
+              <a:rPr lang="en-US" sz="5600" b="1">
+                <a:solidFill>
+                  <a:schemeClr val="tx1">
+                    <a:lumMod val="85000"/>
+                    <a:lumOff val="15000"/>
+                  </a:schemeClr>
+                </a:solidFill>
+              </a:rPr>
+              <a:t>Implementação</a:t>
+            </a:r>
+            <a:endParaRPr lang="en-US" sz="5600">
+              <a:solidFill>
+                <a:schemeClr val="tx1">
+                  <a:lumMod val="85000"/>
+                  <a:lumOff val="15000"/>
+                </a:schemeClr>
+              </a:solidFill>
+            </a:endParaRPr>
+          </a:p>
+        </p:txBody>
+      </p:sp>
+      <p:pic>
+        <p:nvPicPr>
+          <p:cNvPr id="15" name="Marcador de Posição de Conteúdo 4" descr="Uma imagem com gráficos de vetor, texto&#10;&#10;Descrição gerada com confiança alta">
+            <a:extLst>
+              <a:ext uri="{FF2B5EF4-FFF2-40B4-BE49-F238E27FC236}">
+                <a16:creationId xmlns:a16="http://schemas.microsoft.com/office/drawing/2014/main" id="{99F0B15E-FAB3-40CA-9DEE-6E9F4F2157F8}"/>
+              </a:ext>
+            </a:extLst>
+          </p:cNvPr>
+          <p:cNvPicPr>
+            <a:picLocks noGrp="1" noChangeAspect="1"/>
+          </p:cNvPicPr>
+          <p:nvPr>
+            <p:ph idx="1"/>
+          </p:nvPr>
+        </p:nvPicPr>
+        <p:blipFill rotWithShape="1">
+          <a:blip r:embed="rId3">
+            <a:duotone>
+              <a:schemeClr val="accent1">
+                <a:shade val="45000"/>
+                <a:satMod val="135000"/>
+              </a:schemeClr>
+              <a:prstClr val="white"/>
+            </a:duotone>
+            <a:extLst>
+              <a:ext uri="{BEBA8EAE-BF5A-486C-A8C5-ECC9F3942E4B}">
+                <a14:imgProps xmlns:a14="http://schemas.microsoft.com/office/drawing/2010/main">
+                  <a14:imgLayer r:embed="rId4">
+                    <a14:imgEffect>
+                      <a14:colorTemperature colorTemp="11200"/>
+                    </a14:imgEffect>
+                    <a14:imgEffect>
+                      <a14:brightnessContrast bright="20000" contrast="40000"/>
+                    </a14:imgEffect>
+                  </a14:imgLayer>
+                </a14:imgProps>
+              </a:ext>
+            </a:extLst>
+          </a:blip>
+          <a:srcRect b="8542"/>
+          <a:stretch/>
+        </p:blipFill>
+        <p:spPr>
+          <a:xfrm>
+            <a:off x="-263773" y="37308"/>
+            <a:ext cx="6957831" cy="6363492"/>
+          </a:xfrm>
+          <a:prstGeom prst="rect">
+            <a:avLst/>
+          </a:prstGeom>
+        </p:spPr>
+      </p:pic>
+      <p:cxnSp>
+        <p:nvCxnSpPr>
+          <p:cNvPr id="44" name="Straight Connector 43">
+            <a:extLst>
+              <a:ext uri="{FF2B5EF4-FFF2-40B4-BE49-F238E27FC236}">
+                <a16:creationId xmlns:a16="http://schemas.microsoft.com/office/drawing/2014/main" id="{FCE0A9EA-62FA-4F43-BEF6-7BBBB3F90F25}"/>
+              </a:ext>
+              <a:ext uri="{C183D7F6-B498-43B3-948B-1728B52AA6E4}">
+                <adec:decorative xmlns:adec="http://schemas.microsoft.com/office/drawing/2017/decorative" val="1"/>
+              </a:ext>
+            </a:extLst>
+          </p:cNvPr>
+          <p:cNvCxnSpPr>
+            <a:cxnSpLocks noGrp="1" noRot="1" noChangeAspect="1" noMove="1" noResize="1" noEditPoints="1" noAdjustHandles="1" noChangeArrowheads="1" noChangeShapeType="1"/>
+          </p:cNvCxnSpPr>
+          <p:nvPr>
+            <p:extLst>
+              <p:ext uri="{386F3935-93C4-4BCD-93E2-E3B085C9AB24}">
+                <p16:designElem xmlns:p16="http://schemas.microsoft.com/office/powerpoint/2015/main" val="1"/>
+              </p:ext>
+            </p:extLst>
+          </p:nvPr>
+        </p:nvCxnSpPr>
+        <p:spPr>
+          <a:xfrm>
+            <a:off x="6805053" y="4343400"/>
+            <a:ext cx="4389120" cy="0"/>
+          </a:xfrm>
+          <a:prstGeom prst="line">
+            <a:avLst/>
+          </a:prstGeom>
+          <a:ln w="6350">
+            <a:solidFill>
+              <a:schemeClr val="tx2">
+                <a:alpha val="90000"/>
+              </a:schemeClr>
+            </a:solidFill>
+          </a:ln>
+        </p:spPr>
+        <p:style>
+          <a:lnRef idx="1">
+            <a:schemeClr val="accent1"/>
+          </a:lnRef>
+          <a:fillRef idx="0">
+            <a:schemeClr val="accent1"/>
+          </a:fillRef>
+          <a:effectRef idx="0">
+            <a:schemeClr val="accent1"/>
+          </a:effectRef>
+          <a:fontRef idx="minor">
+            <a:schemeClr val="tx1"/>
+          </a:fontRef>
+        </p:style>
+      </p:cxnSp>
+      <p:sp>
+        <p:nvSpPr>
+          <p:cNvPr id="46" name="Rectangle 45">
+            <a:extLst>
+              <a:ext uri="{FF2B5EF4-FFF2-40B4-BE49-F238E27FC236}">
+                <a16:creationId xmlns:a16="http://schemas.microsoft.com/office/drawing/2014/main" id="{F936838B-2942-49A4-8369-F371A942284B}"/>
+              </a:ext>
+              <a:ext uri="{C183D7F6-B498-43B3-948B-1728B52AA6E4}">
+                <adec:decorative xmlns:adec="http://schemas.microsoft.com/office/drawing/2017/decorative" val="1"/>
+              </a:ext>
+            </a:extLst>
+          </p:cNvPr>
+          <p:cNvSpPr>
+            <a:spLocks noGrp="1" noRot="1" noChangeAspect="1" noMove="1" noResize="1" noEditPoints="1" noAdjustHandles="1" noChangeArrowheads="1" noChangeShapeType="1" noTextEdit="1"/>
+          </p:cNvSpPr>
+          <p:nvPr>
+            <p:extLst>
+              <p:ext uri="{386F3935-93C4-4BCD-93E2-E3B085C9AB24}">
+                <p16:designElem xmlns:p16="http://schemas.microsoft.com/office/powerpoint/2015/main" val="1"/>
+              </p:ext>
+            </p:extLst>
+          </p:nvPr>
+        </p:nvSpPr>
+        <p:spPr>
+          <a:xfrm>
+            <a:off x="15" y="6334316"/>
+            <a:ext cx="12191985" cy="66484"/>
+          </a:xfrm>
+          <a:prstGeom prst="rect">
+            <a:avLst/>
+          </a:prstGeom>
+          <a:solidFill>
+            <a:schemeClr val="accent1"/>
+          </a:solidFill>
+          <a:ln>
+            <a:noFill/>
+          </a:ln>
+        </p:spPr>
+        <p:style>
+          <a:lnRef idx="2">
+            <a:schemeClr val="accent1">
+              <a:shade val="50000"/>
+            </a:schemeClr>
+          </a:lnRef>
+          <a:fillRef idx="1">
+            <a:schemeClr val="accent1"/>
+          </a:fillRef>
+          <a:effectRef idx="0">
+            <a:schemeClr val="accent1"/>
+          </a:effectRef>
+          <a:fontRef idx="minor">
+            <a:schemeClr val="lt1"/>
+          </a:fontRef>
+        </p:style>
+      </p:sp>
+      <p:sp>
+        <p:nvSpPr>
+          <p:cNvPr id="48" name="Rectangle 47">
+            <a:extLst>
+              <a:ext uri="{FF2B5EF4-FFF2-40B4-BE49-F238E27FC236}">
+                <a16:creationId xmlns:a16="http://schemas.microsoft.com/office/drawing/2014/main" id="{459448C7-491D-4920-A6AA-C30F167D0980}"/>
+              </a:ext>
+              <a:ext uri="{C183D7F6-B498-43B3-948B-1728B52AA6E4}">
+                <adec:decorative xmlns:adec="http://schemas.microsoft.com/office/drawing/2017/decorative" val="1"/>
+              </a:ext>
+            </a:extLst>
+          </p:cNvPr>
+          <p:cNvSpPr>
+            <a:spLocks noGrp="1" noRot="1" noChangeAspect="1" noMove="1" noResize="1" noEditPoints="1" noAdjustHandles="1" noChangeArrowheads="1" noChangeShapeType="1" noTextEdit="1"/>
+          </p:cNvSpPr>
+          <p:nvPr>
+            <p:extLst>
+              <p:ext uri="{386F3935-93C4-4BCD-93E2-E3B085C9AB24}">
+                <p16:designElem xmlns:p16="http://schemas.microsoft.com/office/powerpoint/2015/main" val="1"/>
+              </p:ext>
+            </p:extLst>
+          </p:nvPr>
+        </p:nvSpPr>
+        <p:spPr>
+          <a:xfrm>
+            <a:off x="1" y="6400800"/>
+            <a:ext cx="12192000" cy="457200"/>
+          </a:xfrm>
+          <a:prstGeom prst="rect">
+            <a:avLst/>
+          </a:prstGeom>
+          <a:solidFill>
+            <a:schemeClr val="accent2"/>
+          </a:solidFill>
+          <a:ln>
+            <a:noFill/>
+          </a:ln>
+        </p:spPr>
+        <p:style>
+          <a:lnRef idx="2">
+            <a:schemeClr val="accent1">
+              <a:shade val="50000"/>
+            </a:schemeClr>
+          </a:lnRef>
+          <a:fillRef idx="1">
+            <a:schemeClr val="accent1"/>
+          </a:fillRef>
+          <a:effectRef idx="0">
+            <a:schemeClr val="accent1"/>
+          </a:effectRef>
+          <a:fontRef idx="minor">
+            <a:schemeClr val="lt1"/>
+          </a:fontRef>
+        </p:style>
+      </p:sp>
+    </p:spTree>
+    <p:extLst>
+      <p:ext uri="{BB962C8B-B14F-4D97-AF65-F5344CB8AC3E}">
+        <p14:creationId xmlns:p14="http://schemas.microsoft.com/office/powerpoint/2010/main" val="2565495021"/>
+      </p:ext>
+    </p:extLst>
+  </p:cSld>
+  <p:clrMapOvr>
+    <a:masterClrMapping/>
+  </p:clrMapOvr>
+</p:sld>
+</file>
+
+<file path=ppt/slides/slide13.xml><?xml version="1.0" encoding="utf-8"?>
 <p:sld xmlns:a="http://schemas.openxmlformats.org/drawingml/2006/main" xmlns:r="http://schemas.openxmlformats.org/officeDocument/2006/relationships" xmlns:p="http://schemas.openxmlformats.org/presentationml/2006/main">
   <p:cSld>
     <p:spTree>
@@ -18765,34 +17559,10 @@
       </p:grpSpPr>
       <p:sp>
         <p:nvSpPr>
-          <p:cNvPr id="2" name="Título 1"/>
-          <p:cNvSpPr>
-            <a:spLocks noGrp="1"/>
-          </p:cNvSpPr>
-          <p:nvPr>
-            <p:ph type="title"/>
-          </p:nvPr>
-        </p:nvSpPr>
-        <p:spPr/>
-        <p:txBody>
-          <a:bodyPr>
-            <a:normAutofit/>
-          </a:bodyPr>
-          <a:lstStyle/>
-          <a:p>
-            <a:r>
-              <a:rPr lang="pt-PT" sz="8800" b="1" dirty="0"/>
-              <a:t>Produto final</a:t>
-            </a:r>
-          </a:p>
-        </p:txBody>
-      </p:sp>
-      <p:sp>
-        <p:nvSpPr>
-          <p:cNvPr id="4" name="Marcador de Posição de Conteúdo 3">
+          <p:cNvPr id="2" name="Título 1">
             <a:extLst>
               <a:ext uri="{FF2B5EF4-FFF2-40B4-BE49-F238E27FC236}">
-                <a16:creationId xmlns:a16="http://schemas.microsoft.com/office/drawing/2014/main" id="{1D8321CE-169C-4B0F-AE90-274F61E43AE1}"/>
+                <a16:creationId xmlns:a16="http://schemas.microsoft.com/office/drawing/2014/main" id="{6B785DAA-B62F-4D7C-831E-B2034FB196D2}"/>
               </a:ext>
             </a:extLst>
           </p:cNvPr>
@@ -18800,7 +17570,7 @@
             <a:spLocks noGrp="1"/>
           </p:cNvSpPr>
           <p:nvPr>
-            <p:ph idx="1"/>
+            <p:ph type="title"/>
           </p:nvPr>
         </p:nvSpPr>
         <p:spPr/>
@@ -18808,14 +17578,160 @@
           <a:bodyPr/>
           <a:lstStyle/>
           <a:p>
+            <a:r>
+              <a:rPr lang="pt-PT" dirty="0"/>
+              <a:t>Padrão MVC</a:t>
+            </a:r>
+          </a:p>
+        </p:txBody>
+      </p:sp>
+      <p:sp>
+        <p:nvSpPr>
+          <p:cNvPr id="3" name="Marcador de Posição de Conteúdo 2">
+            <a:extLst>
+              <a:ext uri="{FF2B5EF4-FFF2-40B4-BE49-F238E27FC236}">
+                <a16:creationId xmlns:a16="http://schemas.microsoft.com/office/drawing/2014/main" id="{31BF5F72-0BA1-43E9-8495-C9B872509B68}"/>
+              </a:ext>
+            </a:extLst>
+          </p:cNvPr>
+          <p:cNvSpPr>
+            <a:spLocks noGrp="1"/>
+          </p:cNvSpPr>
+          <p:nvPr>
+            <p:ph idx="1"/>
+          </p:nvPr>
+        </p:nvSpPr>
+        <p:spPr/>
+        <p:txBody>
+          <a:bodyPr/>
+          <a:lstStyle/>
+          <a:p>
+            <a:r>
+              <a:rPr lang="pt-PT" b="1" i="1" dirty="0" err="1"/>
+              <a:t>Model</a:t>
+            </a:r>
+            <a:r>
+              <a:rPr lang="pt-PT" dirty="0"/>
+              <a:t> – Representa os dados que a aplicação utiliza;</a:t>
+            </a:r>
+          </a:p>
+          <a:p>
+            <a:r>
+              <a:rPr lang="pt-PT" b="1" i="1" dirty="0" err="1"/>
+              <a:t>View</a:t>
+            </a:r>
+            <a:r>
+              <a:rPr lang="pt-PT" dirty="0"/>
+              <a:t> – Representa a interface gráfica com que o utilizador interage;</a:t>
+            </a:r>
+          </a:p>
+          <a:p>
+            <a:r>
+              <a:rPr lang="pt-PT" b="1" i="1" dirty="0" err="1"/>
+              <a:t>Controller</a:t>
+            </a:r>
+            <a:r>
+              <a:rPr lang="pt-PT" dirty="0"/>
+              <a:t> – Representa a lógica aplicacional que relaciona as três áreas distintas.</a:t>
+            </a:r>
+          </a:p>
+          <a:p>
             <a:endParaRPr lang="pt-PT" dirty="0"/>
           </a:p>
         </p:txBody>
       </p:sp>
+      <p:sp>
+        <p:nvSpPr>
+          <p:cNvPr id="4" name="Marcador de Posição do Texto 3">
+            <a:extLst>
+              <a:ext uri="{FF2B5EF4-FFF2-40B4-BE49-F238E27FC236}">
+                <a16:creationId xmlns:a16="http://schemas.microsoft.com/office/drawing/2014/main" id="{53AD552F-D7AA-4AC5-A357-D974D0471596}"/>
+              </a:ext>
+            </a:extLst>
+          </p:cNvPr>
+          <p:cNvSpPr>
+            <a:spLocks noGrp="1"/>
+          </p:cNvSpPr>
+          <p:nvPr>
+            <p:ph type="body" sz="half" idx="2"/>
+          </p:nvPr>
+        </p:nvSpPr>
+        <p:spPr/>
+        <p:txBody>
+          <a:bodyPr/>
+          <a:lstStyle/>
+          <a:p>
+            <a:r>
+              <a:rPr lang="pt-PT" dirty="0"/>
+              <a:t>Arquitetura do sistema de software</a:t>
+            </a:r>
+          </a:p>
+        </p:txBody>
+      </p:sp>
+      <p:pic>
+        <p:nvPicPr>
+          <p:cNvPr id="2050" name="Picture 2">
+            <a:extLst>
+              <a:ext uri="{FF2B5EF4-FFF2-40B4-BE49-F238E27FC236}">
+                <a16:creationId xmlns:a16="http://schemas.microsoft.com/office/drawing/2014/main" id="{EF933E83-1D1B-48C3-AB8A-FDA9DDC1361D}"/>
+              </a:ext>
+            </a:extLst>
+          </p:cNvPr>
+          <p:cNvPicPr>
+            <a:picLocks noChangeAspect="1" noChangeArrowheads="1"/>
+          </p:cNvPicPr>
+          <p:nvPr/>
+        </p:nvPicPr>
+        <p:blipFill>
+          <a:blip r:embed="rId3">
+            <a:extLst>
+              <a:ext uri="{28A0092B-C50C-407E-A947-70E740481C1C}">
+                <a14:useLocalDpi xmlns:a14="http://schemas.microsoft.com/office/drawing/2010/main" val="0"/>
+              </a:ext>
+            </a:extLst>
+          </a:blip>
+          <a:srcRect/>
+          <a:stretch>
+            <a:fillRect/>
+          </a:stretch>
+        </p:blipFill>
+        <p:spPr bwMode="auto">
+          <a:xfrm>
+            <a:off x="5130800" y="2801570"/>
+            <a:ext cx="5708650" cy="3324910"/>
+          </a:xfrm>
+          <a:prstGeom prst="rect">
+            <a:avLst/>
+          </a:prstGeom>
+          <a:noFill/>
+          <a:ln>
+            <a:noFill/>
+          </a:ln>
+          <a:extLst>
+            <a:ext uri="{909E8E84-426E-40DD-AFC4-6F175D3DCCD1}">
+              <a14:hiddenFill xmlns:a14="http://schemas.microsoft.com/office/drawing/2010/main">
+                <a:solidFill>
+                  <a:srgbClr val="FFFFFF"/>
+                </a:solidFill>
+              </a14:hiddenFill>
+            </a:ext>
+            <a:ext uri="{91240B29-F687-4F45-9708-019B960494DF}">
+              <a14:hiddenLine xmlns:a14="http://schemas.microsoft.com/office/drawing/2010/main" w="9525">
+                <a:solidFill>
+                  <a:srgbClr val="000000"/>
+                </a:solidFill>
+                <a:miter lim="800000"/>
+                <a:headEnd/>
+                <a:tailEnd/>
+              </a14:hiddenLine>
+            </a:ext>
+          </a:extLst>
+        </p:spPr>
+      </p:pic>
     </p:spTree>
     <p:extLst>
       <p:ext uri="{BB962C8B-B14F-4D97-AF65-F5344CB8AC3E}">
-        <p14:creationId xmlns:p14="http://schemas.microsoft.com/office/powerpoint/2010/main" val="371475348"/>
+        <p14:creationId xmlns:p14="http://schemas.microsoft.com/office/powerpoint/2010/main" val="71387494"/>
       </p:ext>
     </p:extLst>
   </p:cSld>
@@ -18825,9 +17741,17 @@
 </p:sld>
 </file>
 
-<file path=ppt/slides/slide16.xml><?xml version="1.0" encoding="utf-8"?>
+<file path=ppt/slides/slide14.xml><?xml version="1.0" encoding="utf-8"?>
 <p:sld xmlns:a="http://schemas.openxmlformats.org/drawingml/2006/main" xmlns:r="http://schemas.openxmlformats.org/officeDocument/2006/relationships" xmlns:p="http://schemas.openxmlformats.org/presentationml/2006/main">
   <p:cSld>
+    <p:bg>
+      <p:bgPr>
+        <a:solidFill>
+          <a:schemeClr val="bg1"/>
+        </a:solidFill>
+        <a:effectLst/>
+      </p:bgPr>
+    </p:bg>
     <p:spTree>
       <p:nvGrpSpPr>
         <p:cNvPr id="1" name=""/>
@@ -18844,6 +17768,286 @@
       </p:grpSpPr>
       <p:sp>
         <p:nvSpPr>
+          <p:cNvPr id="141" name="Rectangle 140">
+            <a:extLst>
+              <a:ext uri="{FF2B5EF4-FFF2-40B4-BE49-F238E27FC236}">
+                <a16:creationId xmlns:a16="http://schemas.microsoft.com/office/drawing/2014/main" id="{F240A2FC-E2C3-458D-96B4-5DF9028D93A5}"/>
+              </a:ext>
+              <a:ext uri="{C183D7F6-B498-43B3-948B-1728B52AA6E4}">
+                <adec:decorative xmlns:adec="http://schemas.microsoft.com/office/drawing/2017/decorative" val="1"/>
+              </a:ext>
+            </a:extLst>
+          </p:cNvPr>
+          <p:cNvSpPr>
+            <a:spLocks noGrp="1" noRot="1" noChangeAspect="1" noMove="1" noResize="1" noEditPoints="1" noAdjustHandles="1" noChangeArrowheads="1" noChangeShapeType="1" noTextEdit="1"/>
+          </p:cNvSpPr>
+          <p:nvPr>
+            <p:extLst>
+              <p:ext uri="{386F3935-93C4-4BCD-93E2-E3B085C9AB24}">
+                <p16:designElem xmlns:p16="http://schemas.microsoft.com/office/powerpoint/2015/main" val="1"/>
+              </p:ext>
+            </p:extLst>
+          </p:nvPr>
+        </p:nvSpPr>
+        <p:spPr>
+          <a:xfrm>
+            <a:off x="1" y="6400800"/>
+            <a:ext cx="12192000" cy="457200"/>
+          </a:xfrm>
+          <a:prstGeom prst="rect">
+            <a:avLst/>
+          </a:prstGeom>
+          <a:solidFill>
+            <a:schemeClr val="accent2"/>
+          </a:solidFill>
+          <a:ln>
+            <a:noFill/>
+          </a:ln>
+        </p:spPr>
+        <p:style>
+          <a:lnRef idx="2">
+            <a:schemeClr val="accent1">
+              <a:shade val="50000"/>
+            </a:schemeClr>
+          </a:lnRef>
+          <a:fillRef idx="1">
+            <a:schemeClr val="accent1"/>
+          </a:fillRef>
+          <a:effectRef idx="0">
+            <a:schemeClr val="accent1"/>
+          </a:effectRef>
+          <a:fontRef idx="minor">
+            <a:schemeClr val="lt1"/>
+          </a:fontRef>
+        </p:style>
+      </p:sp>
+      <p:sp>
+        <p:nvSpPr>
+          <p:cNvPr id="143" name="Rectangle 142">
+            <a:extLst>
+              <a:ext uri="{FF2B5EF4-FFF2-40B4-BE49-F238E27FC236}">
+                <a16:creationId xmlns:a16="http://schemas.microsoft.com/office/drawing/2014/main" id="{5F097929-F3D6-4D1F-8AFC-CF348171A9E1}"/>
+              </a:ext>
+              <a:ext uri="{C183D7F6-B498-43B3-948B-1728B52AA6E4}">
+                <adec:decorative xmlns:adec="http://schemas.microsoft.com/office/drawing/2017/decorative" val="1"/>
+              </a:ext>
+            </a:extLst>
+          </p:cNvPr>
+          <p:cNvSpPr>
+            <a:spLocks noGrp="1" noRot="1" noChangeAspect="1" noMove="1" noResize="1" noEditPoints="1" noAdjustHandles="1" noChangeArrowheads="1" noChangeShapeType="1" noTextEdit="1"/>
+          </p:cNvSpPr>
+          <p:nvPr>
+            <p:extLst>
+              <p:ext uri="{386F3935-93C4-4BCD-93E2-E3B085C9AB24}">
+                <p16:designElem xmlns:p16="http://schemas.microsoft.com/office/powerpoint/2015/main" val="1"/>
+              </p:ext>
+            </p:extLst>
+          </p:nvPr>
+        </p:nvSpPr>
+        <p:spPr>
+          <a:xfrm>
+            <a:off x="1" y="6334316"/>
+            <a:ext cx="12192000" cy="66484"/>
+          </a:xfrm>
+          <a:prstGeom prst="rect">
+            <a:avLst/>
+          </a:prstGeom>
+          <a:solidFill>
+            <a:schemeClr val="accent1"/>
+          </a:solidFill>
+          <a:ln>
+            <a:noFill/>
+          </a:ln>
+        </p:spPr>
+        <p:style>
+          <a:lnRef idx="2">
+            <a:schemeClr val="accent1">
+              <a:shade val="50000"/>
+            </a:schemeClr>
+          </a:lnRef>
+          <a:fillRef idx="1">
+            <a:schemeClr val="accent1"/>
+          </a:fillRef>
+          <a:effectRef idx="0">
+            <a:schemeClr val="accent1"/>
+          </a:effectRef>
+          <a:fontRef idx="minor">
+            <a:schemeClr val="lt1"/>
+          </a:fontRef>
+        </p:style>
+      </p:sp>
+      <p:cxnSp>
+        <p:nvCxnSpPr>
+          <p:cNvPr id="145" name="Straight Connector 144">
+            <a:extLst>
+              <a:ext uri="{FF2B5EF4-FFF2-40B4-BE49-F238E27FC236}">
+                <a16:creationId xmlns:a16="http://schemas.microsoft.com/office/drawing/2014/main" id="{43074C91-9045-414B-B5F9-567DAE3EED25}"/>
+              </a:ext>
+              <a:ext uri="{C183D7F6-B498-43B3-948B-1728B52AA6E4}">
+                <adec:decorative xmlns:adec="http://schemas.microsoft.com/office/drawing/2017/decorative" val="1"/>
+              </a:ext>
+            </a:extLst>
+          </p:cNvPr>
+          <p:cNvCxnSpPr>
+            <a:cxnSpLocks noGrp="1" noRot="1" noChangeAspect="1" noMove="1" noResize="1" noEditPoints="1" noAdjustHandles="1" noChangeArrowheads="1" noChangeShapeType="1"/>
+          </p:cNvCxnSpPr>
+          <p:nvPr>
+            <p:extLst>
+              <p:ext uri="{386F3935-93C4-4BCD-93E2-E3B085C9AB24}">
+                <p16:designElem xmlns:p16="http://schemas.microsoft.com/office/powerpoint/2015/main" val="1"/>
+              </p:ext>
+            </p:extLst>
+          </p:nvPr>
+        </p:nvCxnSpPr>
+        <p:spPr>
+          <a:xfrm>
+            <a:off x="1207658" y="4343400"/>
+            <a:ext cx="9875520" cy="0"/>
+          </a:xfrm>
+          <a:prstGeom prst="line">
+            <a:avLst/>
+          </a:prstGeom>
+          <a:ln w="6350">
+            <a:solidFill>
+              <a:schemeClr val="tx1">
+                <a:lumMod val="50000"/>
+                <a:lumOff val="50000"/>
+              </a:schemeClr>
+            </a:solidFill>
+          </a:ln>
+        </p:spPr>
+        <p:style>
+          <a:lnRef idx="1">
+            <a:schemeClr val="accent1"/>
+          </a:lnRef>
+          <a:fillRef idx="0">
+            <a:schemeClr val="accent1"/>
+          </a:fillRef>
+          <a:effectRef idx="0">
+            <a:schemeClr val="accent1"/>
+          </a:effectRef>
+          <a:fontRef idx="minor">
+            <a:schemeClr val="tx1"/>
+          </a:fontRef>
+        </p:style>
+      </p:cxnSp>
+      <p:sp useBgFill="1">
+        <p:nvSpPr>
+          <p:cNvPr id="147" name="Rectangle 146">
+            <a:extLst>
+              <a:ext uri="{FF2B5EF4-FFF2-40B4-BE49-F238E27FC236}">
+                <a16:creationId xmlns:a16="http://schemas.microsoft.com/office/drawing/2014/main" id="{990BAFCD-EA0A-47F4-8B00-AAB1E67A90CC}"/>
+              </a:ext>
+              <a:ext uri="{C183D7F6-B498-43B3-948B-1728B52AA6E4}">
+                <adec:decorative xmlns:adec="http://schemas.microsoft.com/office/drawing/2017/decorative" val="1"/>
+              </a:ext>
+            </a:extLst>
+          </p:cNvPr>
+          <p:cNvSpPr>
+            <a:spLocks noGrp="1" noRot="1" noChangeAspect="1" noMove="1" noResize="1" noEditPoints="1" noAdjustHandles="1" noChangeArrowheads="1" noChangeShapeType="1" noTextEdit="1"/>
+          </p:cNvSpPr>
+          <p:nvPr>
+            <p:extLst>
+              <p:ext uri="{386F3935-93C4-4BCD-93E2-E3B085C9AB24}">
+                <p16:designElem xmlns:p16="http://schemas.microsoft.com/office/powerpoint/2015/main" val="1"/>
+              </p:ext>
+            </p:extLst>
+          </p:nvPr>
+        </p:nvSpPr>
+        <p:spPr>
+          <a:xfrm>
+            <a:off x="0" y="0"/>
+            <a:ext cx="12192001" cy="4904190"/>
+          </a:xfrm>
+          <a:prstGeom prst="rect">
+            <a:avLst/>
+          </a:prstGeom>
+          <a:ln>
+            <a:noFill/>
+          </a:ln>
+        </p:spPr>
+        <p:style>
+          <a:lnRef idx="2">
+            <a:schemeClr val="accent1">
+              <a:shade val="50000"/>
+            </a:schemeClr>
+          </a:lnRef>
+          <a:fillRef idx="1">
+            <a:schemeClr val="accent1"/>
+          </a:fillRef>
+          <a:effectRef idx="0">
+            <a:schemeClr val="accent1"/>
+          </a:effectRef>
+          <a:fontRef idx="minor">
+            <a:schemeClr val="lt1"/>
+          </a:fontRef>
+        </p:style>
+        <p:txBody>
+          <a:bodyPr rtlCol="0" anchor="ctr"/>
+          <a:lstStyle/>
+          <a:p>
+            <a:pPr algn="ctr"/>
+            <a:endParaRPr lang="en-US"/>
+          </a:p>
+        </p:txBody>
+      </p:sp>
+      <p:sp>
+        <p:nvSpPr>
+          <p:cNvPr id="149" name="Rectangle 148">
+            <a:extLst>
+              <a:ext uri="{FF2B5EF4-FFF2-40B4-BE49-F238E27FC236}">
+                <a16:creationId xmlns:a16="http://schemas.microsoft.com/office/drawing/2014/main" id="{621D8EC4-8163-48C9-89D6-8555E98AB9A8}"/>
+              </a:ext>
+              <a:ext uri="{C183D7F6-B498-43B3-948B-1728B52AA6E4}">
+                <adec:decorative xmlns:adec="http://schemas.microsoft.com/office/drawing/2017/decorative" val="1"/>
+              </a:ext>
+            </a:extLst>
+          </p:cNvPr>
+          <p:cNvSpPr>
+            <a:spLocks noGrp="1" noRot="1" noChangeAspect="1" noMove="1" noResize="1" noEditPoints="1" noAdjustHandles="1" noChangeArrowheads="1" noChangeShapeType="1" noTextEdit="1"/>
+          </p:cNvSpPr>
+          <p:nvPr>
+            <p:extLst>
+              <p:ext uri="{386F3935-93C4-4BCD-93E2-E3B085C9AB24}">
+                <p16:designElem xmlns:p16="http://schemas.microsoft.com/office/powerpoint/2015/main" val="1"/>
+              </p:ext>
+            </p:extLst>
+          </p:nvPr>
+        </p:nvSpPr>
+        <p:spPr bwMode="white">
+          <a:xfrm>
+            <a:off x="1507" y="4953000"/>
+            <a:ext cx="12188952" cy="1905000"/>
+          </a:xfrm>
+          <a:prstGeom prst="rect">
+            <a:avLst/>
+          </a:prstGeom>
+          <a:solidFill>
+            <a:schemeClr val="accent2"/>
+          </a:solidFill>
+          <a:ln>
+            <a:noFill/>
+          </a:ln>
+        </p:spPr>
+        <p:style>
+          <a:lnRef idx="2">
+            <a:schemeClr val="accent1">
+              <a:shade val="50000"/>
+            </a:schemeClr>
+          </a:lnRef>
+          <a:fillRef idx="1">
+            <a:schemeClr val="accent1"/>
+          </a:fillRef>
+          <a:effectRef idx="0">
+            <a:schemeClr val="accent1"/>
+          </a:effectRef>
+          <a:fontRef idx="minor">
+            <a:schemeClr val="lt1"/>
+          </a:fontRef>
+        </p:style>
+      </p:sp>
+      <p:sp>
+        <p:nvSpPr>
           <p:cNvPr id="2" name="Título 1">
             <a:extLst>
               <a:ext uri="{FF2B5EF4-FFF2-40B4-BE49-F238E27FC236}">
@@ -18860,61 +18064,159 @@
         </p:nvSpPr>
         <p:spPr>
           <a:xfrm>
-            <a:off x="457200" y="1523747"/>
-            <a:ext cx="3200400" cy="2286000"/>
+            <a:off x="1065197" y="5120640"/>
+            <a:ext cx="10058400" cy="822960"/>
           </a:xfrm>
         </p:spPr>
         <p:txBody>
-          <a:bodyPr/>
+          <a:bodyPr vert="horz" lIns="91440" tIns="45720" rIns="91440" bIns="45720" rtlCol="0" anchor="b">
+            <a:normAutofit/>
+          </a:bodyPr>
           <a:lstStyle/>
           <a:p>
             <a:r>
-              <a:rPr lang="pt-PT" dirty="0"/>
-              <a:t>Conclusões e Trabalho Futuro</a:t>
-            </a:r>
+              <a:rPr lang="en-US" dirty="0" err="1"/>
+              <a:t>Conclusões</a:t>
+            </a:r>
+            <a:r>
+              <a:rPr lang="en-US" dirty="0"/>
+              <a:t> e </a:t>
+            </a:r>
+            <a:r>
+              <a:rPr lang="en-US" dirty="0" err="1"/>
+              <a:t>Trabalho</a:t>
+            </a:r>
+            <a:r>
+              <a:rPr lang="en-US" dirty="0"/>
+              <a:t> </a:t>
+            </a:r>
+            <a:r>
+              <a:rPr lang="en-US" dirty="0" err="1"/>
+              <a:t>Futuro</a:t>
+            </a:r>
+            <a:endParaRPr lang="en-US" dirty="0"/>
           </a:p>
         </p:txBody>
+      </p:sp>
+      <p:sp>
+        <p:nvSpPr>
+          <p:cNvPr id="151" name="Rectangle 150">
+            <a:extLst>
+              <a:ext uri="{FF2B5EF4-FFF2-40B4-BE49-F238E27FC236}">
+                <a16:creationId xmlns:a16="http://schemas.microsoft.com/office/drawing/2014/main" id="{7B7C6C2A-33C4-4D5D-8EB1-A8803DCB7566}"/>
+              </a:ext>
+              <a:ext uri="{C183D7F6-B498-43B3-948B-1728B52AA6E4}">
+                <adec:decorative xmlns:adec="http://schemas.microsoft.com/office/drawing/2017/decorative" val="1"/>
+              </a:ext>
+            </a:extLst>
+          </p:cNvPr>
+          <p:cNvSpPr>
+            <a:spLocks noGrp="1" noRot="1" noChangeAspect="1" noMove="1" noResize="1" noEditPoints="1" noAdjustHandles="1" noChangeArrowheads="1" noChangeShapeType="1" noTextEdit="1"/>
+          </p:cNvSpPr>
+          <p:nvPr>
+            <p:extLst>
+              <p:ext uri="{386F3935-93C4-4BCD-93E2-E3B085C9AB24}">
+                <p16:designElem xmlns:p16="http://schemas.microsoft.com/office/powerpoint/2015/main" val="1"/>
+              </p:ext>
+            </p:extLst>
+          </p:nvPr>
+        </p:nvSpPr>
+        <p:spPr>
+          <a:xfrm>
+            <a:off x="1507" y="4906176"/>
+            <a:ext cx="12188952" cy="64008"/>
+          </a:xfrm>
+          <a:prstGeom prst="rect">
+            <a:avLst/>
+          </a:prstGeom>
+          <a:solidFill>
+            <a:schemeClr val="accent1"/>
+          </a:solidFill>
+          <a:ln>
+            <a:noFill/>
+          </a:ln>
+        </p:spPr>
+        <p:style>
+          <a:lnRef idx="2">
+            <a:schemeClr val="accent1">
+              <a:shade val="50000"/>
+            </a:schemeClr>
+          </a:lnRef>
+          <a:fillRef idx="1">
+            <a:schemeClr val="accent1"/>
+          </a:fillRef>
+          <a:effectRef idx="0">
+            <a:schemeClr val="accent1"/>
+          </a:effectRef>
+          <a:fontRef idx="minor">
+            <a:schemeClr val="lt1"/>
+          </a:fontRef>
+        </p:style>
       </p:sp>
       <p:pic>
         <p:nvPicPr>
-          <p:cNvPr id="5" name="Marcador de Posição de Conteúdo 4" descr="Uma imagem com gráficos de vetor, texto&#10;&#10;Descrição gerada com confiança alta">
+          <p:cNvPr id="1034" name="Picture 10" descr="Imagem relacionada">
             <a:extLst>
               <a:ext uri="{FF2B5EF4-FFF2-40B4-BE49-F238E27FC236}">
-                <a16:creationId xmlns:a16="http://schemas.microsoft.com/office/drawing/2014/main" id="{9333E5E9-2CB7-4487-ADCD-046BA6081F03}"/>
+                <a16:creationId xmlns:a16="http://schemas.microsoft.com/office/drawing/2014/main" id="{5A0EA13A-F2DC-4E26-BF3E-445F390513CE}"/>
               </a:ext>
             </a:extLst>
           </p:cNvPr>
           <p:cNvPicPr>
-            <a:picLocks noGrp="1" noChangeAspect="1"/>
+            <a:picLocks noChangeAspect="1" noChangeArrowheads="1"/>
           </p:cNvPicPr>
-          <p:nvPr>
-            <p:ph idx="1"/>
-          </p:nvPr>
+          <p:nvPr/>
         </p:nvPicPr>
         <p:blipFill>
           <a:blip r:embed="rId3">
-            <a:grayscl/>
             <a:extLst>
               <a:ext uri="{BEBA8EAE-BF5A-486C-A8C5-ECC9F3942E4B}">
                 <a14:imgProps xmlns:a14="http://schemas.microsoft.com/office/drawing/2010/main">
                   <a14:imgLayer r:embed="rId4">
                     <a14:imgEffect>
-                      <a14:brightnessContrast bright="20000" contrast="40000"/>
+                      <a14:backgroundRemoval t="9964" b="93659" l="10000" r="90000">
+                        <a14:foregroundMark x1="42560" y1="51993" x2="42560" y2="51993"/>
+                        <a14:foregroundMark x1="44880" y1="63587" x2="44880" y2="63587"/>
+                        <a14:foregroundMark x1="43520" y1="63587" x2="43520" y2="63587"/>
+                        <a14:foregroundMark x1="59280" y1="65942" x2="59280" y2="65942"/>
+                        <a14:foregroundMark x1="54880" y1="75000" x2="54880" y2="75000"/>
+                        <a14:foregroundMark x1="54480" y1="36957" x2="54480" y2="36957"/>
+                        <a14:foregroundMark x1="57200" y1="47464" x2="57200" y2="47464"/>
+                        <a14:foregroundMark x1="41920" y1="90399" x2="41920" y2="90399"/>
+                        <a14:foregroundMark x1="39920" y1="93659" x2="39920" y2="93659"/>
+                      </a14:backgroundRemoval>
                     </a14:imgEffect>
                   </a14:imgLayer>
                 </a14:imgProps>
               </a:ext>
+              <a:ext uri="{28A0092B-C50C-407E-A947-70E740481C1C}">
+                <a14:useLocalDpi xmlns:a14="http://schemas.microsoft.com/office/drawing/2010/main" val="0"/>
+              </a:ext>
             </a:extLst>
           </a:blip>
+          <a:srcRect/>
           <a:stretch>
             <a:fillRect/>
           </a:stretch>
         </p:blipFill>
-        <p:spPr>
+        <p:spPr bwMode="auto">
           <a:xfrm>
-            <a:off x="4097215" y="-565638"/>
-            <a:ext cx="8094785" cy="8094785"/>
+            <a:off x="-144417" y="-527324"/>
+            <a:ext cx="12334876" cy="5447082"/>
           </a:xfrm>
+          <a:prstGeom prst="rect">
+            <a:avLst/>
+          </a:prstGeom>
+          <a:noFill/>
+          <a:extLst>
+            <a:ext uri="{909E8E84-426E-40DD-AFC4-6F175D3DCCD1}">
+              <a14:hiddenFill xmlns:a14="http://schemas.microsoft.com/office/drawing/2010/main">
+                <a:solidFill>
+                  <a:srgbClr val="FFFFFF"/>
+                </a:solidFill>
+              </a14:hiddenFill>
+            </a:ext>
+          </a:extLst>
         </p:spPr>
       </p:pic>
     </p:spTree>
@@ -18930,7 +18232,7 @@
 </p:sld>
 </file>
 
-<file path=ppt/slides/slide17.xml><?xml version="1.0" encoding="utf-8"?>
+<file path=ppt/slides/slide15.xml><?xml version="1.0" encoding="utf-8"?>
 <p:sld xmlns:a="http://schemas.openxmlformats.org/drawingml/2006/main" xmlns:r="http://schemas.openxmlformats.org/officeDocument/2006/relationships" xmlns:p="http://schemas.openxmlformats.org/presentationml/2006/main">
   <p:cSld>
     <p:spTree>
@@ -19609,26 +18911,15 @@
           <a:p>
             <a:pPr lvl="1"/>
             <a:r>
-              <a:rPr lang="pt-PT" sz="2400"/>
-              <a:t>Modelo </a:t>
-            </a:r>
-            <a:r>
               <a:rPr lang="pt-PT" sz="2400" dirty="0"/>
-              <a:t>do Domínio</a:t>
+              <a:t>Modelo do Domínio</a:t>
             </a:r>
           </a:p>
           <a:p>
             <a:pPr lvl="1"/>
             <a:r>
               <a:rPr lang="pt-PT" sz="2400" dirty="0"/>
-              <a:t>Use Case – Requisitar Serviço</a:t>
-            </a:r>
-          </a:p>
-          <a:p>
-            <a:pPr lvl="2"/>
-            <a:r>
-              <a:rPr lang="pt-PT" sz="1900" dirty="0"/>
-              <a:t>Diagrama geral</a:t>
+              <a:t>Requisitar Serviço</a:t>
             </a:r>
           </a:p>
           <a:p>
@@ -19642,26 +18933,15 @@
             <a:pPr lvl="2"/>
             <a:r>
               <a:rPr lang="pt-PT" sz="1900" dirty="0"/>
-              <a:t>Diagrama de atividades</a:t>
+              <a:t>Diagrama de sequencia</a:t>
             </a:r>
           </a:p>
           <a:p>
             <a:pPr lvl="2"/>
             <a:r>
-              <a:rPr lang="pt-PT" sz="1900" dirty="0" err="1"/>
-              <a:t>Mockup</a:t>
-            </a:r>
-            <a:endParaRPr lang="pt-PT" sz="1900" dirty="0"/>
-          </a:p>
-          <a:p>
-            <a:pPr lvl="2"/>
-            <a:r>
               <a:rPr lang="pt-PT" sz="1900" dirty="0"/>
-              <a:t>Interface Final</a:t>
-            </a:r>
-          </a:p>
-          <a:p>
-            <a:pPr lvl="2"/>
+              <a:t>Diagrama de atividade</a:t>
+            </a:r>
             <a:endParaRPr lang="pt-PT" sz="1800" dirty="0"/>
           </a:p>
         </p:txBody>
@@ -19977,13 +19257,6 @@
             <a:pPr lvl="1"/>
             <a:r>
               <a:rPr lang="pt-PT" sz="2400" dirty="0"/>
-              <a:t>Diagrama de classes</a:t>
-            </a:r>
-          </a:p>
-          <a:p>
-            <a:pPr lvl="1"/>
-            <a:r>
-              <a:rPr lang="pt-PT" sz="2400" dirty="0"/>
               <a:t>Base de Dados</a:t>
             </a:r>
           </a:p>
@@ -19998,7 +19271,14 @@
             <a:pPr lvl="1"/>
             <a:r>
               <a:rPr lang="pt-PT" sz="2400" dirty="0"/>
-              <a:t>Produto Final</a:t>
+              <a:t>Implementação</a:t>
+            </a:r>
+          </a:p>
+          <a:p>
+            <a:pPr lvl="2"/>
+            <a:r>
+              <a:rPr lang="pt-PT" sz="2000" dirty="0"/>
+              <a:t>Padrão MVC</a:t>
             </a:r>
           </a:p>
           <a:p>
@@ -20051,13 +19331,252 @@
       </p:grpSpPr>
       <p:sp>
         <p:nvSpPr>
-          <p:cNvPr id="45" name="Rectangle 44">
+          <p:cNvPr id="12" name="Rectangle 11">
             <a:extLst>
               <a:ext uri="{FF2B5EF4-FFF2-40B4-BE49-F238E27FC236}">
-                <a16:creationId xmlns:a16="http://schemas.microsoft.com/office/drawing/2014/main" id="{F240A2FC-E2C3-458D-96B4-5DF9028D93A5}"/>
+                <a16:creationId xmlns:a16="http://schemas.microsoft.com/office/drawing/2014/main" id="{7DE3B1B8-DC38-48E8-8C31-EF790659B582}"/>
               </a:ext>
-              <a:ext uri="{C183D7F6-B498-43B3-948B-1728B52AA6E4}">
-                <adec:decorative xmlns:adec="http://schemas.microsoft.com/office/drawing/2017/decorative" val="1"/>
+            </a:extLst>
+          </p:cNvPr>
+          <p:cNvSpPr>
+            <a:spLocks noGrp="1" noRot="1" noChangeAspect="1" noMove="1" noResize="1" noEditPoints="1" noAdjustHandles="1" noChangeArrowheads="1" noChangeShapeType="1" noTextEdit="1"/>
+          </p:cNvSpPr>
+          <p:nvPr>
+            <p:extLst>
+              <p:ext uri="{386F3935-93C4-4BCD-93E2-E3B085C9AB24}">
+                <p16:designElem xmlns:p16="http://schemas.microsoft.com/office/powerpoint/2015/main" val="1"/>
+              </p:ext>
+            </p:extLst>
+          </p:nvPr>
+        </p:nvSpPr>
+        <p:spPr>
+          <a:xfrm>
+            <a:off x="3175" y="6400800"/>
+            <a:ext cx="12188825" cy="457200"/>
+          </a:xfrm>
+          <a:prstGeom prst="rect">
+            <a:avLst/>
+          </a:prstGeom>
+          <a:solidFill>
+            <a:schemeClr val="accent2"/>
+          </a:solidFill>
+          <a:ln>
+            <a:noFill/>
+          </a:ln>
+        </p:spPr>
+        <p:style>
+          <a:lnRef idx="2">
+            <a:schemeClr val="accent1">
+              <a:shade val="50000"/>
+            </a:schemeClr>
+          </a:lnRef>
+          <a:fillRef idx="1">
+            <a:schemeClr val="accent1"/>
+          </a:fillRef>
+          <a:effectRef idx="0">
+            <a:schemeClr val="accent1"/>
+          </a:effectRef>
+          <a:fontRef idx="minor">
+            <a:schemeClr val="lt1"/>
+          </a:fontRef>
+        </p:style>
+      </p:sp>
+      <p:sp>
+        <p:nvSpPr>
+          <p:cNvPr id="14" name="Rectangle 13">
+            <a:extLst>
+              <a:ext uri="{FF2B5EF4-FFF2-40B4-BE49-F238E27FC236}">
+                <a16:creationId xmlns:a16="http://schemas.microsoft.com/office/drawing/2014/main" id="{9E63FFFE-1DB2-4A0F-B495-35782F162299}"/>
+              </a:ext>
+            </a:extLst>
+          </p:cNvPr>
+          <p:cNvSpPr>
+            <a:spLocks noGrp="1" noRot="1" noChangeAspect="1" noMove="1" noResize="1" noEditPoints="1" noAdjustHandles="1" noChangeArrowheads="1" noChangeShapeType="1" noTextEdit="1"/>
+          </p:cNvSpPr>
+          <p:nvPr>
+            <p:extLst>
+              <p:ext uri="{386F3935-93C4-4BCD-93E2-E3B085C9AB24}">
+                <p16:designElem xmlns:p16="http://schemas.microsoft.com/office/powerpoint/2015/main" val="1"/>
+              </p:ext>
+            </p:extLst>
+          </p:nvPr>
+        </p:nvSpPr>
+        <p:spPr>
+          <a:xfrm>
+            <a:off x="15" y="6334316"/>
+            <a:ext cx="12188825" cy="64008"/>
+          </a:xfrm>
+          <a:prstGeom prst="rect">
+            <a:avLst/>
+          </a:prstGeom>
+          <a:solidFill>
+            <a:schemeClr val="accent1"/>
+          </a:solidFill>
+          <a:ln>
+            <a:noFill/>
+          </a:ln>
+        </p:spPr>
+        <p:style>
+          <a:lnRef idx="2">
+            <a:schemeClr val="accent1">
+              <a:shade val="50000"/>
+            </a:schemeClr>
+          </a:lnRef>
+          <a:fillRef idx="1">
+            <a:schemeClr val="accent1"/>
+          </a:fillRef>
+          <a:effectRef idx="0">
+            <a:schemeClr val="accent1"/>
+          </a:effectRef>
+          <a:fontRef idx="minor">
+            <a:schemeClr val="lt1"/>
+          </a:fontRef>
+        </p:style>
+      </p:sp>
+      <p:cxnSp>
+        <p:nvCxnSpPr>
+          <p:cNvPr id="16" name="Straight Connector 15">
+            <a:extLst>
+              <a:ext uri="{FF2B5EF4-FFF2-40B4-BE49-F238E27FC236}">
+                <a16:creationId xmlns:a16="http://schemas.microsoft.com/office/drawing/2014/main" id="{32BB9A07-8AB8-4D82-B3BC-B500DDEC79A1}"/>
+              </a:ext>
+            </a:extLst>
+          </p:cNvPr>
+          <p:cNvCxnSpPr>
+            <a:cxnSpLocks noGrp="1" noRot="1" noChangeAspect="1" noMove="1" noResize="1" noEditPoints="1" noAdjustHandles="1" noChangeArrowheads="1" noChangeShapeType="1"/>
+          </p:cNvCxnSpPr>
+          <p:nvPr>
+            <p:extLst>
+              <p:ext uri="{386F3935-93C4-4BCD-93E2-E3B085C9AB24}">
+                <p16:designElem xmlns:p16="http://schemas.microsoft.com/office/powerpoint/2015/main" val="1"/>
+              </p:ext>
+            </p:extLst>
+          </p:nvPr>
+        </p:nvCxnSpPr>
+        <p:spPr>
+          <a:xfrm>
+            <a:off x="1193532" y="1737845"/>
+            <a:ext cx="9966960" cy="0"/>
+          </a:xfrm>
+          <a:prstGeom prst="line">
+            <a:avLst/>
+          </a:prstGeom>
+          <a:ln w="6350">
+            <a:solidFill>
+              <a:schemeClr val="tx1">
+                <a:lumMod val="50000"/>
+                <a:lumOff val="50000"/>
+              </a:schemeClr>
+            </a:solidFill>
+          </a:ln>
+        </p:spPr>
+        <p:style>
+          <a:lnRef idx="1">
+            <a:schemeClr val="accent1"/>
+          </a:lnRef>
+          <a:fillRef idx="0">
+            <a:schemeClr val="accent1"/>
+          </a:fillRef>
+          <a:effectRef idx="0">
+            <a:schemeClr val="accent1"/>
+          </a:effectRef>
+          <a:fontRef idx="minor">
+            <a:schemeClr val="tx1"/>
+          </a:fontRef>
+        </p:style>
+      </p:cxnSp>
+      <p:sp useBgFill="1">
+        <p:nvSpPr>
+          <p:cNvPr id="18" name="Rectangle 17">
+            <a:extLst>
+              <a:ext uri="{FF2B5EF4-FFF2-40B4-BE49-F238E27FC236}">
+                <a16:creationId xmlns:a16="http://schemas.microsoft.com/office/drawing/2014/main" id="{80861964-D86C-4A50-8F6D-B466384A61B1}"/>
+              </a:ext>
+            </a:extLst>
+          </p:cNvPr>
+          <p:cNvSpPr>
+            <a:spLocks noGrp="1" noRot="1" noChangeAspect="1" noMove="1" noResize="1" noEditPoints="1" noAdjustHandles="1" noChangeArrowheads="1" noChangeShapeType="1" noTextEdit="1"/>
+          </p:cNvSpPr>
+          <p:nvPr>
+            <p:extLst>
+              <p:ext uri="{386F3935-93C4-4BCD-93E2-E3B085C9AB24}">
+                <p16:designElem xmlns:p16="http://schemas.microsoft.com/office/powerpoint/2015/main" val="1"/>
+              </p:ext>
+            </p:extLst>
+          </p:nvPr>
+        </p:nvSpPr>
+        <p:spPr>
+          <a:xfrm>
+            <a:off x="0" y="0"/>
+            <a:ext cx="12192001" cy="6334316"/>
+          </a:xfrm>
+          <a:prstGeom prst="rect">
+            <a:avLst/>
+          </a:prstGeom>
+          <a:ln>
+            <a:noFill/>
+          </a:ln>
+        </p:spPr>
+        <p:style>
+          <a:lnRef idx="2">
+            <a:schemeClr val="accent1">
+              <a:shade val="50000"/>
+            </a:schemeClr>
+          </a:lnRef>
+          <a:fillRef idx="1">
+            <a:schemeClr val="accent1"/>
+          </a:fillRef>
+          <a:effectRef idx="0">
+            <a:schemeClr val="accent1"/>
+          </a:effectRef>
+          <a:fontRef idx="minor">
+            <a:schemeClr val="lt1"/>
+          </a:fontRef>
+        </p:style>
+        <p:txBody>
+          <a:bodyPr rtlCol="0" anchor="ctr"/>
+          <a:lstStyle/>
+          <a:p>
+            <a:pPr marL="0" marR="0" lvl="0" indent="0" algn="ctr" defTabSz="457200" rtl="0" eaLnBrk="1" fontAlgn="auto" latinLnBrk="0" hangingPunct="1">
+              <a:lnSpc>
+                <a:spcPct val="100000"/>
+              </a:lnSpc>
+              <a:spcBef>
+                <a:spcPts val="0"/>
+              </a:spcBef>
+              <a:spcAft>
+                <a:spcPts val="0"/>
+              </a:spcAft>
+              <a:buClrTx/>
+              <a:buSzTx/>
+              <a:buFontTx/>
+              <a:buNone/>
+              <a:tabLst/>
+              <a:defRPr/>
+            </a:pPr>
+            <a:endParaRPr kumimoji="0" lang="en-US" sz="1800" b="0" i="0" u="none" strike="noStrike" kern="1200" cap="none" spc="0" normalizeH="0" baseline="0" noProof="0">
+              <a:ln>
+                <a:noFill/>
+              </a:ln>
+              <a:solidFill>
+                <a:prstClr val="white"/>
+              </a:solidFill>
+              <a:effectLst/>
+              <a:uLnTx/>
+              <a:uFillTx/>
+              <a:latin typeface="Calibri" panose="020F0502020204030204"/>
+              <a:ea typeface="+mn-ea"/>
+              <a:cs typeface="+mn-cs"/>
+            </a:endParaRPr>
+          </a:p>
+        </p:txBody>
+      </p:sp>
+      <p:sp>
+        <p:nvSpPr>
+          <p:cNvPr id="20" name="Rectangle 19">
+            <a:extLst>
+              <a:ext uri="{FF2B5EF4-FFF2-40B4-BE49-F238E27FC236}">
+                <a16:creationId xmlns:a16="http://schemas.microsoft.com/office/drawing/2014/main" id="{66E8BA98-E13C-403B-AC96-75E203799CC0}"/>
               </a:ext>
             </a:extLst>
           </p:cNvPr>
@@ -20106,303 +19625,10 @@
       </p:sp>
       <p:sp>
         <p:nvSpPr>
-          <p:cNvPr id="47" name="Rectangle 46">
+          <p:cNvPr id="22" name="Rectangle 21">
             <a:extLst>
               <a:ext uri="{FF2B5EF4-FFF2-40B4-BE49-F238E27FC236}">
-                <a16:creationId xmlns:a16="http://schemas.microsoft.com/office/drawing/2014/main" id="{5F097929-F3D6-4D1F-8AFC-CF348171A9E1}"/>
-              </a:ext>
-              <a:ext uri="{C183D7F6-B498-43B3-948B-1728B52AA6E4}">
-                <adec:decorative xmlns:adec="http://schemas.microsoft.com/office/drawing/2017/decorative" val="1"/>
-              </a:ext>
-            </a:extLst>
-          </p:cNvPr>
-          <p:cNvSpPr>
-            <a:spLocks noGrp="1" noRot="1" noChangeAspect="1" noMove="1" noResize="1" noEditPoints="1" noAdjustHandles="1" noChangeArrowheads="1" noChangeShapeType="1" noTextEdit="1"/>
-          </p:cNvSpPr>
-          <p:nvPr>
-            <p:extLst>
-              <p:ext uri="{386F3935-93C4-4BCD-93E2-E3B085C9AB24}">
-                <p16:designElem xmlns:p16="http://schemas.microsoft.com/office/powerpoint/2015/main" val="1"/>
-              </p:ext>
-            </p:extLst>
-          </p:nvPr>
-        </p:nvSpPr>
-        <p:spPr>
-          <a:xfrm>
-            <a:off x="1" y="6334316"/>
-            <a:ext cx="12192000" cy="66484"/>
-          </a:xfrm>
-          <a:prstGeom prst="rect">
-            <a:avLst/>
-          </a:prstGeom>
-          <a:solidFill>
-            <a:schemeClr val="accent1"/>
-          </a:solidFill>
-          <a:ln>
-            <a:noFill/>
-          </a:ln>
-        </p:spPr>
-        <p:style>
-          <a:lnRef idx="2">
-            <a:schemeClr val="accent1">
-              <a:shade val="50000"/>
-            </a:schemeClr>
-          </a:lnRef>
-          <a:fillRef idx="1">
-            <a:schemeClr val="accent1"/>
-          </a:fillRef>
-          <a:effectRef idx="0">
-            <a:schemeClr val="accent1"/>
-          </a:effectRef>
-          <a:fontRef idx="minor">
-            <a:schemeClr val="lt1"/>
-          </a:fontRef>
-        </p:style>
-      </p:sp>
-      <p:cxnSp>
-        <p:nvCxnSpPr>
-          <p:cNvPr id="49" name="Straight Connector 48">
-            <a:extLst>
-              <a:ext uri="{FF2B5EF4-FFF2-40B4-BE49-F238E27FC236}">
-                <a16:creationId xmlns:a16="http://schemas.microsoft.com/office/drawing/2014/main" id="{43074C91-9045-414B-B5F9-567DAE3EED25}"/>
-              </a:ext>
-              <a:ext uri="{C183D7F6-B498-43B3-948B-1728B52AA6E4}">
-                <adec:decorative xmlns:adec="http://schemas.microsoft.com/office/drawing/2017/decorative" val="1"/>
-              </a:ext>
-            </a:extLst>
-          </p:cNvPr>
-          <p:cNvCxnSpPr>
-            <a:cxnSpLocks noGrp="1" noRot="1" noChangeAspect="1" noMove="1" noResize="1" noEditPoints="1" noAdjustHandles="1" noChangeArrowheads="1" noChangeShapeType="1"/>
-          </p:cNvCxnSpPr>
-          <p:nvPr>
-            <p:extLst>
-              <p:ext uri="{386F3935-93C4-4BCD-93E2-E3B085C9AB24}">
-                <p16:designElem xmlns:p16="http://schemas.microsoft.com/office/powerpoint/2015/main" val="1"/>
-              </p:ext>
-            </p:extLst>
-          </p:nvPr>
-        </p:nvCxnSpPr>
-        <p:spPr>
-          <a:xfrm>
-            <a:off x="1207658" y="4343400"/>
-            <a:ext cx="9875520" cy="0"/>
-          </a:xfrm>
-          <a:prstGeom prst="line">
-            <a:avLst/>
-          </a:prstGeom>
-          <a:ln w="6350">
-            <a:solidFill>
-              <a:schemeClr val="tx1">
-                <a:lumMod val="50000"/>
-                <a:lumOff val="50000"/>
-              </a:schemeClr>
-            </a:solidFill>
-          </a:ln>
-        </p:spPr>
-        <p:style>
-          <a:lnRef idx="1">
-            <a:schemeClr val="accent1"/>
-          </a:lnRef>
-          <a:fillRef idx="0">
-            <a:schemeClr val="accent1"/>
-          </a:fillRef>
-          <a:effectRef idx="0">
-            <a:schemeClr val="accent1"/>
-          </a:effectRef>
-          <a:fontRef idx="minor">
-            <a:schemeClr val="tx1"/>
-          </a:fontRef>
-        </p:style>
-      </p:cxnSp>
-      <p:sp useBgFill="1">
-        <p:nvSpPr>
-          <p:cNvPr id="51" name="Rectangle 50">
-            <a:extLst>
-              <a:ext uri="{FF2B5EF4-FFF2-40B4-BE49-F238E27FC236}">
-                <a16:creationId xmlns:a16="http://schemas.microsoft.com/office/drawing/2014/main" id="{33428ACC-71EC-4171-9527-10983BA6B41D}"/>
-              </a:ext>
-              <a:ext uri="{C183D7F6-B498-43B3-948B-1728B52AA6E4}">
-                <adec:decorative xmlns:adec="http://schemas.microsoft.com/office/drawing/2017/decorative" val="1"/>
-              </a:ext>
-            </a:extLst>
-          </p:cNvPr>
-          <p:cNvSpPr>
-            <a:spLocks noGrp="1" noRot="1" noChangeAspect="1" noMove="1" noResize="1" noEditPoints="1" noAdjustHandles="1" noChangeArrowheads="1" noChangeShapeType="1" noTextEdit="1"/>
-          </p:cNvSpPr>
-          <p:nvPr>
-            <p:extLst>
-              <p:ext uri="{386F3935-93C4-4BCD-93E2-E3B085C9AB24}">
-                <p16:designElem xmlns:p16="http://schemas.microsoft.com/office/powerpoint/2015/main" val="1"/>
-              </p:ext>
-            </p:extLst>
-          </p:nvPr>
-        </p:nvSpPr>
-        <p:spPr>
-          <a:xfrm>
-            <a:off x="0" y="0"/>
-            <a:ext cx="12192001" cy="6334316"/>
-          </a:xfrm>
-          <a:prstGeom prst="rect">
-            <a:avLst/>
-          </a:prstGeom>
-          <a:ln>
-            <a:noFill/>
-          </a:ln>
-        </p:spPr>
-        <p:style>
-          <a:lnRef idx="2">
-            <a:schemeClr val="accent1">
-              <a:shade val="50000"/>
-            </a:schemeClr>
-          </a:lnRef>
-          <a:fillRef idx="1">
-            <a:schemeClr val="accent1"/>
-          </a:fillRef>
-          <a:effectRef idx="0">
-            <a:schemeClr val="accent1"/>
-          </a:effectRef>
-          <a:fontRef idx="minor">
-            <a:schemeClr val="lt1"/>
-          </a:fontRef>
-        </p:style>
-        <p:txBody>
-          <a:bodyPr rtlCol="0" anchor="ctr"/>
-          <a:lstStyle/>
-          <a:p>
-            <a:pPr algn="ctr"/>
-            <a:endParaRPr lang="en-US"/>
-          </a:p>
-        </p:txBody>
-      </p:sp>
-      <p:sp>
-        <p:nvSpPr>
-          <p:cNvPr id="2" name="Título 1"/>
-          <p:cNvSpPr>
-            <a:spLocks noGrp="1"/>
-          </p:cNvSpPr>
-          <p:nvPr>
-            <p:ph type="title"/>
-          </p:nvPr>
-        </p:nvSpPr>
-        <p:spPr>
-          <a:xfrm>
-            <a:off x="8141110" y="639097"/>
-            <a:ext cx="3401961" cy="3686015"/>
-          </a:xfrm>
-        </p:spPr>
-        <p:txBody>
-          <a:bodyPr vert="horz" lIns="91440" tIns="45720" rIns="91440" bIns="45720" rtlCol="0" anchor="b">
-            <a:normAutofit/>
-          </a:bodyPr>
-          <a:lstStyle/>
-          <a:p>
-            <a:r>
-              <a:rPr lang="en-US" sz="4600" b="1">
-                <a:solidFill>
-                  <a:schemeClr val="tx1">
-                    <a:lumMod val="85000"/>
-                    <a:lumOff val="15000"/>
-                  </a:schemeClr>
-                </a:solidFill>
-              </a:rPr>
-              <a:t>Apresentação da aplicação</a:t>
-            </a:r>
-          </a:p>
-        </p:txBody>
-      </p:sp>
-      <p:pic>
-        <p:nvPicPr>
-          <p:cNvPr id="29" name="Imagem 28">
-            <a:extLst>
-              <a:ext uri="{FF2B5EF4-FFF2-40B4-BE49-F238E27FC236}">
-                <a16:creationId xmlns:a16="http://schemas.microsoft.com/office/drawing/2014/main" id="{035CBC3B-ED92-4160-8A48-2C7BC5D4B97D}"/>
-              </a:ext>
-            </a:extLst>
-          </p:cNvPr>
-          <p:cNvPicPr>
-            <a:picLocks noChangeAspect="1"/>
-          </p:cNvPicPr>
-          <p:nvPr/>
-        </p:nvPicPr>
-        <p:blipFill>
-          <a:blip r:embed="rId3"/>
-          <a:stretch>
-            <a:fillRect/>
-          </a:stretch>
-        </p:blipFill>
-        <p:spPr>
-          <a:xfrm>
-            <a:off x="633999" y="994999"/>
-            <a:ext cx="6912217" cy="4344319"/>
-          </a:xfrm>
-          <a:prstGeom prst="rect">
-            <a:avLst/>
-          </a:prstGeom>
-        </p:spPr>
-      </p:pic>
-      <p:cxnSp>
-        <p:nvCxnSpPr>
-          <p:cNvPr id="53" name="Straight Connector 52">
-            <a:extLst>
-              <a:ext uri="{FF2B5EF4-FFF2-40B4-BE49-F238E27FC236}">
-                <a16:creationId xmlns:a16="http://schemas.microsoft.com/office/drawing/2014/main" id="{BA22713B-ABB6-4391-97F9-0449A2B9B664}"/>
-              </a:ext>
-              <a:ext uri="{C183D7F6-B498-43B3-948B-1728B52AA6E4}">
-                <adec:decorative xmlns:adec="http://schemas.microsoft.com/office/drawing/2017/decorative" val="1"/>
-              </a:ext>
-            </a:extLst>
-          </p:cNvPr>
-          <p:cNvCxnSpPr>
-            <a:cxnSpLocks noGrp="1" noRot="1" noChangeAspect="1" noMove="1" noResize="1" noEditPoints="1" noAdjustHandles="1" noChangeArrowheads="1" noChangeShapeType="1"/>
-          </p:cNvCxnSpPr>
-          <p:nvPr>
-            <p:extLst>
-              <p:ext uri="{386F3935-93C4-4BCD-93E2-E3B085C9AB24}">
-                <p16:designElem xmlns:p16="http://schemas.microsoft.com/office/powerpoint/2015/main" val="1"/>
-              </p:ext>
-            </p:extLst>
-          </p:nvPr>
-        </p:nvCxnSpPr>
-        <p:spPr>
-          <a:xfrm>
-            <a:off x="8209305" y="4343400"/>
-            <a:ext cx="3200400" cy="0"/>
-          </a:xfrm>
-          <a:prstGeom prst="line">
-            <a:avLst/>
-          </a:prstGeom>
-          <a:ln w="6350">
-            <a:solidFill>
-              <a:schemeClr val="tx2">
-                <a:alpha val="90000"/>
-              </a:schemeClr>
-            </a:solidFill>
-          </a:ln>
-        </p:spPr>
-        <p:style>
-          <a:lnRef idx="1">
-            <a:schemeClr val="accent1"/>
-          </a:lnRef>
-          <a:fillRef idx="0">
-            <a:schemeClr val="accent1"/>
-          </a:fillRef>
-          <a:effectRef idx="0">
-            <a:schemeClr val="accent1"/>
-          </a:effectRef>
-          <a:fontRef idx="minor">
-            <a:schemeClr val="tx1"/>
-          </a:fontRef>
-        </p:style>
-      </p:cxnSp>
-      <p:sp>
-        <p:nvSpPr>
-          <p:cNvPr id="55" name="Rectangle 54">
-            <a:extLst>
-              <a:ext uri="{FF2B5EF4-FFF2-40B4-BE49-F238E27FC236}">
-                <a16:creationId xmlns:a16="http://schemas.microsoft.com/office/drawing/2014/main" id="{2B9BBBC4-97A3-47D2-BFFE-A68530CDB9DC}"/>
-              </a:ext>
-              <a:ext uri="{C183D7F6-B498-43B3-948B-1728B52AA6E4}">
-                <adec:decorative xmlns:adec="http://schemas.microsoft.com/office/drawing/2017/decorative" val="1"/>
+                <a16:creationId xmlns:a16="http://schemas.microsoft.com/office/drawing/2014/main" id="{02CE8509-9E93-4D74-BF24-661F111C72AB}"/>
               </a:ext>
             </a:extLst>
           </p:cNvPr>
@@ -20449,21 +19675,18 @@
           </a:fontRef>
         </p:style>
       </p:sp>
-      <p:sp>
-        <p:nvSpPr>
-          <p:cNvPr id="57" name="Rectangle 56">
+      <p:cxnSp>
+        <p:nvCxnSpPr>
+          <p:cNvPr id="31" name="Straight Connector 23">
             <a:extLst>
               <a:ext uri="{FF2B5EF4-FFF2-40B4-BE49-F238E27FC236}">
-                <a16:creationId xmlns:a16="http://schemas.microsoft.com/office/drawing/2014/main" id="{78967BEA-EA6A-4FF1-94E2-B010B61A36A9}"/>
-              </a:ext>
-              <a:ext uri="{C183D7F6-B498-43B3-948B-1728B52AA6E4}">
-                <adec:decorative xmlns:adec="http://schemas.microsoft.com/office/drawing/2017/decorative" val="1"/>
+                <a16:creationId xmlns:a16="http://schemas.microsoft.com/office/drawing/2014/main" id="{754A678E-8F30-4E92-A5BF-F5D03D011394}"/>
               </a:ext>
             </a:extLst>
           </p:cNvPr>
-          <p:cNvSpPr>
-            <a:spLocks noGrp="1" noRot="1" noChangeAspect="1" noMove="1" noResize="1" noEditPoints="1" noAdjustHandles="1" noChangeArrowheads="1" noChangeShapeType="1" noTextEdit="1"/>
-          </p:cNvSpPr>
+          <p:cNvCxnSpPr>
+            <a:cxnSpLocks noGrp="1" noRot="1" noChangeAspect="1" noMove="1" noResize="1" noEditPoints="1" noAdjustHandles="1" noChangeArrowheads="1" noChangeShapeType="1"/>
+          </p:cNvCxnSpPr>
           <p:nvPr>
             <p:extLst>
               <p:ext uri="{386F3935-93C4-4BCD-93E2-E3B085C9AB24}">
@@ -20471,43 +19694,275 @@
               </p:ext>
             </p:extLst>
           </p:nvPr>
-        </p:nvSpPr>
+        </p:nvCxnSpPr>
         <p:spPr>
           <a:xfrm>
-            <a:off x="1" y="6400800"/>
-            <a:ext cx="12192000" cy="457200"/>
+            <a:off x="7892143" y="2085703"/>
+            <a:ext cx="3566160" cy="0"/>
           </a:xfrm>
-          <a:prstGeom prst="rect">
+          <a:prstGeom prst="line">
             <a:avLst/>
           </a:prstGeom>
-          <a:solidFill>
-            <a:schemeClr val="accent2"/>
-          </a:solidFill>
-          <a:ln>
-            <a:noFill/>
+          <a:ln w="6350">
+            <a:solidFill>
+              <a:schemeClr val="tx1">
+                <a:lumMod val="50000"/>
+                <a:lumOff val="50000"/>
+                <a:alpha val="90000"/>
+              </a:schemeClr>
+            </a:solidFill>
           </a:ln>
         </p:spPr>
         <p:style>
-          <a:lnRef idx="2">
-            <a:schemeClr val="accent1">
-              <a:shade val="50000"/>
-            </a:schemeClr>
+          <a:lnRef idx="1">
+            <a:schemeClr val="accent1"/>
           </a:lnRef>
-          <a:fillRef idx="1">
+          <a:fillRef idx="0">
             <a:schemeClr val="accent1"/>
           </a:fillRef>
           <a:effectRef idx="0">
             <a:schemeClr val="accent1"/>
           </a:effectRef>
           <a:fontRef idx="minor">
-            <a:schemeClr val="lt1"/>
+            <a:schemeClr val="tx1"/>
           </a:fontRef>
         </p:style>
+      </p:cxnSp>
+      <p:pic>
+        <p:nvPicPr>
+          <p:cNvPr id="7" name="Imagem 6">
+            <a:extLst>
+              <a:ext uri="{FF2B5EF4-FFF2-40B4-BE49-F238E27FC236}">
+                <a16:creationId xmlns:a16="http://schemas.microsoft.com/office/drawing/2014/main" id="{624072D5-0ABD-476C-99CE-D70432D88A0B}"/>
+              </a:ext>
+            </a:extLst>
+          </p:cNvPr>
+          <p:cNvPicPr>
+            <a:picLocks noChangeAspect="1"/>
+          </p:cNvPicPr>
+          <p:nvPr/>
+        </p:nvPicPr>
+        <p:blipFill>
+          <a:blip r:embed="rId3"/>
+          <a:stretch>
+            <a:fillRect/>
+          </a:stretch>
+        </p:blipFill>
+        <p:spPr>
+          <a:xfrm>
+            <a:off x="633999" y="1125883"/>
+            <a:ext cx="6909801" cy="4342801"/>
+          </a:xfrm>
+          <a:prstGeom prst="rect">
+            <a:avLst/>
+          </a:prstGeom>
+        </p:spPr>
+      </p:pic>
+      <p:sp>
+        <p:nvSpPr>
+          <p:cNvPr id="2" name="Título 1">
+            <a:extLst>
+              <a:ext uri="{FF2B5EF4-FFF2-40B4-BE49-F238E27FC236}">
+                <a16:creationId xmlns:a16="http://schemas.microsoft.com/office/drawing/2014/main" id="{5EB74330-751C-4FCC-B1B0-182125A29D6E}"/>
+              </a:ext>
+            </a:extLst>
+          </p:cNvPr>
+          <p:cNvSpPr>
+            <a:spLocks noGrp="1"/>
+          </p:cNvSpPr>
+          <p:nvPr>
+            <p:ph type="title"/>
+          </p:nvPr>
+        </p:nvSpPr>
+        <p:spPr>
+          <a:xfrm>
+            <a:off x="7859485" y="634946"/>
+            <a:ext cx="3690257" cy="1450757"/>
+          </a:xfrm>
+        </p:spPr>
+        <p:txBody>
+          <a:bodyPr vert="horz" lIns="91440" tIns="45720" rIns="91440" bIns="45720" rtlCol="0" anchor="b">
+            <a:normAutofit/>
+          </a:bodyPr>
+          <a:lstStyle/>
+          <a:p>
+            <a:r>
+              <a:rPr lang="en-US" sz="4600" b="1" dirty="0" err="1">
+                <a:solidFill>
+                  <a:prstClr val="black">
+                    <a:lumMod val="85000"/>
+                    <a:lumOff val="15000"/>
+                  </a:prstClr>
+                </a:solidFill>
+              </a:rPr>
+              <a:t>Apresentação</a:t>
+            </a:r>
+            <a:r>
+              <a:rPr lang="en-US" sz="4600" b="1" dirty="0">
+                <a:solidFill>
+                  <a:prstClr val="black">
+                    <a:lumMod val="85000"/>
+                    <a:lumOff val="15000"/>
+                  </a:prstClr>
+                </a:solidFill>
+              </a:rPr>
+              <a:t> da </a:t>
+            </a:r>
+            <a:r>
+              <a:rPr lang="en-US" sz="4600" b="1" dirty="0" err="1">
+                <a:solidFill>
+                  <a:prstClr val="black">
+                    <a:lumMod val="85000"/>
+                    <a:lumOff val="15000"/>
+                  </a:prstClr>
+                </a:solidFill>
+              </a:rPr>
+              <a:t>aplicação</a:t>
+            </a:r>
+            <a:endParaRPr lang="en-US" sz="4800" dirty="0">
+              <a:solidFill>
+                <a:schemeClr val="tx1">
+                  <a:lumMod val="75000"/>
+                  <a:lumOff val="25000"/>
+                </a:schemeClr>
+              </a:solidFill>
+            </a:endParaRPr>
+          </a:p>
+        </p:txBody>
+      </p:sp>
+      <p:sp>
+        <p:nvSpPr>
+          <p:cNvPr id="3" name="Content Placeholder 2"/>
+          <p:cNvSpPr>
+            <a:spLocks noGrp="1"/>
+          </p:cNvSpPr>
+          <p:nvPr>
+            <p:ph idx="1"/>
+          </p:nvPr>
+        </p:nvSpPr>
+        <p:spPr>
+          <a:xfrm>
+            <a:off x="7892143" y="2349808"/>
+            <a:ext cx="4121426" cy="3639512"/>
+          </a:xfrm>
+        </p:spPr>
+        <p:txBody>
+          <a:bodyPr>
+            <a:normAutofit/>
+          </a:bodyPr>
+          <a:lstStyle/>
+          <a:p>
+            <a:pPr marL="0" indent="0">
+              <a:buNone/>
+            </a:pPr>
+            <a:r>
+              <a:rPr lang="pt-PT" sz="2800" dirty="0"/>
+              <a:t>Consulta de informações</a:t>
+            </a:r>
+          </a:p>
+          <a:p>
+            <a:pPr marL="0" indent="0">
+              <a:buNone/>
+            </a:pPr>
+            <a:r>
+              <a:rPr lang="pt-PT" sz="2800" u="sng" dirty="0">
+                <a:solidFill>
+                  <a:schemeClr val="tx1">
+                    <a:lumMod val="50000"/>
+                    <a:lumOff val="50000"/>
+                  </a:schemeClr>
+                </a:solidFill>
+              </a:rPr>
+              <a:t>____________________</a:t>
+            </a:r>
+            <a:endParaRPr lang="en-US" sz="2800" u="sng" dirty="0">
+              <a:solidFill>
+                <a:schemeClr val="tx1">
+                  <a:lumMod val="50000"/>
+                  <a:lumOff val="50000"/>
+                </a:schemeClr>
+              </a:solidFill>
+            </a:endParaRPr>
+          </a:p>
+          <a:p>
+            <a:pPr marL="0" indent="0">
+              <a:buNone/>
+            </a:pPr>
+            <a:r>
+              <a:rPr lang="en-US" sz="2800" dirty="0" err="1"/>
+              <a:t>Requisição</a:t>
+            </a:r>
+            <a:r>
+              <a:rPr lang="en-US" sz="2800" dirty="0"/>
+              <a:t> de </a:t>
+            </a:r>
+            <a:r>
+              <a:rPr lang="en-US" sz="2800" dirty="0" err="1"/>
+              <a:t>serviços</a:t>
+            </a:r>
+            <a:r>
+              <a:rPr lang="en-US" sz="2800" dirty="0"/>
+              <a:t> </a:t>
+            </a:r>
+          </a:p>
+          <a:p>
+            <a:pPr marL="0" indent="0">
+              <a:buNone/>
+            </a:pPr>
+            <a:r>
+              <a:rPr lang="en-US" sz="2800" dirty="0" err="1"/>
+              <a:t>ao</a:t>
+            </a:r>
+            <a:r>
+              <a:rPr lang="en-US" sz="2800" dirty="0"/>
+              <a:t> </a:t>
+            </a:r>
+            <a:r>
+              <a:rPr lang="en-US" sz="2800" dirty="0" err="1"/>
+              <a:t>domícilio</a:t>
+            </a:r>
+            <a:endParaRPr lang="en-US" sz="2800" dirty="0"/>
+          </a:p>
+          <a:p>
+            <a:pPr marL="0" indent="0">
+              <a:buNone/>
+            </a:pPr>
+            <a:r>
+              <a:rPr lang="en-US" sz="2800" dirty="0">
+                <a:solidFill>
+                  <a:schemeClr val="tx1">
+                    <a:lumMod val="50000"/>
+                    <a:lumOff val="50000"/>
+                  </a:schemeClr>
+                </a:solidFill>
+              </a:rPr>
+              <a:t>____________________</a:t>
+            </a:r>
+          </a:p>
+          <a:p>
+            <a:pPr marL="0" indent="0">
+              <a:buNone/>
+            </a:pPr>
+            <a:r>
+              <a:rPr lang="en-US" sz="2800" dirty="0" err="1"/>
+              <a:t>Gestão</a:t>
+            </a:r>
+            <a:r>
+              <a:rPr lang="en-US" sz="2800" dirty="0"/>
+              <a:t> de </a:t>
+            </a:r>
+            <a:r>
+              <a:rPr lang="en-US" sz="2800" dirty="0" err="1"/>
+              <a:t>serviços</a:t>
+            </a:r>
+            <a:endParaRPr lang="en-US" sz="2800" dirty="0"/>
+          </a:p>
+        </p:txBody>
       </p:sp>
     </p:spTree>
     <p:extLst>
       <p:ext uri="{BB962C8B-B14F-4D97-AF65-F5344CB8AC3E}">
-        <p14:creationId xmlns:p14="http://schemas.microsoft.com/office/powerpoint/2010/main" val="1419380740"/>
+        <p14:creationId xmlns:p14="http://schemas.microsoft.com/office/powerpoint/2010/main" val="3090520825"/>
       </p:ext>
     </p:extLst>
   </p:cSld>
@@ -20625,13 +20080,13 @@
           <p:nvPr>
             <p:extLst>
               <p:ext uri="{D42A27DB-BD31-4B8C-83A1-F6EECF244321}">
-                <p14:modId xmlns:p14="http://schemas.microsoft.com/office/powerpoint/2010/main" val="1997620760"/>
+                <p14:modId xmlns:p14="http://schemas.microsoft.com/office/powerpoint/2010/main" val="1522088572"/>
               </p:ext>
             </p:extLst>
           </p:nvPr>
         </p:nvGraphicFramePr>
         <p:xfrm>
-          <a:off x="1097281" y="2150533"/>
+          <a:off x="1097281" y="2066524"/>
           <a:ext cx="6522720" cy="3986498"/>
         </p:xfrm>
         <a:graphic>
@@ -21248,7 +20703,7 @@
         </p:blipFill>
         <p:spPr bwMode="auto">
           <a:xfrm>
-            <a:off x="4466497" y="1"/>
+            <a:off x="4466497" y="0"/>
             <a:ext cx="7297889" cy="6858000"/>
           </a:xfrm>
           <a:prstGeom prst="rect">
@@ -21279,6 +20734,223 @@
           </a:extLst>
         </p:spPr>
       </p:pic>
+      <p:grpSp>
+        <p:nvGrpSpPr>
+          <p:cNvPr id="14" name="Grupo 13">
+            <a:extLst>
+              <a:ext uri="{FF2B5EF4-FFF2-40B4-BE49-F238E27FC236}">
+                <a16:creationId xmlns:a16="http://schemas.microsoft.com/office/drawing/2014/main" id="{BBB14E2B-65D8-4448-9915-ACB8A3CFE7A3}"/>
+              </a:ext>
+            </a:extLst>
+          </p:cNvPr>
+          <p:cNvGrpSpPr/>
+          <p:nvPr/>
+        </p:nvGrpSpPr>
+        <p:grpSpPr>
+          <a:xfrm>
+            <a:off x="2552700" y="1367247"/>
+            <a:ext cx="4971506" cy="3642903"/>
+            <a:chOff x="1726164" y="1367246"/>
+            <a:chExt cx="5798042" cy="4247913"/>
+          </a:xfrm>
+        </p:grpSpPr>
+        <p:pic>
+          <p:nvPicPr>
+            <p:cNvPr id="5" name="Picture 2" descr="Use Case">
+              <a:extLst>
+                <a:ext uri="{FF2B5EF4-FFF2-40B4-BE49-F238E27FC236}">
+                  <a16:creationId xmlns:a16="http://schemas.microsoft.com/office/drawing/2014/main" id="{6F1E2B94-FEE7-4563-B64C-A77A4460E063}"/>
+                </a:ext>
+              </a:extLst>
+            </p:cNvPr>
+            <p:cNvPicPr>
+              <a:picLocks noChangeAspect="1" noChangeArrowheads="1"/>
+            </p:cNvPicPr>
+            <p:nvPr/>
+          </p:nvPicPr>
+          <p:blipFill rotWithShape="1">
+            <a:blip r:embed="rId3">
+              <a:extLst>
+                <a:ext uri="{28A0092B-C50C-407E-A947-70E740481C1C}">
+                  <a14:useLocalDpi xmlns:a14="http://schemas.microsoft.com/office/drawing/2010/main" val="0"/>
+                </a:ext>
+              </a:extLst>
+            </a:blip>
+            <a:srcRect l="21358" t="15918" r="55317" b="76610"/>
+            <a:stretch/>
+          </p:blipFill>
+          <p:spPr bwMode="auto">
+            <a:xfrm>
+              <a:off x="1726164" y="4314316"/>
+              <a:ext cx="3862872" cy="1300843"/>
+            </a:xfrm>
+            <a:prstGeom prst="rect">
+              <a:avLst/>
+            </a:prstGeom>
+            <a:noFill/>
+            <a:ln>
+              <a:noFill/>
+            </a:ln>
+            <a:extLst>
+              <a:ext uri="{909E8E84-426E-40DD-AFC4-6F175D3DCCD1}">
+                <a14:hiddenFill xmlns:a14="http://schemas.microsoft.com/office/drawing/2010/main">
+                  <a:solidFill>
+                    <a:srgbClr val="FFFFFF"/>
+                  </a:solidFill>
+                </a14:hiddenFill>
+              </a:ext>
+              <a:ext uri="{91240B29-F687-4F45-9708-019B960494DF}">
+                <a14:hiddenLine xmlns:a14="http://schemas.microsoft.com/office/drawing/2010/main" w="9525">
+                  <a:solidFill>
+                    <a:srgbClr val="000000"/>
+                  </a:solidFill>
+                  <a:miter lim="800000"/>
+                  <a:headEnd/>
+                  <a:tailEnd/>
+                </a14:hiddenLine>
+              </a:ext>
+            </a:extLst>
+          </p:spPr>
+        </p:pic>
+        <p:sp>
+          <p:nvSpPr>
+            <p:cNvPr id="6" name="Retângulo 5">
+              <a:extLst>
+                <a:ext uri="{FF2B5EF4-FFF2-40B4-BE49-F238E27FC236}">
+                  <a16:creationId xmlns:a16="http://schemas.microsoft.com/office/drawing/2014/main" id="{AB0699C9-9FD2-4B70-96D2-D390BA6FA8BF}"/>
+                </a:ext>
+              </a:extLst>
+            </p:cNvPr>
+            <p:cNvSpPr/>
+            <p:nvPr/>
+          </p:nvSpPr>
+          <p:spPr>
+            <a:xfrm>
+              <a:off x="1735494" y="4285316"/>
+              <a:ext cx="3862871" cy="1300843"/>
+            </a:xfrm>
+            <a:prstGeom prst="rect">
+              <a:avLst/>
+            </a:prstGeom>
+            <a:noFill/>
+            <a:ln w="57150">
+              <a:solidFill>
+                <a:srgbClr val="C00000"/>
+              </a:solidFill>
+            </a:ln>
+          </p:spPr>
+          <p:style>
+            <a:lnRef idx="2">
+              <a:schemeClr val="accent1">
+                <a:shade val="50000"/>
+              </a:schemeClr>
+            </a:lnRef>
+            <a:fillRef idx="1">
+              <a:schemeClr val="accent1"/>
+            </a:fillRef>
+            <a:effectRef idx="0">
+              <a:schemeClr val="accent1"/>
+            </a:effectRef>
+            <a:fontRef idx="minor">
+              <a:schemeClr val="lt1"/>
+            </a:fontRef>
+          </p:style>
+          <p:txBody>
+            <a:bodyPr rtlCol="0" anchor="ctr"/>
+            <a:lstStyle/>
+            <a:p>
+              <a:pPr algn="ctr"/>
+              <a:endParaRPr lang="pt-PT"/>
+            </a:p>
+          </p:txBody>
+        </p:sp>
+        <p:cxnSp>
+          <p:nvCxnSpPr>
+            <p:cNvPr id="7" name="Conexão reta 6">
+              <a:extLst>
+                <a:ext uri="{FF2B5EF4-FFF2-40B4-BE49-F238E27FC236}">
+                  <a16:creationId xmlns:a16="http://schemas.microsoft.com/office/drawing/2014/main" id="{E70DDC8F-D16C-4FCD-B9FF-3348084F901C}"/>
+                </a:ext>
+              </a:extLst>
+            </p:cNvPr>
+            <p:cNvCxnSpPr>
+              <a:cxnSpLocks/>
+            </p:cNvCxnSpPr>
+            <p:nvPr/>
+          </p:nvCxnSpPr>
+          <p:spPr>
+            <a:xfrm flipH="1">
+              <a:off x="1735495" y="1367246"/>
+              <a:ext cx="4383250" cy="2918070"/>
+            </a:xfrm>
+            <a:prstGeom prst="line">
+              <a:avLst/>
+            </a:prstGeom>
+            <a:ln>
+              <a:solidFill>
+                <a:srgbClr val="C00000"/>
+              </a:solidFill>
+            </a:ln>
+          </p:spPr>
+          <p:style>
+            <a:lnRef idx="1">
+              <a:schemeClr val="accent1"/>
+            </a:lnRef>
+            <a:fillRef idx="0">
+              <a:schemeClr val="accent1"/>
+            </a:fillRef>
+            <a:effectRef idx="0">
+              <a:schemeClr val="accent1"/>
+            </a:effectRef>
+            <a:fontRef idx="minor">
+              <a:schemeClr val="tx1"/>
+            </a:fontRef>
+          </p:style>
+        </p:cxnSp>
+        <p:cxnSp>
+          <p:nvCxnSpPr>
+            <p:cNvPr id="9" name="Conexão reta 8">
+              <a:extLst>
+                <a:ext uri="{FF2B5EF4-FFF2-40B4-BE49-F238E27FC236}">
+                  <a16:creationId xmlns:a16="http://schemas.microsoft.com/office/drawing/2014/main" id="{67E4053A-E204-409A-A09E-167EFD71FF44}"/>
+                </a:ext>
+              </a:extLst>
+            </p:cNvPr>
+            <p:cNvCxnSpPr>
+              <a:cxnSpLocks/>
+            </p:cNvCxnSpPr>
+            <p:nvPr/>
+          </p:nvCxnSpPr>
+          <p:spPr>
+            <a:xfrm flipH="1">
+              <a:off x="5598365" y="1367246"/>
+              <a:ext cx="1925841" cy="2918070"/>
+            </a:xfrm>
+            <a:prstGeom prst="line">
+              <a:avLst/>
+            </a:prstGeom>
+            <a:ln>
+              <a:solidFill>
+                <a:srgbClr val="C00000"/>
+              </a:solidFill>
+            </a:ln>
+          </p:spPr>
+          <p:style>
+            <a:lnRef idx="1">
+              <a:schemeClr val="accent1"/>
+            </a:lnRef>
+            <a:fillRef idx="0">
+              <a:schemeClr val="accent1"/>
+            </a:fillRef>
+            <a:effectRef idx="0">
+              <a:schemeClr val="accent1"/>
+            </a:effectRef>
+            <a:fontRef idx="minor">
+              <a:schemeClr val="tx1"/>
+            </a:fontRef>
+          </p:style>
+        </p:cxnSp>
+      </p:grpSp>
     </p:spTree>
     <p:extLst>
       <p:ext uri="{BB962C8B-B14F-4D97-AF65-F5344CB8AC3E}">
@@ -21289,211 +20961,85 @@
   <p:clrMapOvr>
     <a:masterClrMapping/>
   </p:clrMapOvr>
+  <p:timing>
+    <p:tnLst>
+      <p:par>
+        <p:cTn id="1" dur="indefinite" restart="never" nodeType="tmRoot">
+          <p:childTnLst>
+            <p:seq concurrent="1" nextAc="seek">
+              <p:cTn id="2" dur="indefinite" nodeType="mainSeq">
+                <p:childTnLst>
+                  <p:par>
+                    <p:cTn id="3" fill="hold">
+                      <p:stCondLst>
+                        <p:cond delay="indefinite"/>
+                      </p:stCondLst>
+                      <p:childTnLst>
+                        <p:par>
+                          <p:cTn id="4" fill="hold">
+                            <p:stCondLst>
+                              <p:cond delay="0"/>
+                            </p:stCondLst>
+                            <p:childTnLst>
+                              <p:par>
+                                <p:cTn id="5" presetID="1" presetClass="entr" presetSubtype="0" fill="hold" nodeType="clickEffect">
+                                  <p:stCondLst>
+                                    <p:cond delay="0"/>
+                                  </p:stCondLst>
+                                  <p:childTnLst>
+                                    <p:set>
+                                      <p:cBhvr>
+                                        <p:cTn id="6" dur="1" fill="hold">
+                                          <p:stCondLst>
+                                            <p:cond delay="0"/>
+                                          </p:stCondLst>
+                                        </p:cTn>
+                                        <p:tgtEl>
+                                          <p:spTgt spid="14"/>
+                                        </p:tgtEl>
+                                        <p:attrNameLst>
+                                          <p:attrName>style.visibility</p:attrName>
+                                        </p:attrNameLst>
+                                      </p:cBhvr>
+                                      <p:to>
+                                        <p:strVal val="visible"/>
+                                      </p:to>
+                                    </p:set>
+                                  </p:childTnLst>
+                                </p:cTn>
+                              </p:par>
+                            </p:childTnLst>
+                          </p:cTn>
+                        </p:par>
+                      </p:childTnLst>
+                    </p:cTn>
+                  </p:par>
+                </p:childTnLst>
+              </p:cTn>
+              <p:prevCondLst>
+                <p:cond evt="onPrev" delay="0">
+                  <p:tgtEl>
+                    <p:sldTgt/>
+                  </p:tgtEl>
+                </p:cond>
+              </p:prevCondLst>
+              <p:nextCondLst>
+                <p:cond evt="onNext" delay="0">
+                  <p:tgtEl>
+                    <p:sldTgt/>
+                  </p:tgtEl>
+                </p:cond>
+              </p:nextCondLst>
+            </p:seq>
+          </p:childTnLst>
+        </p:cTn>
+      </p:par>
+    </p:tnLst>
+  </p:timing>
 </p:sld>
 </file>
 
 <file path=ppt/slides/slide7.xml><?xml version="1.0" encoding="utf-8"?>
-<p:sld xmlns:a="http://schemas.openxmlformats.org/drawingml/2006/main" xmlns:r="http://schemas.openxmlformats.org/officeDocument/2006/relationships" xmlns:p="http://schemas.openxmlformats.org/presentationml/2006/main">
-  <p:cSld>
-    <p:spTree>
-      <p:nvGrpSpPr>
-        <p:cNvPr id="1" name=""/>
-        <p:cNvGrpSpPr/>
-        <p:nvPr/>
-      </p:nvGrpSpPr>
-      <p:grpSpPr>
-        <a:xfrm>
-          <a:off x="0" y="0"/>
-          <a:ext cx="0" cy="0"/>
-          <a:chOff x="0" y="0"/>
-          <a:chExt cx="0" cy="0"/>
-        </a:xfrm>
-      </p:grpSpPr>
-      <p:sp>
-        <p:nvSpPr>
-          <p:cNvPr id="2" name="Título 1">
-            <a:extLst>
-              <a:ext uri="{FF2B5EF4-FFF2-40B4-BE49-F238E27FC236}">
-                <a16:creationId xmlns:a16="http://schemas.microsoft.com/office/drawing/2014/main" id="{0651E559-1F12-4771-B1F9-F81C253B758C}"/>
-              </a:ext>
-            </a:extLst>
-          </p:cNvPr>
-          <p:cNvSpPr>
-            <a:spLocks noGrp="1"/>
-          </p:cNvSpPr>
-          <p:nvPr>
-            <p:ph type="title"/>
-          </p:nvPr>
-        </p:nvSpPr>
-        <p:spPr>
-          <a:xfrm>
-            <a:off x="457200" y="594359"/>
-            <a:ext cx="3200400" cy="5774400"/>
-          </a:xfrm>
-        </p:spPr>
-        <p:txBody>
-          <a:bodyPr>
-            <a:normAutofit/>
-          </a:bodyPr>
-          <a:lstStyle/>
-          <a:p>
-            <a:r>
-              <a:rPr lang="pt-PT" sz="3300" dirty="0"/>
-              <a:t>Use Cases</a:t>
-            </a:r>
-            <a:br>
-              <a:rPr lang="pt-PT" sz="3300" dirty="0"/>
-            </a:br>
-            <a:r>
-              <a:rPr lang="pt-PT" sz="1600" dirty="0"/>
-              <a:t>Requisitar Serviço</a:t>
-            </a:r>
-            <a:br>
-              <a:rPr lang="pt-PT" b="1" dirty="0"/>
-            </a:br>
-            <a:br>
-              <a:rPr lang="pt-PT" b="1" dirty="0"/>
-            </a:br>
-            <a:br>
-              <a:rPr lang="pt-PT" b="1" dirty="0"/>
-            </a:br>
-            <a:br>
-              <a:rPr lang="pt-PT" b="1" dirty="0"/>
-            </a:br>
-            <a:br>
-              <a:rPr lang="pt-PT" b="1" dirty="0"/>
-            </a:br>
-            <a:br>
-              <a:rPr lang="pt-PT" b="1" dirty="0"/>
-            </a:br>
-            <a:endParaRPr lang="pt-PT" b="1" dirty="0"/>
-          </a:p>
-        </p:txBody>
-      </p:sp>
-      <p:pic>
-        <p:nvPicPr>
-          <p:cNvPr id="2050" name="Picture 2" descr="Use Case">
-            <a:extLst>
-              <a:ext uri="{FF2B5EF4-FFF2-40B4-BE49-F238E27FC236}">
-                <a16:creationId xmlns:a16="http://schemas.microsoft.com/office/drawing/2014/main" id="{B5F8E90C-0770-4367-9FAB-449AEA098025}"/>
-              </a:ext>
-            </a:extLst>
-          </p:cNvPr>
-          <p:cNvPicPr>
-            <a:picLocks noChangeAspect="1" noChangeArrowheads="1"/>
-          </p:cNvPicPr>
-          <p:nvPr/>
-        </p:nvPicPr>
-        <p:blipFill rotWithShape="1">
-          <a:blip r:embed="rId3">
-            <a:extLst>
-              <a:ext uri="{28A0092B-C50C-407E-A947-70E740481C1C}">
-                <a14:useLocalDpi xmlns:a14="http://schemas.microsoft.com/office/drawing/2010/main" val="0"/>
-              </a:ext>
-            </a:extLst>
-          </a:blip>
-          <a:srcRect r="48175" b="63055"/>
-          <a:stretch/>
-        </p:blipFill>
-        <p:spPr bwMode="auto">
-          <a:xfrm>
-            <a:off x="4500198" y="1123951"/>
-            <a:ext cx="6468203" cy="4333023"/>
-          </a:xfrm>
-          <a:prstGeom prst="rect">
-            <a:avLst/>
-          </a:prstGeom>
-          <a:noFill/>
-          <a:ln>
-            <a:noFill/>
-          </a:ln>
-          <a:extLst>
-            <a:ext uri="{909E8E84-426E-40DD-AFC4-6F175D3DCCD1}">
-              <a14:hiddenFill xmlns:a14="http://schemas.microsoft.com/office/drawing/2010/main">
-                <a:solidFill>
-                  <a:srgbClr val="FFFFFF"/>
-                </a:solidFill>
-              </a14:hiddenFill>
-            </a:ext>
-            <a:ext uri="{91240B29-F687-4F45-9708-019B960494DF}">
-              <a14:hiddenLine xmlns:a14="http://schemas.microsoft.com/office/drawing/2010/main" w="9525">
-                <a:solidFill>
-                  <a:srgbClr val="000000"/>
-                </a:solidFill>
-                <a:miter lim="800000"/>
-                <a:headEnd/>
-                <a:tailEnd/>
-              </a14:hiddenLine>
-            </a:ext>
-          </a:extLst>
-        </p:spPr>
-      </p:pic>
-      <p:sp>
-        <p:nvSpPr>
-          <p:cNvPr id="3" name="Retângulo 2">
-            <a:extLst>
-              <a:ext uri="{FF2B5EF4-FFF2-40B4-BE49-F238E27FC236}">
-                <a16:creationId xmlns:a16="http://schemas.microsoft.com/office/drawing/2014/main" id="{39D2D394-B0CC-4754-A0B8-39E1135A80E2}"/>
-              </a:ext>
-            </a:extLst>
-          </p:cNvPr>
-          <p:cNvSpPr/>
-          <p:nvPr/>
-        </p:nvSpPr>
-        <p:spPr>
-          <a:xfrm>
-            <a:off x="7600950" y="2990850"/>
-            <a:ext cx="2247900" cy="876300"/>
-          </a:xfrm>
-          <a:prstGeom prst="rect">
-            <a:avLst/>
-          </a:prstGeom>
-          <a:noFill/>
-          <a:ln w="57150">
-            <a:solidFill>
-              <a:srgbClr val="C00000"/>
-            </a:solidFill>
-          </a:ln>
-        </p:spPr>
-        <p:style>
-          <a:lnRef idx="2">
-            <a:schemeClr val="accent1">
-              <a:shade val="50000"/>
-            </a:schemeClr>
-          </a:lnRef>
-          <a:fillRef idx="1">
-            <a:schemeClr val="accent1"/>
-          </a:fillRef>
-          <a:effectRef idx="0">
-            <a:schemeClr val="accent1"/>
-          </a:effectRef>
-          <a:fontRef idx="minor">
-            <a:schemeClr val="lt1"/>
-          </a:fontRef>
-        </p:style>
-        <p:txBody>
-          <a:bodyPr rtlCol="0" anchor="ctr"/>
-          <a:lstStyle/>
-          <a:p>
-            <a:pPr algn="ctr"/>
-            <a:endParaRPr lang="pt-PT"/>
-          </a:p>
-        </p:txBody>
-      </p:sp>
-    </p:spTree>
-    <p:extLst>
-      <p:ext uri="{BB962C8B-B14F-4D97-AF65-F5344CB8AC3E}">
-        <p14:creationId xmlns:p14="http://schemas.microsoft.com/office/powerpoint/2010/main" val="3858143414"/>
-      </p:ext>
-    </p:extLst>
-  </p:cSld>
-  <p:clrMapOvr>
-    <a:masterClrMapping/>
-  </p:clrMapOvr>
-</p:sld>
-</file>
-
-<file path=ppt/slides/slide8.xml><?xml version="1.0" encoding="utf-8"?>
 <p:sld xmlns:a="http://schemas.openxmlformats.org/drawingml/2006/main" xmlns:r="http://schemas.openxmlformats.org/officeDocument/2006/relationships" xmlns:p="http://schemas.openxmlformats.org/presentationml/2006/main">
   <p:cSld>
     <p:spTree>
@@ -21604,6 +21150,792 @@
   <p:clrMapOvr>
     <a:masterClrMapping/>
   </p:clrMapOvr>
+</p:sld>
+</file>
+
+<file path=ppt/slides/slide8.xml><?xml version="1.0" encoding="utf-8"?>
+<p:sld xmlns:a="http://schemas.openxmlformats.org/drawingml/2006/main" xmlns:r="http://schemas.openxmlformats.org/officeDocument/2006/relationships" xmlns:p="http://schemas.openxmlformats.org/presentationml/2006/main">
+  <p:cSld>
+    <p:bg>
+      <p:bgPr>
+        <a:solidFill>
+          <a:schemeClr val="bg1"/>
+        </a:solidFill>
+        <a:effectLst/>
+      </p:bgPr>
+    </p:bg>
+    <p:spTree>
+      <p:nvGrpSpPr>
+        <p:cNvPr id="1" name=""/>
+        <p:cNvGrpSpPr/>
+        <p:nvPr/>
+      </p:nvGrpSpPr>
+      <p:grpSpPr>
+        <a:xfrm>
+          <a:off x="0" y="0"/>
+          <a:ext cx="0" cy="0"/>
+          <a:chOff x="0" y="0"/>
+          <a:chExt cx="0" cy="0"/>
+        </a:xfrm>
+      </p:grpSpPr>
+      <p:sp>
+        <p:nvSpPr>
+          <p:cNvPr id="9" name="Rectangle 8">
+            <a:extLst>
+              <a:ext uri="{FF2B5EF4-FFF2-40B4-BE49-F238E27FC236}">
+                <a16:creationId xmlns:a16="http://schemas.microsoft.com/office/drawing/2014/main" id="{F240A2FC-E2C3-458D-96B4-5DF9028D93A5}"/>
+              </a:ext>
+            </a:extLst>
+          </p:cNvPr>
+          <p:cNvSpPr>
+            <a:spLocks noGrp="1" noRot="1" noChangeAspect="1" noMove="1" noResize="1" noEditPoints="1" noAdjustHandles="1" noChangeArrowheads="1" noChangeShapeType="1" noTextEdit="1"/>
+          </p:cNvSpPr>
+          <p:nvPr>
+            <p:extLst>
+              <p:ext uri="{386F3935-93C4-4BCD-93E2-E3B085C9AB24}">
+                <p16:designElem xmlns:p16="http://schemas.microsoft.com/office/powerpoint/2015/main" val="1"/>
+              </p:ext>
+            </p:extLst>
+          </p:nvPr>
+        </p:nvSpPr>
+        <p:spPr>
+          <a:xfrm>
+            <a:off x="1" y="6400800"/>
+            <a:ext cx="12192000" cy="457200"/>
+          </a:xfrm>
+          <a:prstGeom prst="rect">
+            <a:avLst/>
+          </a:prstGeom>
+          <a:solidFill>
+            <a:schemeClr val="accent2"/>
+          </a:solidFill>
+          <a:ln>
+            <a:noFill/>
+          </a:ln>
+        </p:spPr>
+        <p:style>
+          <a:lnRef idx="2">
+            <a:schemeClr val="accent1">
+              <a:shade val="50000"/>
+            </a:schemeClr>
+          </a:lnRef>
+          <a:fillRef idx="1">
+            <a:schemeClr val="accent1"/>
+          </a:fillRef>
+          <a:effectRef idx="0">
+            <a:schemeClr val="accent1"/>
+          </a:effectRef>
+          <a:fontRef idx="minor">
+            <a:schemeClr val="lt1"/>
+          </a:fontRef>
+        </p:style>
+      </p:sp>
+      <p:sp>
+        <p:nvSpPr>
+          <p:cNvPr id="11" name="Rectangle 10">
+            <a:extLst>
+              <a:ext uri="{FF2B5EF4-FFF2-40B4-BE49-F238E27FC236}">
+                <a16:creationId xmlns:a16="http://schemas.microsoft.com/office/drawing/2014/main" id="{5F097929-F3D6-4D1F-8AFC-CF348171A9E1}"/>
+              </a:ext>
+            </a:extLst>
+          </p:cNvPr>
+          <p:cNvSpPr>
+            <a:spLocks noGrp="1" noRot="1" noChangeAspect="1" noMove="1" noResize="1" noEditPoints="1" noAdjustHandles="1" noChangeArrowheads="1" noChangeShapeType="1" noTextEdit="1"/>
+          </p:cNvSpPr>
+          <p:nvPr>
+            <p:extLst>
+              <p:ext uri="{386F3935-93C4-4BCD-93E2-E3B085C9AB24}">
+                <p16:designElem xmlns:p16="http://schemas.microsoft.com/office/powerpoint/2015/main" val="1"/>
+              </p:ext>
+            </p:extLst>
+          </p:nvPr>
+        </p:nvSpPr>
+        <p:spPr>
+          <a:xfrm>
+            <a:off x="1" y="6334316"/>
+            <a:ext cx="12192000" cy="66484"/>
+          </a:xfrm>
+          <a:prstGeom prst="rect">
+            <a:avLst/>
+          </a:prstGeom>
+          <a:solidFill>
+            <a:schemeClr val="accent1"/>
+          </a:solidFill>
+          <a:ln>
+            <a:noFill/>
+          </a:ln>
+        </p:spPr>
+        <p:style>
+          <a:lnRef idx="2">
+            <a:schemeClr val="accent1">
+              <a:shade val="50000"/>
+            </a:schemeClr>
+          </a:lnRef>
+          <a:fillRef idx="1">
+            <a:schemeClr val="accent1"/>
+          </a:fillRef>
+          <a:effectRef idx="0">
+            <a:schemeClr val="accent1"/>
+          </a:effectRef>
+          <a:fontRef idx="minor">
+            <a:schemeClr val="lt1"/>
+          </a:fontRef>
+        </p:style>
+      </p:sp>
+      <p:cxnSp>
+        <p:nvCxnSpPr>
+          <p:cNvPr id="13" name="Straight Connector 12">
+            <a:extLst>
+              <a:ext uri="{FF2B5EF4-FFF2-40B4-BE49-F238E27FC236}">
+                <a16:creationId xmlns:a16="http://schemas.microsoft.com/office/drawing/2014/main" id="{43074C91-9045-414B-B5F9-567DAE3EED25}"/>
+              </a:ext>
+            </a:extLst>
+          </p:cNvPr>
+          <p:cNvCxnSpPr>
+            <a:cxnSpLocks noGrp="1" noRot="1" noChangeAspect="1" noMove="1" noResize="1" noEditPoints="1" noAdjustHandles="1" noChangeArrowheads="1" noChangeShapeType="1"/>
+          </p:cNvCxnSpPr>
+          <p:nvPr>
+            <p:extLst>
+              <p:ext uri="{386F3935-93C4-4BCD-93E2-E3B085C9AB24}">
+                <p16:designElem xmlns:p16="http://schemas.microsoft.com/office/powerpoint/2015/main" val="1"/>
+              </p:ext>
+            </p:extLst>
+          </p:nvPr>
+        </p:nvCxnSpPr>
+        <p:spPr>
+          <a:xfrm>
+            <a:off x="1207658" y="4343400"/>
+            <a:ext cx="9875520" cy="0"/>
+          </a:xfrm>
+          <a:prstGeom prst="line">
+            <a:avLst/>
+          </a:prstGeom>
+          <a:ln w="6350">
+            <a:solidFill>
+              <a:schemeClr val="tx1">
+                <a:lumMod val="50000"/>
+                <a:lumOff val="50000"/>
+              </a:schemeClr>
+            </a:solidFill>
+          </a:ln>
+        </p:spPr>
+        <p:style>
+          <a:lnRef idx="1">
+            <a:schemeClr val="accent1"/>
+          </a:lnRef>
+          <a:fillRef idx="0">
+            <a:schemeClr val="accent1"/>
+          </a:fillRef>
+          <a:effectRef idx="0">
+            <a:schemeClr val="accent1"/>
+          </a:effectRef>
+          <a:fontRef idx="minor">
+            <a:schemeClr val="tx1"/>
+          </a:fontRef>
+        </p:style>
+      </p:cxnSp>
+      <p:sp useBgFill="1">
+        <p:nvSpPr>
+          <p:cNvPr id="15" name="Rectangle 14">
+            <a:extLst>
+              <a:ext uri="{FF2B5EF4-FFF2-40B4-BE49-F238E27FC236}">
+                <a16:creationId xmlns:a16="http://schemas.microsoft.com/office/drawing/2014/main" id="{990BAFCD-EA0A-47F4-8B00-AAB1E67A90CC}"/>
+              </a:ext>
+            </a:extLst>
+          </p:cNvPr>
+          <p:cNvSpPr>
+            <a:spLocks noGrp="1" noRot="1" noChangeAspect="1" noMove="1" noResize="1" noEditPoints="1" noAdjustHandles="1" noChangeArrowheads="1" noChangeShapeType="1" noTextEdit="1"/>
+          </p:cNvSpPr>
+          <p:nvPr>
+            <p:extLst>
+              <p:ext uri="{386F3935-93C4-4BCD-93E2-E3B085C9AB24}">
+                <p16:designElem xmlns:p16="http://schemas.microsoft.com/office/powerpoint/2015/main" val="1"/>
+              </p:ext>
+            </p:extLst>
+          </p:nvPr>
+        </p:nvSpPr>
+        <p:spPr>
+          <a:xfrm>
+            <a:off x="0" y="0"/>
+            <a:ext cx="12192001" cy="4904190"/>
+          </a:xfrm>
+          <a:prstGeom prst="rect">
+            <a:avLst/>
+          </a:prstGeom>
+          <a:ln>
+            <a:noFill/>
+          </a:ln>
+        </p:spPr>
+        <p:style>
+          <a:lnRef idx="2">
+            <a:schemeClr val="accent1">
+              <a:shade val="50000"/>
+            </a:schemeClr>
+          </a:lnRef>
+          <a:fillRef idx="1">
+            <a:schemeClr val="accent1"/>
+          </a:fillRef>
+          <a:effectRef idx="0">
+            <a:schemeClr val="accent1"/>
+          </a:effectRef>
+          <a:fontRef idx="minor">
+            <a:schemeClr val="lt1"/>
+          </a:fontRef>
+        </p:style>
+        <p:txBody>
+          <a:bodyPr rtlCol="0" anchor="ctr"/>
+          <a:lstStyle/>
+          <a:p>
+            <a:pPr marL="0" marR="0" lvl="0" indent="0" algn="ctr" defTabSz="457200" rtl="0" eaLnBrk="1" fontAlgn="auto" latinLnBrk="0" hangingPunct="1">
+              <a:lnSpc>
+                <a:spcPct val="100000"/>
+              </a:lnSpc>
+              <a:spcBef>
+                <a:spcPts val="0"/>
+              </a:spcBef>
+              <a:spcAft>
+                <a:spcPts val="0"/>
+              </a:spcAft>
+              <a:buClrTx/>
+              <a:buSzTx/>
+              <a:buFontTx/>
+              <a:buNone/>
+              <a:tabLst/>
+              <a:defRPr/>
+            </a:pPr>
+            <a:endParaRPr kumimoji="0" lang="en-US" sz="1800" b="0" i="0" u="none" strike="noStrike" kern="1200" cap="none" spc="0" normalizeH="0" baseline="0" noProof="0">
+              <a:ln>
+                <a:noFill/>
+              </a:ln>
+              <a:solidFill>
+                <a:prstClr val="white"/>
+              </a:solidFill>
+              <a:effectLst/>
+              <a:uLnTx/>
+              <a:uFillTx/>
+              <a:latin typeface="Calibri" panose="020F0502020204030204"/>
+              <a:ea typeface="+mn-ea"/>
+              <a:cs typeface="+mn-cs"/>
+            </a:endParaRPr>
+          </a:p>
+        </p:txBody>
+      </p:sp>
+      <p:sp>
+        <p:nvSpPr>
+          <p:cNvPr id="17" name="Rectangle 16">
+            <a:extLst>
+              <a:ext uri="{FF2B5EF4-FFF2-40B4-BE49-F238E27FC236}">
+                <a16:creationId xmlns:a16="http://schemas.microsoft.com/office/drawing/2014/main" id="{621D8EC4-8163-48C9-89D6-8555E98AB9A8}"/>
+              </a:ext>
+            </a:extLst>
+          </p:cNvPr>
+          <p:cNvSpPr>
+            <a:spLocks noGrp="1" noRot="1" noChangeAspect="1" noMove="1" noResize="1" noEditPoints="1" noAdjustHandles="1" noChangeArrowheads="1" noChangeShapeType="1" noTextEdit="1"/>
+          </p:cNvSpPr>
+          <p:nvPr>
+            <p:extLst>
+              <p:ext uri="{386F3935-93C4-4BCD-93E2-E3B085C9AB24}">
+                <p16:designElem xmlns:p16="http://schemas.microsoft.com/office/powerpoint/2015/main" val="1"/>
+              </p:ext>
+            </p:extLst>
+          </p:nvPr>
+        </p:nvSpPr>
+        <p:spPr bwMode="white">
+          <a:xfrm>
+            <a:off x="1507" y="4953000"/>
+            <a:ext cx="12188952" cy="1905000"/>
+          </a:xfrm>
+          <a:prstGeom prst="rect">
+            <a:avLst/>
+          </a:prstGeom>
+          <a:solidFill>
+            <a:schemeClr val="accent2"/>
+          </a:solidFill>
+          <a:ln>
+            <a:noFill/>
+          </a:ln>
+        </p:spPr>
+        <p:style>
+          <a:lnRef idx="2">
+            <a:schemeClr val="accent1">
+              <a:shade val="50000"/>
+            </a:schemeClr>
+          </a:lnRef>
+          <a:fillRef idx="1">
+            <a:schemeClr val="accent1"/>
+          </a:fillRef>
+          <a:effectRef idx="0">
+            <a:schemeClr val="accent1"/>
+          </a:effectRef>
+          <a:fontRef idx="minor">
+            <a:schemeClr val="lt1"/>
+          </a:fontRef>
+        </p:style>
+      </p:sp>
+      <p:sp>
+        <p:nvSpPr>
+          <p:cNvPr id="19" name="Rectangle 18">
+            <a:extLst>
+              <a:ext uri="{FF2B5EF4-FFF2-40B4-BE49-F238E27FC236}">
+                <a16:creationId xmlns:a16="http://schemas.microsoft.com/office/drawing/2014/main" id="{7B7C6C2A-33C4-4D5D-8EB1-A8803DCB7566}"/>
+              </a:ext>
+            </a:extLst>
+          </p:cNvPr>
+          <p:cNvSpPr>
+            <a:spLocks noGrp="1" noRot="1" noChangeAspect="1" noMove="1" noResize="1" noEditPoints="1" noAdjustHandles="1" noChangeArrowheads="1" noChangeShapeType="1" noTextEdit="1"/>
+          </p:cNvSpPr>
+          <p:nvPr>
+            <p:extLst>
+              <p:ext uri="{386F3935-93C4-4BCD-93E2-E3B085C9AB24}">
+                <p16:designElem xmlns:p16="http://schemas.microsoft.com/office/powerpoint/2015/main" val="1"/>
+              </p:ext>
+            </p:extLst>
+          </p:nvPr>
+        </p:nvSpPr>
+        <p:spPr>
+          <a:xfrm>
+            <a:off x="1507" y="4906176"/>
+            <a:ext cx="12188952" cy="64008"/>
+          </a:xfrm>
+          <a:prstGeom prst="rect">
+            <a:avLst/>
+          </a:prstGeom>
+          <a:solidFill>
+            <a:schemeClr val="accent1"/>
+          </a:solidFill>
+          <a:ln>
+            <a:noFill/>
+          </a:ln>
+        </p:spPr>
+        <p:style>
+          <a:lnRef idx="2">
+            <a:schemeClr val="accent1">
+              <a:shade val="50000"/>
+            </a:schemeClr>
+          </a:lnRef>
+          <a:fillRef idx="1">
+            <a:schemeClr val="accent1"/>
+          </a:fillRef>
+          <a:effectRef idx="0">
+            <a:schemeClr val="accent1"/>
+          </a:effectRef>
+          <a:fontRef idx="minor">
+            <a:schemeClr val="lt1"/>
+          </a:fontRef>
+        </p:style>
+      </p:sp>
+      <p:sp>
+        <p:nvSpPr>
+          <p:cNvPr id="2" name="Título 1">
+            <a:extLst>
+              <a:ext uri="{FF2B5EF4-FFF2-40B4-BE49-F238E27FC236}">
+                <a16:creationId xmlns:a16="http://schemas.microsoft.com/office/drawing/2014/main" id="{B84D32EF-F67D-495A-8F1E-2E51641581E2}"/>
+              </a:ext>
+            </a:extLst>
+          </p:cNvPr>
+          <p:cNvSpPr>
+            <a:spLocks noGrp="1"/>
+          </p:cNvSpPr>
+          <p:nvPr>
+            <p:ph type="title"/>
+          </p:nvPr>
+        </p:nvSpPr>
+        <p:spPr>
+          <a:xfrm>
+            <a:off x="1066783" y="5802982"/>
+            <a:ext cx="10058400" cy="822960"/>
+          </a:xfrm>
+        </p:spPr>
+        <p:txBody>
+          <a:bodyPr vert="horz" lIns="91440" tIns="45720" rIns="91440" bIns="45720" rtlCol="0" anchor="b">
+            <a:normAutofit fontScale="90000"/>
+          </a:bodyPr>
+          <a:lstStyle/>
+          <a:p>
+            <a:r>
+              <a:rPr lang="en-US" sz="4400" dirty="0" err="1"/>
+              <a:t>Requisitar</a:t>
+            </a:r>
+            <a:r>
+              <a:rPr lang="en-US" sz="4400" dirty="0"/>
+              <a:t> </a:t>
+            </a:r>
+            <a:r>
+              <a:rPr lang="en-US" sz="4400" dirty="0" err="1"/>
+              <a:t>Serviço</a:t>
+            </a:r>
+            <a:br>
+              <a:rPr lang="en-US" sz="900" dirty="0"/>
+            </a:br>
+            <a:br>
+              <a:rPr lang="en-US" sz="900" dirty="0"/>
+            </a:br>
+            <a:br>
+              <a:rPr lang="en-US" sz="900" dirty="0"/>
+            </a:br>
+            <a:br>
+              <a:rPr lang="en-US" sz="900" dirty="0"/>
+            </a:br>
+            <a:br>
+              <a:rPr lang="en-US" sz="900" dirty="0"/>
+            </a:br>
+            <a:br>
+              <a:rPr lang="en-US" sz="900" dirty="0"/>
+            </a:br>
+            <a:endParaRPr lang="en-US" sz="900" dirty="0"/>
+          </a:p>
+        </p:txBody>
+      </p:sp>
+      <p:grpSp>
+        <p:nvGrpSpPr>
+          <p:cNvPr id="8" name="Grupo 7">
+            <a:extLst>
+              <a:ext uri="{FF2B5EF4-FFF2-40B4-BE49-F238E27FC236}">
+                <a16:creationId xmlns:a16="http://schemas.microsoft.com/office/drawing/2014/main" id="{924C9584-6D12-4011-9D2B-23B3DAFC2903}"/>
+              </a:ext>
+            </a:extLst>
+          </p:cNvPr>
+          <p:cNvGrpSpPr/>
+          <p:nvPr/>
+        </p:nvGrpSpPr>
+        <p:grpSpPr>
+          <a:xfrm>
+            <a:off x="-1541" y="457200"/>
+            <a:ext cx="12192000" cy="4319500"/>
+            <a:chOff x="-1541" y="457200"/>
+            <a:chExt cx="12192000" cy="4319500"/>
+          </a:xfrm>
+        </p:grpSpPr>
+        <p:pic>
+          <p:nvPicPr>
+            <p:cNvPr id="4" name="Imagem 3" descr="Uma imagem com captura de ecrã&#10;&#10;Descrição gerada com confiança muito alta">
+              <a:extLst>
+                <a:ext uri="{FF2B5EF4-FFF2-40B4-BE49-F238E27FC236}">
+                  <a16:creationId xmlns:a16="http://schemas.microsoft.com/office/drawing/2014/main" id="{7FC2E6AD-80AB-4445-B725-763E0A2A63BB}"/>
+                </a:ext>
+              </a:extLst>
+            </p:cNvPr>
+            <p:cNvPicPr>
+              <a:picLocks noChangeAspect="1"/>
+            </p:cNvPicPr>
+            <p:nvPr/>
+          </p:nvPicPr>
+          <p:blipFill>
+            <a:blip r:embed="rId3"/>
+            <a:stretch>
+              <a:fillRect/>
+            </a:stretch>
+          </p:blipFill>
+          <p:spPr>
+            <a:xfrm>
+              <a:off x="-1541" y="457200"/>
+              <a:ext cx="12192000" cy="4319500"/>
+            </a:xfrm>
+            <a:prstGeom prst="rect">
+              <a:avLst/>
+            </a:prstGeom>
+          </p:spPr>
+        </p:pic>
+        <p:sp>
+          <p:nvSpPr>
+            <p:cNvPr id="5" name="Retângulo 4">
+              <a:extLst>
+                <a:ext uri="{FF2B5EF4-FFF2-40B4-BE49-F238E27FC236}">
+                  <a16:creationId xmlns:a16="http://schemas.microsoft.com/office/drawing/2014/main" id="{55CC5EE1-1C4F-4094-B9FA-27C055024426}"/>
+                </a:ext>
+              </a:extLst>
+            </p:cNvPr>
+            <p:cNvSpPr/>
+            <p:nvPr/>
+          </p:nvSpPr>
+          <p:spPr>
+            <a:xfrm>
+              <a:off x="5168900" y="1600200"/>
+              <a:ext cx="6996159" cy="2848763"/>
+            </a:xfrm>
+            <a:prstGeom prst="rect">
+              <a:avLst/>
+            </a:prstGeom>
+            <a:noFill/>
+            <a:ln w="28575">
+              <a:solidFill>
+                <a:srgbClr val="C00000"/>
+              </a:solidFill>
+            </a:ln>
+          </p:spPr>
+          <p:style>
+            <a:lnRef idx="2">
+              <a:schemeClr val="accent6"/>
+            </a:lnRef>
+            <a:fillRef idx="1">
+              <a:schemeClr val="lt1"/>
+            </a:fillRef>
+            <a:effectRef idx="0">
+              <a:schemeClr val="accent6"/>
+            </a:effectRef>
+            <a:fontRef idx="minor">
+              <a:schemeClr val="dk1"/>
+            </a:fontRef>
+          </p:style>
+          <p:txBody>
+            <a:bodyPr rtlCol="0" anchor="ctr"/>
+            <a:lstStyle/>
+            <a:p>
+              <a:pPr algn="ctr"/>
+              <a:endParaRPr lang="pt-PT"/>
+            </a:p>
+          </p:txBody>
+        </p:sp>
+      </p:grpSp>
+      <p:grpSp>
+        <p:nvGrpSpPr>
+          <p:cNvPr id="21" name="Grupo 20">
+            <a:extLst>
+              <a:ext uri="{FF2B5EF4-FFF2-40B4-BE49-F238E27FC236}">
+                <a16:creationId xmlns:a16="http://schemas.microsoft.com/office/drawing/2014/main" id="{AFCE4DE8-1403-4237-A355-98D3EFB8B01E}"/>
+              </a:ext>
+            </a:extLst>
+          </p:cNvPr>
+          <p:cNvGrpSpPr/>
+          <p:nvPr/>
+        </p:nvGrpSpPr>
+        <p:grpSpPr>
+          <a:xfrm>
+            <a:off x="-9561" y="433138"/>
+            <a:ext cx="12192000" cy="4319500"/>
+            <a:chOff x="-1541" y="457200"/>
+            <a:chExt cx="12192000" cy="4319500"/>
+          </a:xfrm>
+        </p:grpSpPr>
+        <p:pic>
+          <p:nvPicPr>
+            <p:cNvPr id="22" name="Imagem 21" descr="Uma imagem com captura de ecrã&#10;&#10;Descrição gerada com confiança muito alta">
+              <a:extLst>
+                <a:ext uri="{FF2B5EF4-FFF2-40B4-BE49-F238E27FC236}">
+                  <a16:creationId xmlns:a16="http://schemas.microsoft.com/office/drawing/2014/main" id="{CCC72924-D7D5-49E8-ABDD-1E7BF9A58E57}"/>
+                </a:ext>
+              </a:extLst>
+            </p:cNvPr>
+            <p:cNvPicPr>
+              <a:picLocks noChangeAspect="1"/>
+            </p:cNvPicPr>
+            <p:nvPr/>
+          </p:nvPicPr>
+          <p:blipFill>
+            <a:blip r:embed="rId3">
+              <a:lum bright="70000" contrast="-70000"/>
+            </a:blip>
+            <a:stretch>
+              <a:fillRect/>
+            </a:stretch>
+          </p:blipFill>
+          <p:spPr>
+            <a:xfrm>
+              <a:off x="-1541" y="457200"/>
+              <a:ext cx="12192000" cy="4319500"/>
+            </a:xfrm>
+            <a:prstGeom prst="rect">
+              <a:avLst/>
+            </a:prstGeom>
+          </p:spPr>
+        </p:pic>
+        <p:sp>
+          <p:nvSpPr>
+            <p:cNvPr id="23" name="Retângulo 22">
+              <a:extLst>
+                <a:ext uri="{FF2B5EF4-FFF2-40B4-BE49-F238E27FC236}">
+                  <a16:creationId xmlns:a16="http://schemas.microsoft.com/office/drawing/2014/main" id="{15A77F6B-DC17-4B7C-A9F5-0EE7E3DA94C2}"/>
+                </a:ext>
+              </a:extLst>
+            </p:cNvPr>
+            <p:cNvSpPr/>
+            <p:nvPr/>
+          </p:nvSpPr>
+          <p:spPr>
+            <a:xfrm>
+              <a:off x="5168900" y="1600200"/>
+              <a:ext cx="6996159" cy="2848763"/>
+            </a:xfrm>
+            <a:prstGeom prst="rect">
+              <a:avLst/>
+            </a:prstGeom>
+            <a:noFill/>
+            <a:ln w="28575">
+              <a:solidFill>
+                <a:srgbClr val="C00000"/>
+              </a:solidFill>
+            </a:ln>
+          </p:spPr>
+          <p:style>
+            <a:lnRef idx="2">
+              <a:schemeClr val="accent6"/>
+            </a:lnRef>
+            <a:fillRef idx="1">
+              <a:schemeClr val="lt1"/>
+            </a:fillRef>
+            <a:effectRef idx="0">
+              <a:schemeClr val="accent6"/>
+            </a:effectRef>
+            <a:fontRef idx="minor">
+              <a:schemeClr val="dk1"/>
+            </a:fontRef>
+          </p:style>
+          <p:txBody>
+            <a:bodyPr rtlCol="0" anchor="ctr"/>
+            <a:lstStyle/>
+            <a:p>
+              <a:pPr algn="ctr"/>
+              <a:endParaRPr lang="pt-PT"/>
+            </a:p>
+          </p:txBody>
+        </p:sp>
+      </p:grpSp>
+      <p:pic>
+        <p:nvPicPr>
+          <p:cNvPr id="20" name="Imagem 19" descr="Uma imagem com captura de ecrã&#10;&#10;Descrição gerada com confiança muito alta">
+            <a:extLst>
+              <a:ext uri="{FF2B5EF4-FFF2-40B4-BE49-F238E27FC236}">
+                <a16:creationId xmlns:a16="http://schemas.microsoft.com/office/drawing/2014/main" id="{7655E02D-11F6-4229-9868-420D6CA1D368}"/>
+              </a:ext>
+            </a:extLst>
+          </p:cNvPr>
+          <p:cNvPicPr>
+            <a:picLocks noChangeAspect="1"/>
+          </p:cNvPicPr>
+          <p:nvPr/>
+        </p:nvPicPr>
+        <p:blipFill rotWithShape="1">
+          <a:blip r:embed="rId3"/>
+          <a:srcRect l="42850" t="28846" b="7589"/>
+          <a:stretch/>
+        </p:blipFill>
+        <p:spPr>
+          <a:xfrm>
+            <a:off x="279547" y="660185"/>
+            <a:ext cx="11632906" cy="4584032"/>
+          </a:xfrm>
+          <a:prstGeom prst="rect">
+            <a:avLst/>
+          </a:prstGeom>
+          <a:ln w="28575">
+            <a:solidFill>
+              <a:srgbClr val="C00000"/>
+            </a:solidFill>
+          </a:ln>
+        </p:spPr>
+      </p:pic>
+    </p:spTree>
+    <p:extLst>
+      <p:ext uri="{BB962C8B-B14F-4D97-AF65-F5344CB8AC3E}">
+        <p14:creationId xmlns:p14="http://schemas.microsoft.com/office/powerpoint/2010/main" val="3330855561"/>
+      </p:ext>
+    </p:extLst>
+  </p:cSld>
+  <p:clrMapOvr>
+    <a:masterClrMapping/>
+  </p:clrMapOvr>
+  <p:timing>
+    <p:tnLst>
+      <p:par>
+        <p:cTn id="1" dur="indefinite" restart="never" nodeType="tmRoot">
+          <p:childTnLst>
+            <p:seq concurrent="1" nextAc="seek">
+              <p:cTn id="2" dur="indefinite" nodeType="mainSeq">
+                <p:childTnLst>
+                  <p:par>
+                    <p:cTn id="3" fill="hold">
+                      <p:stCondLst>
+                        <p:cond delay="indefinite"/>
+                      </p:stCondLst>
+                      <p:childTnLst>
+                        <p:par>
+                          <p:cTn id="4" fill="hold">
+                            <p:stCondLst>
+                              <p:cond delay="0"/>
+                            </p:stCondLst>
+                            <p:childTnLst>
+                              <p:par>
+                                <p:cTn id="5" presetID="1" presetClass="entr" presetSubtype="0" fill="hold" nodeType="clickEffect">
+                                  <p:stCondLst>
+                                    <p:cond delay="0"/>
+                                  </p:stCondLst>
+                                  <p:childTnLst>
+                                    <p:set>
+                                      <p:cBhvr>
+                                        <p:cTn id="6" dur="1" fill="hold">
+                                          <p:stCondLst>
+                                            <p:cond delay="0"/>
+                                          </p:stCondLst>
+                                        </p:cTn>
+                                        <p:tgtEl>
+                                          <p:spTgt spid="20"/>
+                                        </p:tgtEl>
+                                        <p:attrNameLst>
+                                          <p:attrName>style.visibility</p:attrName>
+                                        </p:attrNameLst>
+                                      </p:cBhvr>
+                                      <p:to>
+                                        <p:strVal val="visible"/>
+                                      </p:to>
+                                    </p:set>
+                                  </p:childTnLst>
+                                </p:cTn>
+                              </p:par>
+                              <p:par>
+                                <p:cTn id="7" presetID="1" presetClass="entr" presetSubtype="0" fill="hold" nodeType="withEffect">
+                                  <p:stCondLst>
+                                    <p:cond delay="0"/>
+                                  </p:stCondLst>
+                                  <p:childTnLst>
+                                    <p:set>
+                                      <p:cBhvr>
+                                        <p:cTn id="8" dur="1" fill="hold">
+                                          <p:stCondLst>
+                                            <p:cond delay="0"/>
+                                          </p:stCondLst>
+                                        </p:cTn>
+                                        <p:tgtEl>
+                                          <p:spTgt spid="21"/>
+                                        </p:tgtEl>
+                                        <p:attrNameLst>
+                                          <p:attrName>style.visibility</p:attrName>
+                                        </p:attrNameLst>
+                                      </p:cBhvr>
+                                      <p:to>
+                                        <p:strVal val="visible"/>
+                                      </p:to>
+                                    </p:set>
+                                  </p:childTnLst>
+                                </p:cTn>
+                              </p:par>
+                            </p:childTnLst>
+                          </p:cTn>
+                        </p:par>
+                      </p:childTnLst>
+                    </p:cTn>
+                  </p:par>
+                </p:childTnLst>
+              </p:cTn>
+              <p:prevCondLst>
+                <p:cond evt="onPrev" delay="0">
+                  <p:tgtEl>
+                    <p:sldTgt/>
+                  </p:tgtEl>
+                </p:cond>
+              </p:prevCondLst>
+              <p:nextCondLst>
+                <p:cond evt="onNext" delay="0">
+                  <p:tgtEl>
+                    <p:sldTgt/>
+                  </p:tgtEl>
+                </p:cond>
+              </p:nextCondLst>
+            </p:seq>
+          </p:childTnLst>
+        </p:cTn>
+      </p:par>
+    </p:tnLst>
+  </p:timing>
 </p:sld>
 </file>
 
